--- a/presentations/2025/03/Princeton_LLNL_Hackathon/Git_development_Workflow.pptx
+++ b/presentations/2025/03/Princeton_LLNL_Hackathon/Git_development_Workflow.pptx
@@ -5,22 +5,24 @@
     <p:sldMasterId id="2147483648" r:id="rId1"/>
   </p:sldMasterIdLst>
   <p:notesMasterIdLst>
-    <p:notesMasterId r:id="rId15"/>
+    <p:notesMasterId r:id="rId17"/>
   </p:notesMasterIdLst>
   <p:sldIdLst>
     <p:sldId id="256" r:id="rId2"/>
     <p:sldId id="261" r:id="rId3"/>
     <p:sldId id="262" r:id="rId4"/>
-    <p:sldId id="266" r:id="rId5"/>
-    <p:sldId id="257" r:id="rId6"/>
-    <p:sldId id="259" r:id="rId7"/>
-    <p:sldId id="264" r:id="rId8"/>
-    <p:sldId id="260" r:id="rId9"/>
-    <p:sldId id="263" r:id="rId10"/>
-    <p:sldId id="269" r:id="rId11"/>
-    <p:sldId id="267" r:id="rId12"/>
-    <p:sldId id="271" r:id="rId13"/>
-    <p:sldId id="270" r:id="rId14"/>
+    <p:sldId id="273" r:id="rId5"/>
+    <p:sldId id="272" r:id="rId6"/>
+    <p:sldId id="266" r:id="rId7"/>
+    <p:sldId id="257" r:id="rId8"/>
+    <p:sldId id="259" r:id="rId9"/>
+    <p:sldId id="264" r:id="rId10"/>
+    <p:sldId id="260" r:id="rId11"/>
+    <p:sldId id="263" r:id="rId12"/>
+    <p:sldId id="269" r:id="rId13"/>
+    <p:sldId id="267" r:id="rId14"/>
+    <p:sldId id="271" r:id="rId15"/>
+    <p:sldId id="270" r:id="rId16"/>
   </p:sldIdLst>
   <p:sldSz cx="12192000" cy="6858000"/>
   <p:notesSz cx="6858000" cy="9144000"/>
@@ -602,6 +604,272 @@
         <p:cNvPr id="1" name="">
           <a:extLst>
             <a:ext uri="{FF2B5EF4-FFF2-40B4-BE49-F238E27FC236}">
+              <a16:creationId xmlns:a16="http://schemas.microsoft.com/office/drawing/2014/main" id="{3BD61897-F192-4188-8E2D-EABC003401FE}"/>
+            </a:ext>
+          </a:extLst>
+        </p:cNvPr>
+        <p:cNvGrpSpPr/>
+        <p:nvPr/>
+      </p:nvGrpSpPr>
+      <p:grpSpPr>
+        <a:xfrm>
+          <a:off x="0" y="0"/>
+          <a:ext cx="0" cy="0"/>
+          <a:chOff x="0" y="0"/>
+          <a:chExt cx="0" cy="0"/>
+        </a:xfrm>
+      </p:grpSpPr>
+      <p:sp>
+        <p:nvSpPr>
+          <p:cNvPr id="2" name="Slide Image Placeholder 1">
+            <a:extLst>
+              <a:ext uri="{FF2B5EF4-FFF2-40B4-BE49-F238E27FC236}">
+                <a16:creationId xmlns:a16="http://schemas.microsoft.com/office/drawing/2014/main" id="{D07CB9AB-D0F2-38D9-5D30-15FF2D58432F}"/>
+              </a:ext>
+            </a:extLst>
+          </p:cNvPr>
+          <p:cNvSpPr>
+            <a:spLocks noGrp="1" noRot="1" noChangeAspect="1"/>
+          </p:cNvSpPr>
+          <p:nvPr>
+            <p:ph type="sldImg"/>
+          </p:nvPr>
+        </p:nvSpPr>
+        <p:spPr/>
+      </p:sp>
+      <p:sp>
+        <p:nvSpPr>
+          <p:cNvPr id="3" name="Notes Placeholder 2">
+            <a:extLst>
+              <a:ext uri="{FF2B5EF4-FFF2-40B4-BE49-F238E27FC236}">
+                <a16:creationId xmlns:a16="http://schemas.microsoft.com/office/drawing/2014/main" id="{9642888F-9B12-3120-D014-1823CFCF986D}"/>
+              </a:ext>
+            </a:extLst>
+          </p:cNvPr>
+          <p:cNvSpPr>
+            <a:spLocks noGrp="1"/>
+          </p:cNvSpPr>
+          <p:nvPr>
+            <p:ph type="body" idx="1"/>
+          </p:nvPr>
+        </p:nvSpPr>
+        <p:spPr/>
+        <p:txBody>
+          <a:bodyPr/>
+          <a:lstStyle/>
+          <a:p>
+            <a:r>
+              <a:rPr lang="en-US" dirty="0"/>
+              <a:t>Before you start working make sure to sync the fork of the branch you plan on working, so that you are up to date.</a:t>
+            </a:r>
+          </a:p>
+          <a:p>
+            <a:endParaRPr lang="en-US" dirty="0"/>
+          </a:p>
+          <a:p>
+            <a:endParaRPr lang="en-US" dirty="0"/>
+          </a:p>
+        </p:txBody>
+      </p:sp>
+      <p:sp>
+        <p:nvSpPr>
+          <p:cNvPr id="4" name="Slide Number Placeholder 3">
+            <a:extLst>
+              <a:ext uri="{FF2B5EF4-FFF2-40B4-BE49-F238E27FC236}">
+                <a16:creationId xmlns:a16="http://schemas.microsoft.com/office/drawing/2014/main" id="{AA8B92CA-CA0E-E146-1D0C-873011C0E03A}"/>
+              </a:ext>
+            </a:extLst>
+          </p:cNvPr>
+          <p:cNvSpPr>
+            <a:spLocks noGrp="1"/>
+          </p:cNvSpPr>
+          <p:nvPr>
+            <p:ph type="sldNum" sz="quarter" idx="5"/>
+          </p:nvPr>
+        </p:nvSpPr>
+        <p:spPr/>
+        <p:txBody>
+          <a:bodyPr/>
+          <a:lstStyle/>
+          <a:p>
+            <a:fld id="{D59CD9E3-3C77-0840-8EE1-6718BCCBFD7B}" type="slidenum">
+              <a:rPr lang="en-US" smtClean="0"/>
+              <a:t>12</a:t>
+            </a:fld>
+            <a:endParaRPr lang="en-US"/>
+          </a:p>
+        </p:txBody>
+      </p:sp>
+    </p:spTree>
+    <p:extLst>
+      <p:ext uri="{BB962C8B-B14F-4D97-AF65-F5344CB8AC3E}">
+        <p14:creationId xmlns:p14="http://schemas.microsoft.com/office/powerpoint/2010/main" val="1304140257"/>
+      </p:ext>
+    </p:extLst>
+  </p:cSld>
+  <p:clrMapOvr>
+    <a:masterClrMapping/>
+  </p:clrMapOvr>
+</p:notes>
+</file>
+
+<file path=ppt/notesSlides/notesSlide11.xml><?xml version="1.0" encoding="utf-8"?>
+<p:notes xmlns:a="http://schemas.openxmlformats.org/drawingml/2006/main" xmlns:r="http://schemas.openxmlformats.org/officeDocument/2006/relationships" xmlns:p="http://schemas.openxmlformats.org/presentationml/2006/main">
+  <p:cSld>
+    <p:spTree>
+      <p:nvGrpSpPr>
+        <p:cNvPr id="1" name="">
+          <a:extLst>
+            <a:ext uri="{FF2B5EF4-FFF2-40B4-BE49-F238E27FC236}">
+              <a16:creationId xmlns:a16="http://schemas.microsoft.com/office/drawing/2014/main" id="{531958E5-4C7F-B250-EE26-B453AA04133F}"/>
+            </a:ext>
+          </a:extLst>
+        </p:cNvPr>
+        <p:cNvGrpSpPr/>
+        <p:nvPr/>
+      </p:nvGrpSpPr>
+      <p:grpSpPr>
+        <a:xfrm>
+          <a:off x="0" y="0"/>
+          <a:ext cx="0" cy="0"/>
+          <a:chOff x="0" y="0"/>
+          <a:chExt cx="0" cy="0"/>
+        </a:xfrm>
+      </p:grpSpPr>
+      <p:sp>
+        <p:nvSpPr>
+          <p:cNvPr id="2" name="Slide Image Placeholder 1">
+            <a:extLst>
+              <a:ext uri="{FF2B5EF4-FFF2-40B4-BE49-F238E27FC236}">
+                <a16:creationId xmlns:a16="http://schemas.microsoft.com/office/drawing/2014/main" id="{73F54100-0C48-2395-B55C-1ADAC45EA3F8}"/>
+              </a:ext>
+            </a:extLst>
+          </p:cNvPr>
+          <p:cNvSpPr>
+            <a:spLocks noGrp="1" noRot="1" noChangeAspect="1"/>
+          </p:cNvSpPr>
+          <p:nvPr>
+            <p:ph type="sldImg"/>
+          </p:nvPr>
+        </p:nvSpPr>
+        <p:spPr/>
+      </p:sp>
+      <p:sp>
+        <p:nvSpPr>
+          <p:cNvPr id="3" name="Notes Placeholder 2">
+            <a:extLst>
+              <a:ext uri="{FF2B5EF4-FFF2-40B4-BE49-F238E27FC236}">
+                <a16:creationId xmlns:a16="http://schemas.microsoft.com/office/drawing/2014/main" id="{8D2D5D62-78AC-F528-CFF1-900ADB07AC01}"/>
+              </a:ext>
+            </a:extLst>
+          </p:cNvPr>
+          <p:cNvSpPr>
+            <a:spLocks noGrp="1"/>
+          </p:cNvSpPr>
+          <p:nvPr>
+            <p:ph type="body" idx="1"/>
+          </p:nvPr>
+        </p:nvSpPr>
+        <p:spPr/>
+        <p:txBody>
+          <a:bodyPr/>
+          <a:lstStyle/>
+          <a:p>
+            <a:r>
+              <a:rPr lang="en-US" dirty="0"/>
+              <a:t>Everyone knows how to fork and clone a </a:t>
+            </a:r>
+            <a:r>
+              <a:rPr lang="en-US" dirty="0" err="1"/>
+              <a:t>github</a:t>
+            </a:r>
+            <a:r>
+              <a:rPr lang="en-US" dirty="0"/>
+              <a:t> repo to work on it locally?</a:t>
+            </a:r>
+          </a:p>
+          <a:p>
+            <a:endParaRPr lang="en-US" dirty="0"/>
+          </a:p>
+          <a:p>
+            <a:r>
+              <a:rPr lang="en-US" dirty="0"/>
+              <a:t>Fork the code </a:t>
+            </a:r>
+          </a:p>
+          <a:p>
+            <a:endParaRPr lang="en-US" dirty="0"/>
+          </a:p>
+          <a:p>
+            <a:r>
+              <a:rPr lang="en-US" dirty="0"/>
+              <a:t>Clone it </a:t>
+            </a:r>
+          </a:p>
+          <a:p>
+            <a:endParaRPr lang="en-US" dirty="0"/>
+          </a:p>
+          <a:p>
+            <a:r>
+              <a:rPr lang="en-US" dirty="0"/>
+              <a:t>Checkout the PE branch</a:t>
+            </a:r>
+          </a:p>
+          <a:p>
+            <a:endParaRPr lang="en-US" dirty="0"/>
+          </a:p>
+        </p:txBody>
+      </p:sp>
+      <p:sp>
+        <p:nvSpPr>
+          <p:cNvPr id="4" name="Slide Number Placeholder 3">
+            <a:extLst>
+              <a:ext uri="{FF2B5EF4-FFF2-40B4-BE49-F238E27FC236}">
+                <a16:creationId xmlns:a16="http://schemas.microsoft.com/office/drawing/2014/main" id="{0585AF95-DEC9-48A8-01F3-38D120096379}"/>
+              </a:ext>
+            </a:extLst>
+          </p:cNvPr>
+          <p:cNvSpPr>
+            <a:spLocks noGrp="1"/>
+          </p:cNvSpPr>
+          <p:nvPr>
+            <p:ph type="sldNum" sz="quarter" idx="5"/>
+          </p:nvPr>
+        </p:nvSpPr>
+        <p:spPr/>
+        <p:txBody>
+          <a:bodyPr/>
+          <a:lstStyle/>
+          <a:p>
+            <a:fld id="{D59CD9E3-3C77-0840-8EE1-6718BCCBFD7B}" type="slidenum">
+              <a:rPr lang="en-US" smtClean="0"/>
+              <a:t>13</a:t>
+            </a:fld>
+            <a:endParaRPr lang="en-US"/>
+          </a:p>
+        </p:txBody>
+      </p:sp>
+    </p:spTree>
+    <p:extLst>
+      <p:ext uri="{BB962C8B-B14F-4D97-AF65-F5344CB8AC3E}">
+        <p14:creationId xmlns:p14="http://schemas.microsoft.com/office/powerpoint/2010/main" val="4248569512"/>
+      </p:ext>
+    </p:extLst>
+  </p:cSld>
+  <p:clrMapOvr>
+    <a:masterClrMapping/>
+  </p:clrMapOvr>
+</p:notes>
+</file>
+
+<file path=ppt/notesSlides/notesSlide12.xml><?xml version="1.0" encoding="utf-8"?>
+<p:notes xmlns:a="http://schemas.openxmlformats.org/drawingml/2006/main" xmlns:r="http://schemas.openxmlformats.org/officeDocument/2006/relationships" xmlns:p="http://schemas.openxmlformats.org/presentationml/2006/main">
+  <p:cSld>
+    <p:spTree>
+      <p:nvGrpSpPr>
+        <p:cNvPr id="1" name="">
+          <a:extLst>
+            <a:ext uri="{FF2B5EF4-FFF2-40B4-BE49-F238E27FC236}">
               <a16:creationId xmlns:a16="http://schemas.microsoft.com/office/drawing/2014/main" id="{DAF8D46E-740A-2332-9B89-4C021D5E07BE}"/>
             </a:ext>
           </a:extLst>
@@ -724,7 +992,7 @@
           <a:p>
             <a:fld id="{D59CD9E3-3C77-0840-8EE1-6718BCCBFD7B}" type="slidenum">
               <a:rPr lang="en-US" smtClean="0"/>
-              <a:t>12</a:t>
+              <a:t>14</a:t>
             </a:fld>
             <a:endParaRPr lang="en-US"/>
           </a:p>
@@ -743,7 +1011,7 @@
 </p:notes>
 </file>
 
-<file path=ppt/notesSlides/notesSlide11.xml><?xml version="1.0" encoding="utf-8"?>
+<file path=ppt/notesSlides/notesSlide13.xml><?xml version="1.0" encoding="utf-8"?>
 <p:notes xmlns:a="http://schemas.openxmlformats.org/drawingml/2006/main" xmlns:r="http://schemas.openxmlformats.org/officeDocument/2006/relationships" xmlns:p="http://schemas.openxmlformats.org/presentationml/2006/main">
   <p:cSld>
     <p:spTree>
@@ -841,7 +1109,7 @@
           <a:p>
             <a:fld id="{D59CD9E3-3C77-0840-8EE1-6718BCCBFD7B}" type="slidenum">
               <a:rPr lang="en-US" smtClean="0"/>
-              <a:t>13</a:t>
+              <a:t>15</a:t>
             </a:fld>
             <a:endParaRPr lang="en-US"/>
           </a:p>
@@ -997,7 +1265,13 @@
   <p:cSld>
     <p:spTree>
       <p:nvGrpSpPr>
-        <p:cNvPr id="1" name=""/>
+        <p:cNvPr id="1" name="">
+          <a:extLst>
+            <a:ext uri="{FF2B5EF4-FFF2-40B4-BE49-F238E27FC236}">
+              <a16:creationId xmlns:a16="http://schemas.microsoft.com/office/drawing/2014/main" id="{C9B431AC-36DB-A150-F876-D53E73D109E8}"/>
+            </a:ext>
+          </a:extLst>
+        </p:cNvPr>
         <p:cNvGrpSpPr/>
         <p:nvPr/>
       </p:nvGrpSpPr>
@@ -1011,7 +1285,13 @@
       </p:grpSpPr>
       <p:sp>
         <p:nvSpPr>
-          <p:cNvPr id="2" name="Slide Image Placeholder 1"/>
+          <p:cNvPr id="2" name="Slide Image Placeholder 1">
+            <a:extLst>
+              <a:ext uri="{FF2B5EF4-FFF2-40B4-BE49-F238E27FC236}">
+                <a16:creationId xmlns:a16="http://schemas.microsoft.com/office/drawing/2014/main" id="{02D97417-02E9-A616-3628-9FC1499A0DB9}"/>
+              </a:ext>
+            </a:extLst>
+          </p:cNvPr>
           <p:cNvSpPr>
             <a:spLocks noGrp="1" noRot="1" noChangeAspect="1"/>
           </p:cNvSpPr>
@@ -1023,7 +1303,13 @@
       </p:sp>
       <p:sp>
         <p:nvSpPr>
-          <p:cNvPr id="3" name="Notes Placeholder 2"/>
+          <p:cNvPr id="3" name="Notes Placeholder 2">
+            <a:extLst>
+              <a:ext uri="{FF2B5EF4-FFF2-40B4-BE49-F238E27FC236}">
+                <a16:creationId xmlns:a16="http://schemas.microsoft.com/office/drawing/2014/main" id="{D4D65145-80AD-CD11-64D5-7C87ED289E5A}"/>
+              </a:ext>
+            </a:extLst>
+          </p:cNvPr>
           <p:cNvSpPr>
             <a:spLocks noGrp="1"/>
           </p:cNvSpPr>
@@ -1083,7 +1369,13 @@
       </p:sp>
       <p:sp>
         <p:nvSpPr>
-          <p:cNvPr id="4" name="Slide Number Placeholder 3"/>
+          <p:cNvPr id="4" name="Slide Number Placeholder 3">
+            <a:extLst>
+              <a:ext uri="{FF2B5EF4-FFF2-40B4-BE49-F238E27FC236}">
+                <a16:creationId xmlns:a16="http://schemas.microsoft.com/office/drawing/2014/main" id="{A9B10EA9-6ABF-9426-948C-9C302581ADA8}"/>
+              </a:ext>
+            </a:extLst>
+          </p:cNvPr>
           <p:cNvSpPr>
             <a:spLocks noGrp="1"/>
           </p:cNvSpPr>
@@ -1107,7 +1399,7 @@
     </p:spTree>
     <p:extLst>
       <p:ext uri="{BB962C8B-B14F-4D97-AF65-F5344CB8AC3E}">
-        <p14:creationId xmlns:p14="http://schemas.microsoft.com/office/powerpoint/2010/main" val="3191048264"/>
+        <p14:creationId xmlns:p14="http://schemas.microsoft.com/office/powerpoint/2010/main" val="5703301"/>
       </p:ext>
     </p:extLst>
   </p:cSld>
@@ -1118,6 +1410,155 @@
 </file>
 
 <file path=ppt/notesSlides/notesSlide4.xml><?xml version="1.0" encoding="utf-8"?>
+<p:notes xmlns:a="http://schemas.openxmlformats.org/drawingml/2006/main" xmlns:r="http://schemas.openxmlformats.org/officeDocument/2006/relationships" xmlns:p="http://schemas.openxmlformats.org/presentationml/2006/main">
+  <p:cSld>
+    <p:spTree>
+      <p:nvGrpSpPr>
+        <p:cNvPr id="1" name="">
+          <a:extLst>
+            <a:ext uri="{FF2B5EF4-FFF2-40B4-BE49-F238E27FC236}">
+              <a16:creationId xmlns:a16="http://schemas.microsoft.com/office/drawing/2014/main" id="{15B6BE1B-A22C-FD75-1278-13C208B94311}"/>
+            </a:ext>
+          </a:extLst>
+        </p:cNvPr>
+        <p:cNvGrpSpPr/>
+        <p:nvPr/>
+      </p:nvGrpSpPr>
+      <p:grpSpPr>
+        <a:xfrm>
+          <a:off x="0" y="0"/>
+          <a:ext cx="0" cy="0"/>
+          <a:chOff x="0" y="0"/>
+          <a:chExt cx="0" cy="0"/>
+        </a:xfrm>
+      </p:grpSpPr>
+      <p:sp>
+        <p:nvSpPr>
+          <p:cNvPr id="2" name="Slide Image Placeholder 1">
+            <a:extLst>
+              <a:ext uri="{FF2B5EF4-FFF2-40B4-BE49-F238E27FC236}">
+                <a16:creationId xmlns:a16="http://schemas.microsoft.com/office/drawing/2014/main" id="{47897744-C58D-C035-5D76-7770273C5342}"/>
+              </a:ext>
+            </a:extLst>
+          </p:cNvPr>
+          <p:cNvSpPr>
+            <a:spLocks noGrp="1" noRot="1" noChangeAspect="1"/>
+          </p:cNvSpPr>
+          <p:nvPr>
+            <p:ph type="sldImg"/>
+          </p:nvPr>
+        </p:nvSpPr>
+        <p:spPr/>
+      </p:sp>
+      <p:sp>
+        <p:nvSpPr>
+          <p:cNvPr id="3" name="Notes Placeholder 2">
+            <a:extLst>
+              <a:ext uri="{FF2B5EF4-FFF2-40B4-BE49-F238E27FC236}">
+                <a16:creationId xmlns:a16="http://schemas.microsoft.com/office/drawing/2014/main" id="{D8BBD396-EDAF-218E-548C-274082FE694C}"/>
+              </a:ext>
+            </a:extLst>
+          </p:cNvPr>
+          <p:cNvSpPr>
+            <a:spLocks noGrp="1"/>
+          </p:cNvSpPr>
+          <p:nvPr>
+            <p:ph type="body" idx="1"/>
+          </p:nvPr>
+        </p:nvSpPr>
+        <p:spPr/>
+        <p:txBody>
+          <a:bodyPr/>
+          <a:lstStyle/>
+          <a:p>
+            <a:r>
+              <a:rPr lang="en-US" dirty="0"/>
+              <a:t>Everyone knows how to fork and clone a </a:t>
+            </a:r>
+            <a:r>
+              <a:rPr lang="en-US" dirty="0" err="1"/>
+              <a:t>github</a:t>
+            </a:r>
+            <a:r>
+              <a:rPr lang="en-US" dirty="0"/>
+              <a:t> repo to work on it locally?</a:t>
+            </a:r>
+          </a:p>
+          <a:p>
+            <a:endParaRPr lang="en-US" dirty="0"/>
+          </a:p>
+          <a:p>
+            <a:r>
+              <a:rPr lang="en-US" dirty="0"/>
+              <a:t>Fork the code </a:t>
+            </a:r>
+          </a:p>
+          <a:p>
+            <a:endParaRPr lang="en-US" dirty="0"/>
+          </a:p>
+          <a:p>
+            <a:r>
+              <a:rPr lang="en-US" dirty="0"/>
+              <a:t>Clone it </a:t>
+            </a:r>
+          </a:p>
+          <a:p>
+            <a:endParaRPr lang="en-US" dirty="0"/>
+          </a:p>
+          <a:p>
+            <a:r>
+              <a:rPr lang="en-US" dirty="0"/>
+              <a:t>Checkout the PE branch</a:t>
+            </a:r>
+          </a:p>
+          <a:p>
+            <a:endParaRPr lang="en-US" dirty="0"/>
+          </a:p>
+        </p:txBody>
+      </p:sp>
+      <p:sp>
+        <p:nvSpPr>
+          <p:cNvPr id="4" name="Slide Number Placeholder 3">
+            <a:extLst>
+              <a:ext uri="{FF2B5EF4-FFF2-40B4-BE49-F238E27FC236}">
+                <a16:creationId xmlns:a16="http://schemas.microsoft.com/office/drawing/2014/main" id="{EA3B9A9C-BE01-D789-28CB-960056DC4918}"/>
+              </a:ext>
+            </a:extLst>
+          </p:cNvPr>
+          <p:cNvSpPr>
+            <a:spLocks noGrp="1"/>
+          </p:cNvSpPr>
+          <p:nvPr>
+            <p:ph type="sldNum" sz="quarter" idx="5"/>
+          </p:nvPr>
+        </p:nvSpPr>
+        <p:spPr/>
+        <p:txBody>
+          <a:bodyPr/>
+          <a:lstStyle/>
+          <a:p>
+            <a:fld id="{D59CD9E3-3C77-0840-8EE1-6718BCCBFD7B}" type="slidenum">
+              <a:rPr lang="en-US" smtClean="0"/>
+              <a:t>5</a:t>
+            </a:fld>
+            <a:endParaRPr lang="en-US"/>
+          </a:p>
+        </p:txBody>
+      </p:sp>
+    </p:spTree>
+    <p:extLst>
+      <p:ext uri="{BB962C8B-B14F-4D97-AF65-F5344CB8AC3E}">
+        <p14:creationId xmlns:p14="http://schemas.microsoft.com/office/powerpoint/2010/main" val="3024528169"/>
+      </p:ext>
+    </p:extLst>
+  </p:cSld>
+  <p:clrMapOvr>
+    <a:masterClrMapping/>
+  </p:clrMapOvr>
+</p:notes>
+</file>
+
+<file path=ppt/notesSlides/notesSlide5.xml><?xml version="1.0" encoding="utf-8"?>
 <p:notes xmlns:a="http://schemas.openxmlformats.org/drawingml/2006/main" xmlns:r="http://schemas.openxmlformats.org/officeDocument/2006/relationships" xmlns:p="http://schemas.openxmlformats.org/presentationml/2006/main">
   <p:cSld>
     <p:spTree>
@@ -1161,6 +1602,47 @@
           <a:bodyPr/>
           <a:lstStyle/>
           <a:p>
+            <a:r>
+              <a:rPr lang="en-US" dirty="0"/>
+              <a:t>Everyone knows how to fork and clone a </a:t>
+            </a:r>
+            <a:r>
+              <a:rPr lang="en-US" dirty="0" err="1"/>
+              <a:t>github</a:t>
+            </a:r>
+            <a:r>
+              <a:rPr lang="en-US" dirty="0"/>
+              <a:t> repo to work on it locally?</a:t>
+            </a:r>
+          </a:p>
+          <a:p>
+            <a:endParaRPr lang="en-US" dirty="0"/>
+          </a:p>
+          <a:p>
+            <a:r>
+              <a:rPr lang="en-US" dirty="0"/>
+              <a:t>Fork the code </a:t>
+            </a:r>
+          </a:p>
+          <a:p>
+            <a:endParaRPr lang="en-US" dirty="0"/>
+          </a:p>
+          <a:p>
+            <a:r>
+              <a:rPr lang="en-US" dirty="0"/>
+              <a:t>Clone it </a:t>
+            </a:r>
+          </a:p>
+          <a:p>
+            <a:endParaRPr lang="en-US" dirty="0"/>
+          </a:p>
+          <a:p>
+            <a:r>
+              <a:rPr lang="en-US" dirty="0"/>
+              <a:t>Checkout the PE branch</a:t>
+            </a:r>
+          </a:p>
+          <a:p>
             <a:endParaRPr lang="en-US" dirty="0"/>
           </a:p>
         </p:txBody>
@@ -1191,115 +1673,7 @@
     </p:spTree>
     <p:extLst>
       <p:ext uri="{BB962C8B-B14F-4D97-AF65-F5344CB8AC3E}">
-        <p14:creationId xmlns:p14="http://schemas.microsoft.com/office/powerpoint/2010/main" val="453533866"/>
-      </p:ext>
-    </p:extLst>
-  </p:cSld>
-  <p:clrMapOvr>
-    <a:masterClrMapping/>
-  </p:clrMapOvr>
-</p:notes>
-</file>
-
-<file path=ppt/notesSlides/notesSlide5.xml><?xml version="1.0" encoding="utf-8"?>
-<p:notes xmlns:a="http://schemas.openxmlformats.org/drawingml/2006/main" xmlns:r="http://schemas.openxmlformats.org/officeDocument/2006/relationships" xmlns:p="http://schemas.openxmlformats.org/presentationml/2006/main">
-  <p:cSld>
-    <p:spTree>
-      <p:nvGrpSpPr>
-        <p:cNvPr id="1" name="">
-          <a:extLst>
-            <a:ext uri="{FF2B5EF4-FFF2-40B4-BE49-F238E27FC236}">
-              <a16:creationId xmlns:a16="http://schemas.microsoft.com/office/drawing/2014/main" id="{C71B1E3B-D811-BE02-DD44-AEB57B38A816}"/>
-            </a:ext>
-          </a:extLst>
-        </p:cNvPr>
-        <p:cNvGrpSpPr/>
-        <p:nvPr/>
-      </p:nvGrpSpPr>
-      <p:grpSpPr>
-        <a:xfrm>
-          <a:off x="0" y="0"/>
-          <a:ext cx="0" cy="0"/>
-          <a:chOff x="0" y="0"/>
-          <a:chExt cx="0" cy="0"/>
-        </a:xfrm>
-      </p:grpSpPr>
-      <p:sp>
-        <p:nvSpPr>
-          <p:cNvPr id="2" name="Slide Image Placeholder 1">
-            <a:extLst>
-              <a:ext uri="{FF2B5EF4-FFF2-40B4-BE49-F238E27FC236}">
-                <a16:creationId xmlns:a16="http://schemas.microsoft.com/office/drawing/2014/main" id="{FEBB9DE3-CA88-CA6C-516F-D1F398FE9EBD}"/>
-              </a:ext>
-            </a:extLst>
-          </p:cNvPr>
-          <p:cNvSpPr>
-            <a:spLocks noGrp="1" noRot="1" noChangeAspect="1"/>
-          </p:cNvSpPr>
-          <p:nvPr>
-            <p:ph type="sldImg"/>
-          </p:nvPr>
-        </p:nvSpPr>
-        <p:spPr/>
-      </p:sp>
-      <p:sp>
-        <p:nvSpPr>
-          <p:cNvPr id="3" name="Notes Placeholder 2">
-            <a:extLst>
-              <a:ext uri="{FF2B5EF4-FFF2-40B4-BE49-F238E27FC236}">
-                <a16:creationId xmlns:a16="http://schemas.microsoft.com/office/drawing/2014/main" id="{053EB7FF-F638-ACF5-09B3-DE321041DC97}"/>
-              </a:ext>
-            </a:extLst>
-          </p:cNvPr>
-          <p:cNvSpPr>
-            <a:spLocks noGrp="1"/>
-          </p:cNvSpPr>
-          <p:nvPr>
-            <p:ph type="body" idx="1"/>
-          </p:nvPr>
-        </p:nvSpPr>
-        <p:spPr/>
-        <p:txBody>
-          <a:bodyPr/>
-          <a:lstStyle/>
-          <a:p>
-            <a:endParaRPr lang="en-US" dirty="0"/>
-          </a:p>
-        </p:txBody>
-      </p:sp>
-      <p:sp>
-        <p:nvSpPr>
-          <p:cNvPr id="4" name="Slide Number Placeholder 3">
-            <a:extLst>
-              <a:ext uri="{FF2B5EF4-FFF2-40B4-BE49-F238E27FC236}">
-                <a16:creationId xmlns:a16="http://schemas.microsoft.com/office/drawing/2014/main" id="{C98A753F-C442-604F-C379-C1DC5C98BD68}"/>
-              </a:ext>
-            </a:extLst>
-          </p:cNvPr>
-          <p:cNvSpPr>
-            <a:spLocks noGrp="1"/>
-          </p:cNvSpPr>
-          <p:nvPr>
-            <p:ph type="sldNum" sz="quarter" idx="5"/>
-          </p:nvPr>
-        </p:nvSpPr>
-        <p:spPr/>
-        <p:txBody>
-          <a:bodyPr/>
-          <a:lstStyle/>
-          <a:p>
-            <a:fld id="{D59CD9E3-3C77-0840-8EE1-6718BCCBFD7B}" type="slidenum">
-              <a:rPr lang="en-US" smtClean="0"/>
-              <a:t>7</a:t>
-            </a:fld>
-            <a:endParaRPr lang="en-US"/>
-          </a:p>
-        </p:txBody>
-      </p:sp>
-    </p:spTree>
-    <p:extLst>
-      <p:ext uri="{BB962C8B-B14F-4D97-AF65-F5344CB8AC3E}">
-        <p14:creationId xmlns:p14="http://schemas.microsoft.com/office/powerpoint/2010/main" val="2084205344"/>
+        <p14:creationId xmlns:p14="http://schemas.microsoft.com/office/powerpoint/2010/main" val="3191048264"/>
       </p:ext>
     </p:extLst>
   </p:cSld>
@@ -1353,10 +1727,7 @@
           <a:bodyPr/>
           <a:lstStyle/>
           <a:p>
-            <a:r>
-              <a:rPr lang="en-US" dirty="0"/>
-              <a:t>Here, all explicitly named files</a:t>
-            </a:r>
+            <a:endParaRPr lang="en-US" dirty="0"/>
           </a:p>
         </p:txBody>
       </p:sp>
@@ -1378,6 +1749,201 @@
             <a:fld id="{D59CD9E3-3C77-0840-8EE1-6718BCCBFD7B}" type="slidenum">
               <a:rPr lang="en-US" smtClean="0"/>
               <a:t>8</a:t>
+            </a:fld>
+            <a:endParaRPr lang="en-US"/>
+          </a:p>
+        </p:txBody>
+      </p:sp>
+    </p:spTree>
+    <p:extLst>
+      <p:ext uri="{BB962C8B-B14F-4D97-AF65-F5344CB8AC3E}">
+        <p14:creationId xmlns:p14="http://schemas.microsoft.com/office/powerpoint/2010/main" val="453533866"/>
+      </p:ext>
+    </p:extLst>
+  </p:cSld>
+  <p:clrMapOvr>
+    <a:masterClrMapping/>
+  </p:clrMapOvr>
+</p:notes>
+</file>
+
+<file path=ppt/notesSlides/notesSlide7.xml><?xml version="1.0" encoding="utf-8"?>
+<p:notes xmlns:a="http://schemas.openxmlformats.org/drawingml/2006/main" xmlns:r="http://schemas.openxmlformats.org/officeDocument/2006/relationships" xmlns:p="http://schemas.openxmlformats.org/presentationml/2006/main">
+  <p:cSld>
+    <p:spTree>
+      <p:nvGrpSpPr>
+        <p:cNvPr id="1" name="">
+          <a:extLst>
+            <a:ext uri="{FF2B5EF4-FFF2-40B4-BE49-F238E27FC236}">
+              <a16:creationId xmlns:a16="http://schemas.microsoft.com/office/drawing/2014/main" id="{C71B1E3B-D811-BE02-DD44-AEB57B38A816}"/>
+            </a:ext>
+          </a:extLst>
+        </p:cNvPr>
+        <p:cNvGrpSpPr/>
+        <p:nvPr/>
+      </p:nvGrpSpPr>
+      <p:grpSpPr>
+        <a:xfrm>
+          <a:off x="0" y="0"/>
+          <a:ext cx="0" cy="0"/>
+          <a:chOff x="0" y="0"/>
+          <a:chExt cx="0" cy="0"/>
+        </a:xfrm>
+      </p:grpSpPr>
+      <p:sp>
+        <p:nvSpPr>
+          <p:cNvPr id="2" name="Slide Image Placeholder 1">
+            <a:extLst>
+              <a:ext uri="{FF2B5EF4-FFF2-40B4-BE49-F238E27FC236}">
+                <a16:creationId xmlns:a16="http://schemas.microsoft.com/office/drawing/2014/main" id="{FEBB9DE3-CA88-CA6C-516F-D1F398FE9EBD}"/>
+              </a:ext>
+            </a:extLst>
+          </p:cNvPr>
+          <p:cNvSpPr>
+            <a:spLocks noGrp="1" noRot="1" noChangeAspect="1"/>
+          </p:cNvSpPr>
+          <p:nvPr>
+            <p:ph type="sldImg"/>
+          </p:nvPr>
+        </p:nvSpPr>
+        <p:spPr/>
+      </p:sp>
+      <p:sp>
+        <p:nvSpPr>
+          <p:cNvPr id="3" name="Notes Placeholder 2">
+            <a:extLst>
+              <a:ext uri="{FF2B5EF4-FFF2-40B4-BE49-F238E27FC236}">
+                <a16:creationId xmlns:a16="http://schemas.microsoft.com/office/drawing/2014/main" id="{053EB7FF-F638-ACF5-09B3-DE321041DC97}"/>
+              </a:ext>
+            </a:extLst>
+          </p:cNvPr>
+          <p:cNvSpPr>
+            <a:spLocks noGrp="1"/>
+          </p:cNvSpPr>
+          <p:nvPr>
+            <p:ph type="body" idx="1"/>
+          </p:nvPr>
+        </p:nvSpPr>
+        <p:spPr/>
+        <p:txBody>
+          <a:bodyPr/>
+          <a:lstStyle/>
+          <a:p>
+            <a:endParaRPr lang="en-US" dirty="0"/>
+          </a:p>
+        </p:txBody>
+      </p:sp>
+      <p:sp>
+        <p:nvSpPr>
+          <p:cNvPr id="4" name="Slide Number Placeholder 3">
+            <a:extLst>
+              <a:ext uri="{FF2B5EF4-FFF2-40B4-BE49-F238E27FC236}">
+                <a16:creationId xmlns:a16="http://schemas.microsoft.com/office/drawing/2014/main" id="{C98A753F-C442-604F-C379-C1DC5C98BD68}"/>
+              </a:ext>
+            </a:extLst>
+          </p:cNvPr>
+          <p:cNvSpPr>
+            <a:spLocks noGrp="1"/>
+          </p:cNvSpPr>
+          <p:nvPr>
+            <p:ph type="sldNum" sz="quarter" idx="5"/>
+          </p:nvPr>
+        </p:nvSpPr>
+        <p:spPr/>
+        <p:txBody>
+          <a:bodyPr/>
+          <a:lstStyle/>
+          <a:p>
+            <a:fld id="{D59CD9E3-3C77-0840-8EE1-6718BCCBFD7B}" type="slidenum">
+              <a:rPr lang="en-US" smtClean="0"/>
+              <a:t>9</a:t>
+            </a:fld>
+            <a:endParaRPr lang="en-US"/>
+          </a:p>
+        </p:txBody>
+      </p:sp>
+    </p:spTree>
+    <p:extLst>
+      <p:ext uri="{BB962C8B-B14F-4D97-AF65-F5344CB8AC3E}">
+        <p14:creationId xmlns:p14="http://schemas.microsoft.com/office/powerpoint/2010/main" val="2084205344"/>
+      </p:ext>
+    </p:extLst>
+  </p:cSld>
+  <p:clrMapOvr>
+    <a:masterClrMapping/>
+  </p:clrMapOvr>
+</p:notes>
+</file>
+
+<file path=ppt/notesSlides/notesSlide8.xml><?xml version="1.0" encoding="utf-8"?>
+<p:notes xmlns:a="http://schemas.openxmlformats.org/drawingml/2006/main" xmlns:r="http://schemas.openxmlformats.org/officeDocument/2006/relationships" xmlns:p="http://schemas.openxmlformats.org/presentationml/2006/main">
+  <p:cSld>
+    <p:spTree>
+      <p:nvGrpSpPr>
+        <p:cNvPr id="1" name=""/>
+        <p:cNvGrpSpPr/>
+        <p:nvPr/>
+      </p:nvGrpSpPr>
+      <p:grpSpPr>
+        <a:xfrm>
+          <a:off x="0" y="0"/>
+          <a:ext cx="0" cy="0"/>
+          <a:chOff x="0" y="0"/>
+          <a:chExt cx="0" cy="0"/>
+        </a:xfrm>
+      </p:grpSpPr>
+      <p:sp>
+        <p:nvSpPr>
+          <p:cNvPr id="2" name="Slide Image Placeholder 1"/>
+          <p:cNvSpPr>
+            <a:spLocks noGrp="1" noRot="1" noChangeAspect="1"/>
+          </p:cNvSpPr>
+          <p:nvPr>
+            <p:ph type="sldImg"/>
+          </p:nvPr>
+        </p:nvSpPr>
+        <p:spPr/>
+      </p:sp>
+      <p:sp>
+        <p:nvSpPr>
+          <p:cNvPr id="3" name="Notes Placeholder 2"/>
+          <p:cNvSpPr>
+            <a:spLocks noGrp="1"/>
+          </p:cNvSpPr>
+          <p:nvPr>
+            <p:ph type="body" idx="1"/>
+          </p:nvPr>
+        </p:nvSpPr>
+        <p:spPr/>
+        <p:txBody>
+          <a:bodyPr/>
+          <a:lstStyle/>
+          <a:p>
+            <a:r>
+              <a:rPr lang="en-US" dirty="0"/>
+              <a:t>Here, all explicitly named files</a:t>
+            </a:r>
+          </a:p>
+        </p:txBody>
+      </p:sp>
+      <p:sp>
+        <p:nvSpPr>
+          <p:cNvPr id="4" name="Slide Number Placeholder 3"/>
+          <p:cNvSpPr>
+            <a:spLocks noGrp="1"/>
+          </p:cNvSpPr>
+          <p:nvPr>
+            <p:ph type="sldNum" sz="quarter" idx="5"/>
+          </p:nvPr>
+        </p:nvSpPr>
+        <p:spPr/>
+        <p:txBody>
+          <a:bodyPr/>
+          <a:lstStyle/>
+          <a:p>
+            <a:fld id="{D59CD9E3-3C77-0840-8EE1-6718BCCBFD7B}" type="slidenum">
+              <a:rPr lang="en-US" smtClean="0"/>
+              <a:t>10</a:t>
             </a:fld>
             <a:endParaRPr lang="en-US"/>
           </a:p>
@@ -1396,7 +1962,7 @@
 </p:notes>
 </file>
 
-<file path=ppt/notesSlides/notesSlide7.xml><?xml version="1.0" encoding="utf-8"?>
+<file path=ppt/notesSlides/notesSlide9.xml><?xml version="1.0" encoding="utf-8"?>
 <p:notes xmlns:a="http://schemas.openxmlformats.org/drawingml/2006/main" xmlns:r="http://schemas.openxmlformats.org/officeDocument/2006/relationships" xmlns:p="http://schemas.openxmlformats.org/presentationml/2006/main">
   <p:cSld>
     <p:spTree>
@@ -1508,7 +2074,7 @@
           <a:p>
             <a:fld id="{D59CD9E3-3C77-0840-8EE1-6718BCCBFD7B}" type="slidenum">
               <a:rPr lang="en-US" smtClean="0"/>
-              <a:t>9</a:t>
+              <a:t>11</a:t>
             </a:fld>
             <a:endParaRPr lang="en-US"/>
           </a:p>
@@ -1518,272 +2084,6 @@
     <p:extLst>
       <p:ext uri="{BB962C8B-B14F-4D97-AF65-F5344CB8AC3E}">
         <p14:creationId xmlns:p14="http://schemas.microsoft.com/office/powerpoint/2010/main" val="3070392913"/>
-      </p:ext>
-    </p:extLst>
-  </p:cSld>
-  <p:clrMapOvr>
-    <a:masterClrMapping/>
-  </p:clrMapOvr>
-</p:notes>
-</file>
-
-<file path=ppt/notesSlides/notesSlide8.xml><?xml version="1.0" encoding="utf-8"?>
-<p:notes xmlns:a="http://schemas.openxmlformats.org/drawingml/2006/main" xmlns:r="http://schemas.openxmlformats.org/officeDocument/2006/relationships" xmlns:p="http://schemas.openxmlformats.org/presentationml/2006/main">
-  <p:cSld>
-    <p:spTree>
-      <p:nvGrpSpPr>
-        <p:cNvPr id="1" name="">
-          <a:extLst>
-            <a:ext uri="{FF2B5EF4-FFF2-40B4-BE49-F238E27FC236}">
-              <a16:creationId xmlns:a16="http://schemas.microsoft.com/office/drawing/2014/main" id="{3BD61897-F192-4188-8E2D-EABC003401FE}"/>
-            </a:ext>
-          </a:extLst>
-        </p:cNvPr>
-        <p:cNvGrpSpPr/>
-        <p:nvPr/>
-      </p:nvGrpSpPr>
-      <p:grpSpPr>
-        <a:xfrm>
-          <a:off x="0" y="0"/>
-          <a:ext cx="0" cy="0"/>
-          <a:chOff x="0" y="0"/>
-          <a:chExt cx="0" cy="0"/>
-        </a:xfrm>
-      </p:grpSpPr>
-      <p:sp>
-        <p:nvSpPr>
-          <p:cNvPr id="2" name="Slide Image Placeholder 1">
-            <a:extLst>
-              <a:ext uri="{FF2B5EF4-FFF2-40B4-BE49-F238E27FC236}">
-                <a16:creationId xmlns:a16="http://schemas.microsoft.com/office/drawing/2014/main" id="{D07CB9AB-D0F2-38D9-5D30-15FF2D58432F}"/>
-              </a:ext>
-            </a:extLst>
-          </p:cNvPr>
-          <p:cNvSpPr>
-            <a:spLocks noGrp="1" noRot="1" noChangeAspect="1"/>
-          </p:cNvSpPr>
-          <p:nvPr>
-            <p:ph type="sldImg"/>
-          </p:nvPr>
-        </p:nvSpPr>
-        <p:spPr/>
-      </p:sp>
-      <p:sp>
-        <p:nvSpPr>
-          <p:cNvPr id="3" name="Notes Placeholder 2">
-            <a:extLst>
-              <a:ext uri="{FF2B5EF4-FFF2-40B4-BE49-F238E27FC236}">
-                <a16:creationId xmlns:a16="http://schemas.microsoft.com/office/drawing/2014/main" id="{9642888F-9B12-3120-D014-1823CFCF986D}"/>
-              </a:ext>
-            </a:extLst>
-          </p:cNvPr>
-          <p:cNvSpPr>
-            <a:spLocks noGrp="1"/>
-          </p:cNvSpPr>
-          <p:nvPr>
-            <p:ph type="body" idx="1"/>
-          </p:nvPr>
-        </p:nvSpPr>
-        <p:spPr/>
-        <p:txBody>
-          <a:bodyPr/>
-          <a:lstStyle/>
-          <a:p>
-            <a:r>
-              <a:rPr lang="en-US" dirty="0"/>
-              <a:t>Before you start working make sure to sync the fork of the branch you plan on working, so that you are up to date.</a:t>
-            </a:r>
-          </a:p>
-          <a:p>
-            <a:endParaRPr lang="en-US" dirty="0"/>
-          </a:p>
-          <a:p>
-            <a:endParaRPr lang="en-US" dirty="0"/>
-          </a:p>
-        </p:txBody>
-      </p:sp>
-      <p:sp>
-        <p:nvSpPr>
-          <p:cNvPr id="4" name="Slide Number Placeholder 3">
-            <a:extLst>
-              <a:ext uri="{FF2B5EF4-FFF2-40B4-BE49-F238E27FC236}">
-                <a16:creationId xmlns:a16="http://schemas.microsoft.com/office/drawing/2014/main" id="{AA8B92CA-CA0E-E146-1D0C-873011C0E03A}"/>
-              </a:ext>
-            </a:extLst>
-          </p:cNvPr>
-          <p:cNvSpPr>
-            <a:spLocks noGrp="1"/>
-          </p:cNvSpPr>
-          <p:nvPr>
-            <p:ph type="sldNum" sz="quarter" idx="5"/>
-          </p:nvPr>
-        </p:nvSpPr>
-        <p:spPr/>
-        <p:txBody>
-          <a:bodyPr/>
-          <a:lstStyle/>
-          <a:p>
-            <a:fld id="{D59CD9E3-3C77-0840-8EE1-6718BCCBFD7B}" type="slidenum">
-              <a:rPr lang="en-US" smtClean="0"/>
-              <a:t>10</a:t>
-            </a:fld>
-            <a:endParaRPr lang="en-US"/>
-          </a:p>
-        </p:txBody>
-      </p:sp>
-    </p:spTree>
-    <p:extLst>
-      <p:ext uri="{BB962C8B-B14F-4D97-AF65-F5344CB8AC3E}">
-        <p14:creationId xmlns:p14="http://schemas.microsoft.com/office/powerpoint/2010/main" val="1304140257"/>
-      </p:ext>
-    </p:extLst>
-  </p:cSld>
-  <p:clrMapOvr>
-    <a:masterClrMapping/>
-  </p:clrMapOvr>
-</p:notes>
-</file>
-
-<file path=ppt/notesSlides/notesSlide9.xml><?xml version="1.0" encoding="utf-8"?>
-<p:notes xmlns:a="http://schemas.openxmlformats.org/drawingml/2006/main" xmlns:r="http://schemas.openxmlformats.org/officeDocument/2006/relationships" xmlns:p="http://schemas.openxmlformats.org/presentationml/2006/main">
-  <p:cSld>
-    <p:spTree>
-      <p:nvGrpSpPr>
-        <p:cNvPr id="1" name="">
-          <a:extLst>
-            <a:ext uri="{FF2B5EF4-FFF2-40B4-BE49-F238E27FC236}">
-              <a16:creationId xmlns:a16="http://schemas.microsoft.com/office/drawing/2014/main" id="{531958E5-4C7F-B250-EE26-B453AA04133F}"/>
-            </a:ext>
-          </a:extLst>
-        </p:cNvPr>
-        <p:cNvGrpSpPr/>
-        <p:nvPr/>
-      </p:nvGrpSpPr>
-      <p:grpSpPr>
-        <a:xfrm>
-          <a:off x="0" y="0"/>
-          <a:ext cx="0" cy="0"/>
-          <a:chOff x="0" y="0"/>
-          <a:chExt cx="0" cy="0"/>
-        </a:xfrm>
-      </p:grpSpPr>
-      <p:sp>
-        <p:nvSpPr>
-          <p:cNvPr id="2" name="Slide Image Placeholder 1">
-            <a:extLst>
-              <a:ext uri="{FF2B5EF4-FFF2-40B4-BE49-F238E27FC236}">
-                <a16:creationId xmlns:a16="http://schemas.microsoft.com/office/drawing/2014/main" id="{73F54100-0C48-2395-B55C-1ADAC45EA3F8}"/>
-              </a:ext>
-            </a:extLst>
-          </p:cNvPr>
-          <p:cNvSpPr>
-            <a:spLocks noGrp="1" noRot="1" noChangeAspect="1"/>
-          </p:cNvSpPr>
-          <p:nvPr>
-            <p:ph type="sldImg"/>
-          </p:nvPr>
-        </p:nvSpPr>
-        <p:spPr/>
-      </p:sp>
-      <p:sp>
-        <p:nvSpPr>
-          <p:cNvPr id="3" name="Notes Placeholder 2">
-            <a:extLst>
-              <a:ext uri="{FF2B5EF4-FFF2-40B4-BE49-F238E27FC236}">
-                <a16:creationId xmlns:a16="http://schemas.microsoft.com/office/drawing/2014/main" id="{8D2D5D62-78AC-F528-CFF1-900ADB07AC01}"/>
-              </a:ext>
-            </a:extLst>
-          </p:cNvPr>
-          <p:cNvSpPr>
-            <a:spLocks noGrp="1"/>
-          </p:cNvSpPr>
-          <p:nvPr>
-            <p:ph type="body" idx="1"/>
-          </p:nvPr>
-        </p:nvSpPr>
-        <p:spPr/>
-        <p:txBody>
-          <a:bodyPr/>
-          <a:lstStyle/>
-          <a:p>
-            <a:r>
-              <a:rPr lang="en-US" dirty="0"/>
-              <a:t>Everyone knows how to fork and clone a </a:t>
-            </a:r>
-            <a:r>
-              <a:rPr lang="en-US" dirty="0" err="1"/>
-              <a:t>github</a:t>
-            </a:r>
-            <a:r>
-              <a:rPr lang="en-US" dirty="0"/>
-              <a:t> repo to work on it locally?</a:t>
-            </a:r>
-          </a:p>
-          <a:p>
-            <a:endParaRPr lang="en-US" dirty="0"/>
-          </a:p>
-          <a:p>
-            <a:r>
-              <a:rPr lang="en-US" dirty="0"/>
-              <a:t>Fork the code </a:t>
-            </a:r>
-          </a:p>
-          <a:p>
-            <a:endParaRPr lang="en-US" dirty="0"/>
-          </a:p>
-          <a:p>
-            <a:r>
-              <a:rPr lang="en-US" dirty="0"/>
-              <a:t>Clone it </a:t>
-            </a:r>
-          </a:p>
-          <a:p>
-            <a:endParaRPr lang="en-US" dirty="0"/>
-          </a:p>
-          <a:p>
-            <a:r>
-              <a:rPr lang="en-US" dirty="0"/>
-              <a:t>Checkout the PE branch</a:t>
-            </a:r>
-          </a:p>
-          <a:p>
-            <a:endParaRPr lang="en-US" dirty="0"/>
-          </a:p>
-        </p:txBody>
-      </p:sp>
-      <p:sp>
-        <p:nvSpPr>
-          <p:cNvPr id="4" name="Slide Number Placeholder 3">
-            <a:extLst>
-              <a:ext uri="{FF2B5EF4-FFF2-40B4-BE49-F238E27FC236}">
-                <a16:creationId xmlns:a16="http://schemas.microsoft.com/office/drawing/2014/main" id="{0585AF95-DEC9-48A8-01F3-38D120096379}"/>
-              </a:ext>
-            </a:extLst>
-          </p:cNvPr>
-          <p:cNvSpPr>
-            <a:spLocks noGrp="1"/>
-          </p:cNvSpPr>
-          <p:nvPr>
-            <p:ph type="sldNum" sz="quarter" idx="5"/>
-          </p:nvPr>
-        </p:nvSpPr>
-        <p:spPr/>
-        <p:txBody>
-          <a:bodyPr/>
-          <a:lstStyle/>
-          <a:p>
-            <a:fld id="{D59CD9E3-3C77-0840-8EE1-6718BCCBFD7B}" type="slidenum">
-              <a:rPr lang="en-US" smtClean="0"/>
-              <a:t>11</a:t>
-            </a:fld>
-            <a:endParaRPr lang="en-US"/>
-          </a:p>
-        </p:txBody>
-      </p:sp>
-    </p:spTree>
-    <p:extLst>
-      <p:ext uri="{BB962C8B-B14F-4D97-AF65-F5344CB8AC3E}">
-        <p14:creationId xmlns:p14="http://schemas.microsoft.com/office/powerpoint/2010/main" val="4248569512"/>
       </p:ext>
     </p:extLst>
   </p:cSld>
@@ -5101,6 +5401,1499 @@
         <p:cNvPr id="1" name="">
           <a:extLst>
             <a:ext uri="{FF2B5EF4-FFF2-40B4-BE49-F238E27FC236}">
+              <a16:creationId xmlns:a16="http://schemas.microsoft.com/office/drawing/2014/main" id="{48C9FA77-89D3-B271-274E-C9541914CC08}"/>
+            </a:ext>
+          </a:extLst>
+        </p:cNvPr>
+        <p:cNvGrpSpPr/>
+        <p:nvPr/>
+      </p:nvGrpSpPr>
+      <p:grpSpPr>
+        <a:xfrm>
+          <a:off x="0" y="0"/>
+          <a:ext cx="0" cy="0"/>
+          <a:chOff x="0" y="0"/>
+          <a:chExt cx="0" cy="0"/>
+        </a:xfrm>
+      </p:grpSpPr>
+      <p:sp>
+        <p:nvSpPr>
+          <p:cNvPr id="2" name="Title 1">
+            <a:extLst>
+              <a:ext uri="{FF2B5EF4-FFF2-40B4-BE49-F238E27FC236}">
+                <a16:creationId xmlns:a16="http://schemas.microsoft.com/office/drawing/2014/main" id="{A2CB1E9F-56A9-26BB-E3C4-3091C36C9549}"/>
+              </a:ext>
+            </a:extLst>
+          </p:cNvPr>
+          <p:cNvSpPr>
+            <a:spLocks noGrp="1"/>
+          </p:cNvSpPr>
+          <p:nvPr>
+            <p:ph type="title"/>
+          </p:nvPr>
+        </p:nvSpPr>
+        <p:spPr/>
+        <p:txBody>
+          <a:bodyPr/>
+          <a:lstStyle/>
+          <a:p>
+            <a:r>
+              <a:rPr lang="en-US" dirty="0"/>
+              <a:t>The life of a task: To-Do’s</a:t>
+            </a:r>
+          </a:p>
+        </p:txBody>
+      </p:sp>
+      <p:pic>
+        <p:nvPicPr>
+          <p:cNvPr id="15" name="Picture 14" descr="A screenshot of a computer program&#10;&#10;AI-generated content may be incorrect.">
+            <a:extLst>
+              <a:ext uri="{FF2B5EF4-FFF2-40B4-BE49-F238E27FC236}">
+                <a16:creationId xmlns:a16="http://schemas.microsoft.com/office/drawing/2014/main" id="{A3DB1FBF-F5E0-025B-3C83-766B4AA6C5B9}"/>
+              </a:ext>
+            </a:extLst>
+          </p:cNvPr>
+          <p:cNvPicPr>
+            <a:picLocks noChangeAspect="1"/>
+          </p:cNvPicPr>
+          <p:nvPr/>
+        </p:nvPicPr>
+        <p:blipFill>
+          <a:blip r:embed="rId3"/>
+          <a:stretch>
+            <a:fillRect/>
+          </a:stretch>
+        </p:blipFill>
+        <p:spPr>
+          <a:xfrm>
+            <a:off x="2209800" y="1485900"/>
+            <a:ext cx="7772400" cy="3886200"/>
+          </a:xfrm>
+          <a:prstGeom prst="rect">
+            <a:avLst/>
+          </a:prstGeom>
+        </p:spPr>
+      </p:pic>
+      <p:sp>
+        <p:nvSpPr>
+          <p:cNvPr id="20" name="Rectangle 19">
+            <a:extLst>
+              <a:ext uri="{FF2B5EF4-FFF2-40B4-BE49-F238E27FC236}">
+                <a16:creationId xmlns:a16="http://schemas.microsoft.com/office/drawing/2014/main" id="{0511DA32-162F-CC66-834B-07E489D461E8}"/>
+              </a:ext>
+            </a:extLst>
+          </p:cNvPr>
+          <p:cNvSpPr/>
+          <p:nvPr/>
+        </p:nvSpPr>
+        <p:spPr>
+          <a:xfrm>
+            <a:off x="6748424" y="1524000"/>
+            <a:ext cx="733032" cy="457200"/>
+          </a:xfrm>
+          <a:prstGeom prst="rect">
+            <a:avLst/>
+          </a:prstGeom>
+          <a:noFill/>
+          <a:ln w="44450">
+            <a:solidFill>
+              <a:srgbClr val="C00000"/>
+            </a:solidFill>
+          </a:ln>
+        </p:spPr>
+        <p:style>
+          <a:lnRef idx="2">
+            <a:schemeClr val="accent1">
+              <a:shade val="15000"/>
+            </a:schemeClr>
+          </a:lnRef>
+          <a:fillRef idx="1">
+            <a:schemeClr val="accent1"/>
+          </a:fillRef>
+          <a:effectRef idx="0">
+            <a:schemeClr val="accent1"/>
+          </a:effectRef>
+          <a:fontRef idx="minor">
+            <a:schemeClr val="lt1"/>
+          </a:fontRef>
+        </p:style>
+        <p:txBody>
+          <a:bodyPr rtlCol="0" anchor="ctr"/>
+          <a:lstStyle/>
+          <a:p>
+            <a:pPr algn="ctr"/>
+            <a:endParaRPr lang="en-US"/>
+          </a:p>
+        </p:txBody>
+      </p:sp>
+    </p:spTree>
+    <p:extLst>
+      <p:ext uri="{BB962C8B-B14F-4D97-AF65-F5344CB8AC3E}">
+        <p14:creationId xmlns:p14="http://schemas.microsoft.com/office/powerpoint/2010/main" val="1036866925"/>
+      </p:ext>
+    </p:extLst>
+  </p:cSld>
+  <p:clrMapOvr>
+    <a:masterClrMapping/>
+  </p:clrMapOvr>
+</p:sld>
+</file>
+
+<file path=ppt/slides/slide11.xml><?xml version="1.0" encoding="utf-8"?>
+<p:sld xmlns:a="http://schemas.openxmlformats.org/drawingml/2006/main" xmlns:r="http://schemas.openxmlformats.org/officeDocument/2006/relationships" xmlns:p="http://schemas.openxmlformats.org/presentationml/2006/main">
+  <p:cSld>
+    <p:spTree>
+      <p:nvGrpSpPr>
+        <p:cNvPr id="1" name="">
+          <a:extLst>
+            <a:ext uri="{FF2B5EF4-FFF2-40B4-BE49-F238E27FC236}">
+              <a16:creationId xmlns:a16="http://schemas.microsoft.com/office/drawing/2014/main" id="{BD0D0CDE-1B59-7769-07A6-ECB826C879DF}"/>
+            </a:ext>
+          </a:extLst>
+        </p:cNvPr>
+        <p:cNvGrpSpPr/>
+        <p:nvPr/>
+      </p:nvGrpSpPr>
+      <p:grpSpPr>
+        <a:xfrm>
+          <a:off x="0" y="0"/>
+          <a:ext cx="0" cy="0"/>
+          <a:chOff x="0" y="0"/>
+          <a:chExt cx="0" cy="0"/>
+        </a:xfrm>
+      </p:grpSpPr>
+      <p:graphicFrame>
+        <p:nvGraphicFramePr>
+          <p:cNvPr id="32" name="Table 31">
+            <a:extLst>
+              <a:ext uri="{FF2B5EF4-FFF2-40B4-BE49-F238E27FC236}">
+                <a16:creationId xmlns:a16="http://schemas.microsoft.com/office/drawing/2014/main" id="{DABEA29C-64CD-5E6A-C082-1E78D57DDAB3}"/>
+              </a:ext>
+            </a:extLst>
+          </p:cNvPr>
+          <p:cNvGraphicFramePr>
+            <a:graphicFrameLocks noGrp="1"/>
+          </p:cNvGraphicFramePr>
+          <p:nvPr>
+            <p:extLst>
+              <p:ext uri="{D42A27DB-BD31-4B8C-83A1-F6EECF244321}">
+                <p14:modId xmlns:p14="http://schemas.microsoft.com/office/powerpoint/2010/main" val="4263655769"/>
+              </p:ext>
+            </p:extLst>
+          </p:nvPr>
+        </p:nvGraphicFramePr>
+        <p:xfrm>
+          <a:off x="6858000" y="4838437"/>
+          <a:ext cx="4070963" cy="902547"/>
+        </p:xfrm>
+        <a:graphic>
+          <a:graphicData uri="http://schemas.openxmlformats.org/drawingml/2006/table">
+            <a:tbl>
+              <a:tblPr firstRow="1" bandRow="1">
+                <a:tableStyleId>{5C22544A-7EE6-4342-B048-85BDC9FD1C3A}</a:tableStyleId>
+              </a:tblPr>
+              <a:tblGrid>
+                <a:gridCol w="1436816">
+                  <a:extLst>
+                    <a:ext uri="{9D8B030D-6E8A-4147-A177-3AD203B41FA5}">
+                      <a16:colId xmlns:a16="http://schemas.microsoft.com/office/drawing/2014/main" val="1515999930"/>
+                    </a:ext>
+                  </a:extLst>
+                </a:gridCol>
+                <a:gridCol w="2634147">
+                  <a:extLst>
+                    <a:ext uri="{9D8B030D-6E8A-4147-A177-3AD203B41FA5}">
+                      <a16:colId xmlns:a16="http://schemas.microsoft.com/office/drawing/2014/main" val="2330470311"/>
+                    </a:ext>
+                  </a:extLst>
+                </a:gridCol>
+              </a:tblGrid>
+              <a:tr h="300849">
+                <a:tc>
+                  <a:txBody>
+                    <a:bodyPr/>
+                    <a:lstStyle/>
+                    <a:p>
+                      <a:pPr algn="r"/>
+                      <a:r>
+                        <a:rPr lang="en-US" sz="1200" b="1" dirty="0">
+                          <a:solidFill>
+                            <a:schemeClr val="tx1"/>
+                          </a:solidFill>
+                        </a:rPr>
+                        <a:t>Branch:</a:t>
+                      </a:r>
+                    </a:p>
+                  </a:txBody>
+                  <a:tcPr>
+                    <a:lnL w="12700" cap="flat" cmpd="sng" algn="ctr">
+                      <a:noFill/>
+                      <a:prstDash val="solid"/>
+                      <a:round/>
+                      <a:headEnd type="none" w="med" len="med"/>
+                      <a:tailEnd type="none" w="med" len="med"/>
+                    </a:lnL>
+                    <a:lnR w="12700" cap="flat" cmpd="sng" algn="ctr">
+                      <a:noFill/>
+                      <a:prstDash val="solid"/>
+                      <a:round/>
+                      <a:headEnd type="none" w="med" len="med"/>
+                      <a:tailEnd type="none" w="med" len="med"/>
+                    </a:lnR>
+                    <a:lnT w="12700" cap="flat" cmpd="sng" algn="ctr">
+                      <a:noFill/>
+                      <a:prstDash val="solid"/>
+                      <a:round/>
+                      <a:headEnd type="none" w="med" len="med"/>
+                      <a:tailEnd type="none" w="med" len="med"/>
+                    </a:lnT>
+                    <a:lnB w="12700" cap="flat" cmpd="sng" algn="ctr">
+                      <a:noFill/>
+                      <a:prstDash val="solid"/>
+                      <a:round/>
+                      <a:headEnd type="none" w="med" len="med"/>
+                      <a:tailEnd type="none" w="med" len="med"/>
+                    </a:lnB>
+                    <a:lnTlToBr w="12700" cmpd="sng">
+                      <a:noFill/>
+                      <a:prstDash val="solid"/>
+                    </a:lnTlToBr>
+                    <a:lnBlToTr w="12700" cmpd="sng">
+                      <a:noFill/>
+                      <a:prstDash val="solid"/>
+                    </a:lnBlToTr>
+                    <a:noFill/>
+                  </a:tcPr>
+                </a:tc>
+                <a:tc>
+                  <a:txBody>
+                    <a:bodyPr/>
+                    <a:lstStyle/>
+                    <a:p>
+                      <a:r>
+                        <a:rPr lang="en-US" sz="1200" b="0" dirty="0">
+                          <a:solidFill>
+                            <a:schemeClr val="tx1"/>
+                          </a:solidFill>
+                        </a:rPr>
+                        <a:t>PE-617</a:t>
+                      </a:r>
+                    </a:p>
+                  </a:txBody>
+                  <a:tcPr>
+                    <a:lnL w="12700" cap="flat" cmpd="sng" algn="ctr">
+                      <a:noFill/>
+                      <a:prstDash val="solid"/>
+                      <a:round/>
+                      <a:headEnd type="none" w="med" len="med"/>
+                      <a:tailEnd type="none" w="med" len="med"/>
+                    </a:lnL>
+                    <a:lnR w="12700" cap="flat" cmpd="sng" algn="ctr">
+                      <a:noFill/>
+                      <a:prstDash val="solid"/>
+                      <a:round/>
+                      <a:headEnd type="none" w="med" len="med"/>
+                      <a:tailEnd type="none" w="med" len="med"/>
+                    </a:lnR>
+                    <a:lnT w="12700" cap="flat" cmpd="sng" algn="ctr">
+                      <a:noFill/>
+                      <a:prstDash val="solid"/>
+                      <a:round/>
+                      <a:headEnd type="none" w="med" len="med"/>
+                      <a:tailEnd type="none" w="med" len="med"/>
+                    </a:lnT>
+                    <a:lnB w="12700" cap="flat" cmpd="sng" algn="ctr">
+                      <a:noFill/>
+                      <a:prstDash val="solid"/>
+                      <a:round/>
+                      <a:headEnd type="none" w="med" len="med"/>
+                      <a:tailEnd type="none" w="med" len="med"/>
+                    </a:lnB>
+                    <a:lnTlToBr w="12700" cmpd="sng">
+                      <a:noFill/>
+                      <a:prstDash val="solid"/>
+                    </a:lnTlToBr>
+                    <a:lnBlToTr w="12700" cmpd="sng">
+                      <a:noFill/>
+                      <a:prstDash val="solid"/>
+                    </a:lnBlToTr>
+                    <a:noFill/>
+                  </a:tcPr>
+                </a:tc>
+                <a:extLst>
+                  <a:ext uri="{0D108BD9-81ED-4DB2-BD59-A6C34878D82A}">
+                    <a16:rowId xmlns:a16="http://schemas.microsoft.com/office/drawing/2014/main" val="246774676"/>
+                  </a:ext>
+                </a:extLst>
+              </a:tr>
+              <a:tr h="300849">
+                <a:tc>
+                  <a:txBody>
+                    <a:bodyPr/>
+                    <a:lstStyle/>
+                    <a:p>
+                      <a:pPr algn="r"/>
+                      <a:r>
+                        <a:rPr lang="en-US" sz="1200" b="1" dirty="0"/>
+                        <a:t>Task:</a:t>
+                      </a:r>
+                    </a:p>
+                  </a:txBody>
+                  <a:tcPr>
+                    <a:lnL w="12700" cap="flat" cmpd="sng" algn="ctr">
+                      <a:noFill/>
+                      <a:prstDash val="solid"/>
+                      <a:round/>
+                      <a:headEnd type="none" w="med" len="med"/>
+                      <a:tailEnd type="none" w="med" len="med"/>
+                    </a:lnL>
+                    <a:lnR w="12700" cap="flat" cmpd="sng" algn="ctr">
+                      <a:noFill/>
+                      <a:prstDash val="solid"/>
+                      <a:round/>
+                      <a:headEnd type="none" w="med" len="med"/>
+                      <a:tailEnd type="none" w="med" len="med"/>
+                    </a:lnR>
+                    <a:lnT w="12700" cap="flat" cmpd="sng" algn="ctr">
+                      <a:noFill/>
+                      <a:prstDash val="solid"/>
+                      <a:round/>
+                      <a:headEnd type="none" w="med" len="med"/>
+                      <a:tailEnd type="none" w="med" len="med"/>
+                    </a:lnT>
+                    <a:lnB w="12700" cap="flat" cmpd="sng" algn="ctr">
+                      <a:noFill/>
+                      <a:prstDash val="solid"/>
+                      <a:round/>
+                      <a:headEnd type="none" w="med" len="med"/>
+                      <a:tailEnd type="none" w="med" len="med"/>
+                    </a:lnB>
+                    <a:lnTlToBr w="12700" cmpd="sng">
+                      <a:noFill/>
+                      <a:prstDash val="solid"/>
+                    </a:lnTlToBr>
+                    <a:lnBlToTr w="12700" cmpd="sng">
+                      <a:noFill/>
+                      <a:prstDash val="solid"/>
+                    </a:lnBlToTr>
+                    <a:noFill/>
+                  </a:tcPr>
+                </a:tc>
+                <a:tc>
+                  <a:txBody>
+                    <a:bodyPr/>
+                    <a:lstStyle/>
+                    <a:p>
+                      <a:r>
+                        <a:rPr lang="en-US" sz="1200" dirty="0"/>
+                        <a:t>Add mass matrix computation</a:t>
+                      </a:r>
+                    </a:p>
+                  </a:txBody>
+                  <a:tcPr>
+                    <a:lnL w="12700" cap="flat" cmpd="sng" algn="ctr">
+                      <a:noFill/>
+                      <a:prstDash val="solid"/>
+                      <a:round/>
+                      <a:headEnd type="none" w="med" len="med"/>
+                      <a:tailEnd type="none" w="med" len="med"/>
+                    </a:lnL>
+                    <a:lnR w="12700" cap="flat" cmpd="sng" algn="ctr">
+                      <a:noFill/>
+                      <a:prstDash val="solid"/>
+                      <a:round/>
+                      <a:headEnd type="none" w="med" len="med"/>
+                      <a:tailEnd type="none" w="med" len="med"/>
+                    </a:lnR>
+                    <a:lnT w="12700" cap="flat" cmpd="sng" algn="ctr">
+                      <a:noFill/>
+                      <a:prstDash val="solid"/>
+                      <a:round/>
+                      <a:headEnd type="none" w="med" len="med"/>
+                      <a:tailEnd type="none" w="med" len="med"/>
+                    </a:lnT>
+                    <a:lnB w="12700" cap="flat" cmpd="sng" algn="ctr">
+                      <a:noFill/>
+                      <a:prstDash val="solid"/>
+                      <a:round/>
+                      <a:headEnd type="none" w="med" len="med"/>
+                      <a:tailEnd type="none" w="med" len="med"/>
+                    </a:lnB>
+                    <a:lnTlToBr w="12700" cmpd="sng">
+                      <a:noFill/>
+                      <a:prstDash val="solid"/>
+                    </a:lnTlToBr>
+                    <a:lnBlToTr w="12700" cmpd="sng">
+                      <a:noFill/>
+                      <a:prstDash val="solid"/>
+                    </a:lnBlToTr>
+                    <a:noFill/>
+                  </a:tcPr>
+                </a:tc>
+                <a:extLst>
+                  <a:ext uri="{0D108BD9-81ED-4DB2-BD59-A6C34878D82A}">
+                    <a16:rowId xmlns:a16="http://schemas.microsoft.com/office/drawing/2014/main" val="1752967534"/>
+                  </a:ext>
+                </a:extLst>
+              </a:tr>
+              <a:tr h="300849">
+                <a:tc>
+                  <a:txBody>
+                    <a:bodyPr/>
+                    <a:lstStyle/>
+                    <a:p>
+                      <a:pPr algn="r"/>
+                      <a:r>
+                        <a:rPr lang="en-US" sz="1200" b="1" dirty="0"/>
+                        <a:t>Assignee:</a:t>
+                      </a:r>
+                    </a:p>
+                  </a:txBody>
+                  <a:tcPr>
+                    <a:lnL w="12700" cap="flat" cmpd="sng" algn="ctr">
+                      <a:noFill/>
+                      <a:prstDash val="solid"/>
+                      <a:round/>
+                      <a:headEnd type="none" w="med" len="med"/>
+                      <a:tailEnd type="none" w="med" len="med"/>
+                    </a:lnL>
+                    <a:lnR w="12700" cap="flat" cmpd="sng" algn="ctr">
+                      <a:noFill/>
+                      <a:prstDash val="solid"/>
+                      <a:round/>
+                      <a:headEnd type="none" w="med" len="med"/>
+                      <a:tailEnd type="none" w="med" len="med"/>
+                    </a:lnR>
+                    <a:lnT w="12700" cap="flat" cmpd="sng" algn="ctr">
+                      <a:noFill/>
+                      <a:prstDash val="solid"/>
+                      <a:round/>
+                      <a:headEnd type="none" w="med" len="med"/>
+                      <a:tailEnd type="none" w="med" len="med"/>
+                    </a:lnT>
+                    <a:lnB w="12700" cap="flat" cmpd="sng" algn="ctr">
+                      <a:noFill/>
+                      <a:prstDash val="solid"/>
+                      <a:round/>
+                      <a:headEnd type="none" w="med" len="med"/>
+                      <a:tailEnd type="none" w="med" len="med"/>
+                    </a:lnB>
+                    <a:lnTlToBr w="12700" cmpd="sng">
+                      <a:noFill/>
+                      <a:prstDash val="solid"/>
+                    </a:lnTlToBr>
+                    <a:lnBlToTr w="12700" cmpd="sng">
+                      <a:noFill/>
+                      <a:prstDash val="solid"/>
+                    </a:lnBlToTr>
+                    <a:noFill/>
+                  </a:tcPr>
+                </a:tc>
+                <a:tc>
+                  <a:txBody>
+                    <a:bodyPr/>
+                    <a:lstStyle/>
+                    <a:p>
+                      <a:r>
+                        <a:rPr lang="en-US" sz="1200" dirty="0"/>
+                        <a:t>cmorency1</a:t>
+                      </a:r>
+                    </a:p>
+                  </a:txBody>
+                  <a:tcPr>
+                    <a:lnL w="12700" cap="flat" cmpd="sng" algn="ctr">
+                      <a:noFill/>
+                      <a:prstDash val="solid"/>
+                      <a:round/>
+                      <a:headEnd type="none" w="med" len="med"/>
+                      <a:tailEnd type="none" w="med" len="med"/>
+                    </a:lnL>
+                    <a:lnR w="12700" cap="flat" cmpd="sng" algn="ctr">
+                      <a:noFill/>
+                      <a:prstDash val="solid"/>
+                      <a:round/>
+                      <a:headEnd type="none" w="med" len="med"/>
+                      <a:tailEnd type="none" w="med" len="med"/>
+                    </a:lnR>
+                    <a:lnT w="12700" cap="flat" cmpd="sng" algn="ctr">
+                      <a:noFill/>
+                      <a:prstDash val="solid"/>
+                      <a:round/>
+                      <a:headEnd type="none" w="med" len="med"/>
+                      <a:tailEnd type="none" w="med" len="med"/>
+                    </a:lnT>
+                    <a:lnB w="12700" cap="flat" cmpd="sng" algn="ctr">
+                      <a:noFill/>
+                      <a:prstDash val="solid"/>
+                      <a:round/>
+                      <a:headEnd type="none" w="med" len="med"/>
+                      <a:tailEnd type="none" w="med" len="med"/>
+                    </a:lnB>
+                    <a:lnTlToBr w="12700" cmpd="sng">
+                      <a:noFill/>
+                      <a:prstDash val="solid"/>
+                    </a:lnTlToBr>
+                    <a:lnBlToTr w="12700" cmpd="sng">
+                      <a:noFill/>
+                      <a:prstDash val="solid"/>
+                    </a:lnBlToTr>
+                    <a:noFill/>
+                  </a:tcPr>
+                </a:tc>
+                <a:extLst>
+                  <a:ext uri="{0D108BD9-81ED-4DB2-BD59-A6C34878D82A}">
+                    <a16:rowId xmlns:a16="http://schemas.microsoft.com/office/drawing/2014/main" val="3028080841"/>
+                  </a:ext>
+                </a:extLst>
+              </a:tr>
+            </a:tbl>
+          </a:graphicData>
+        </a:graphic>
+      </p:graphicFrame>
+      <p:grpSp>
+        <p:nvGrpSpPr>
+          <p:cNvPr id="59" name="Group 58">
+            <a:extLst>
+              <a:ext uri="{FF2B5EF4-FFF2-40B4-BE49-F238E27FC236}">
+                <a16:creationId xmlns:a16="http://schemas.microsoft.com/office/drawing/2014/main" id="{9BA2662B-6CEC-8E50-2EFA-692354BEA63D}"/>
+              </a:ext>
+            </a:extLst>
+          </p:cNvPr>
+          <p:cNvGrpSpPr/>
+          <p:nvPr/>
+        </p:nvGrpSpPr>
+        <p:grpSpPr>
+          <a:xfrm>
+            <a:off x="6092951" y="3198949"/>
+            <a:ext cx="2211473" cy="2327816"/>
+            <a:chOff x="2584702" y="2724912"/>
+            <a:chExt cx="3383276" cy="2327816"/>
+          </a:xfrm>
+        </p:grpSpPr>
+        <p:sp>
+          <p:nvSpPr>
+            <p:cNvPr id="43" name="Arc 42">
+              <a:extLst>
+                <a:ext uri="{FF2B5EF4-FFF2-40B4-BE49-F238E27FC236}">
+                  <a16:creationId xmlns:a16="http://schemas.microsoft.com/office/drawing/2014/main" id="{FCA1FF38-9835-E0AC-95D3-6ADBAA5E20ED}"/>
+                </a:ext>
+              </a:extLst>
+            </p:cNvPr>
+            <p:cNvSpPr/>
+            <p:nvPr/>
+          </p:nvSpPr>
+          <p:spPr>
+            <a:xfrm rot="10800000">
+              <a:off x="2584703" y="2724912"/>
+              <a:ext cx="3383275" cy="1163908"/>
+            </a:xfrm>
+            <a:prstGeom prst="arc">
+              <a:avLst/>
+            </a:prstGeom>
+            <a:ln w="63500">
+              <a:solidFill>
+                <a:schemeClr val="tx2">
+                  <a:lumMod val="50000"/>
+                  <a:lumOff val="50000"/>
+                </a:schemeClr>
+              </a:solidFill>
+            </a:ln>
+          </p:spPr>
+          <p:style>
+            <a:lnRef idx="1">
+              <a:schemeClr val="accent6"/>
+            </a:lnRef>
+            <a:fillRef idx="0">
+              <a:schemeClr val="accent6"/>
+            </a:fillRef>
+            <a:effectRef idx="0">
+              <a:schemeClr val="accent6"/>
+            </a:effectRef>
+            <a:fontRef idx="minor">
+              <a:schemeClr val="tx1"/>
+            </a:fontRef>
+          </p:style>
+          <p:txBody>
+            <a:bodyPr rtlCol="0" anchor="ctr"/>
+            <a:lstStyle/>
+            <a:p>
+              <a:pPr algn="ctr"/>
+              <a:endParaRPr lang="en-US"/>
+            </a:p>
+          </p:txBody>
+        </p:sp>
+        <p:sp>
+          <p:nvSpPr>
+            <p:cNvPr id="44" name="Arc 43">
+              <a:extLst>
+                <a:ext uri="{FF2B5EF4-FFF2-40B4-BE49-F238E27FC236}">
+                  <a16:creationId xmlns:a16="http://schemas.microsoft.com/office/drawing/2014/main" id="{ECB7A4BC-2F74-AA5D-AC38-BC44A9B974F2}"/>
+                </a:ext>
+              </a:extLst>
+            </p:cNvPr>
+            <p:cNvSpPr/>
+            <p:nvPr/>
+          </p:nvSpPr>
+          <p:spPr>
+            <a:xfrm rot="10800000" flipH="1" flipV="1">
+              <a:off x="2584702" y="3888820"/>
+              <a:ext cx="3383275" cy="1163908"/>
+            </a:xfrm>
+            <a:prstGeom prst="arc">
+              <a:avLst/>
+            </a:prstGeom>
+            <a:ln w="63500">
+              <a:solidFill>
+                <a:schemeClr val="tx2">
+                  <a:lumMod val="50000"/>
+                  <a:lumOff val="50000"/>
+                </a:schemeClr>
+              </a:solidFill>
+            </a:ln>
+          </p:spPr>
+          <p:style>
+            <a:lnRef idx="1">
+              <a:schemeClr val="accent6"/>
+            </a:lnRef>
+            <a:fillRef idx="0">
+              <a:schemeClr val="accent6"/>
+            </a:fillRef>
+            <a:effectRef idx="0">
+              <a:schemeClr val="accent6"/>
+            </a:effectRef>
+            <a:fontRef idx="minor">
+              <a:schemeClr val="tx1"/>
+            </a:fontRef>
+          </p:style>
+          <p:txBody>
+            <a:bodyPr rtlCol="0" anchor="ctr"/>
+            <a:lstStyle/>
+            <a:p>
+              <a:pPr algn="ctr"/>
+              <a:endParaRPr lang="en-US"/>
+            </a:p>
+          </p:txBody>
+        </p:sp>
+      </p:grpSp>
+      <p:sp>
+        <p:nvSpPr>
+          <p:cNvPr id="2" name="Title 1">
+            <a:extLst>
+              <a:ext uri="{FF2B5EF4-FFF2-40B4-BE49-F238E27FC236}">
+                <a16:creationId xmlns:a16="http://schemas.microsoft.com/office/drawing/2014/main" id="{A69E9D90-60B4-661B-7EAC-3C860CD12ABA}"/>
+              </a:ext>
+            </a:extLst>
+          </p:cNvPr>
+          <p:cNvSpPr>
+            <a:spLocks noGrp="1"/>
+          </p:cNvSpPr>
+          <p:nvPr>
+            <p:ph type="title"/>
+          </p:nvPr>
+        </p:nvSpPr>
+        <p:spPr/>
+        <p:txBody>
+          <a:bodyPr/>
+          <a:lstStyle/>
+          <a:p>
+            <a:r>
+              <a:rPr lang="en-US" dirty="0"/>
+              <a:t>The life of a task: Branches</a:t>
+            </a:r>
+          </a:p>
+        </p:txBody>
+      </p:sp>
+      <p:cxnSp>
+        <p:nvCxnSpPr>
+          <p:cNvPr id="9" name="Straight Arrow Connector 8">
+            <a:extLst>
+              <a:ext uri="{FF2B5EF4-FFF2-40B4-BE49-F238E27FC236}">
+                <a16:creationId xmlns:a16="http://schemas.microsoft.com/office/drawing/2014/main" id="{C6C39B70-87B6-F01A-B5E4-D727B4E7CD5D}"/>
+              </a:ext>
+            </a:extLst>
+          </p:cNvPr>
+          <p:cNvCxnSpPr>
+            <a:cxnSpLocks/>
+          </p:cNvCxnSpPr>
+          <p:nvPr/>
+        </p:nvCxnSpPr>
+        <p:spPr>
+          <a:xfrm flipV="1">
+            <a:off x="6092952" y="2019872"/>
+            <a:ext cx="0" cy="3657600"/>
+          </a:xfrm>
+          <a:prstGeom prst="straightConnector1">
+            <a:avLst/>
+          </a:prstGeom>
+          <a:ln w="63500">
+            <a:solidFill>
+              <a:schemeClr val="tx2">
+                <a:lumMod val="50000"/>
+                <a:lumOff val="50000"/>
+              </a:schemeClr>
+            </a:solidFill>
+            <a:headEnd w="lg" len="lg"/>
+            <a:tailEnd type="triangle" w="lg" len="lg"/>
+          </a:ln>
+        </p:spPr>
+        <p:style>
+          <a:lnRef idx="2">
+            <a:schemeClr val="accent1"/>
+          </a:lnRef>
+          <a:fillRef idx="0">
+            <a:schemeClr val="accent1"/>
+          </a:fillRef>
+          <a:effectRef idx="1">
+            <a:schemeClr val="accent1"/>
+          </a:effectRef>
+          <a:fontRef idx="minor">
+            <a:schemeClr val="tx1"/>
+          </a:fontRef>
+        </p:style>
+      </p:cxnSp>
+      <p:sp>
+        <p:nvSpPr>
+          <p:cNvPr id="14" name="TextBox 13">
+            <a:extLst>
+              <a:ext uri="{FF2B5EF4-FFF2-40B4-BE49-F238E27FC236}">
+                <a16:creationId xmlns:a16="http://schemas.microsoft.com/office/drawing/2014/main" id="{7434E026-3121-D6D8-40FB-30EB45EE83E5}"/>
+              </a:ext>
+            </a:extLst>
+          </p:cNvPr>
+          <p:cNvSpPr txBox="1"/>
+          <p:nvPr/>
+        </p:nvSpPr>
+        <p:spPr>
+          <a:xfrm>
+            <a:off x="164591" y="3519488"/>
+            <a:ext cx="804665" cy="369332"/>
+          </a:xfrm>
+          <a:prstGeom prst="rect">
+            <a:avLst/>
+          </a:prstGeom>
+          <a:noFill/>
+        </p:spPr>
+        <p:txBody>
+          <a:bodyPr wrap="square" rtlCol="0">
+            <a:spAutoFit/>
+          </a:bodyPr>
+          <a:lstStyle/>
+          <a:p>
+            <a:pPr algn="ctr"/>
+            <a:r>
+              <a:rPr lang="en-US" dirty="0"/>
+              <a:t>Time</a:t>
+            </a:r>
+          </a:p>
+        </p:txBody>
+      </p:sp>
+      <p:sp>
+        <p:nvSpPr>
+          <p:cNvPr id="15" name="TextBox 14">
+            <a:extLst>
+              <a:ext uri="{FF2B5EF4-FFF2-40B4-BE49-F238E27FC236}">
+                <a16:creationId xmlns:a16="http://schemas.microsoft.com/office/drawing/2014/main" id="{31E555BE-16D5-91A4-4E37-8F8EC3E35C1A}"/>
+              </a:ext>
+            </a:extLst>
+          </p:cNvPr>
+          <p:cNvSpPr txBox="1"/>
+          <p:nvPr/>
+        </p:nvSpPr>
+        <p:spPr>
+          <a:xfrm>
+            <a:off x="5372102" y="6286866"/>
+            <a:ext cx="1441699" cy="369332"/>
+          </a:xfrm>
+          <a:prstGeom prst="rect">
+            <a:avLst/>
+          </a:prstGeom>
+          <a:noFill/>
+        </p:spPr>
+        <p:txBody>
+          <a:bodyPr wrap="square" rtlCol="0">
+            <a:spAutoFit/>
+          </a:bodyPr>
+          <a:lstStyle/>
+          <a:p>
+            <a:pPr algn="ctr"/>
+            <a:r>
+              <a:rPr lang="en-US" dirty="0"/>
+              <a:t>Branch</a:t>
+            </a:r>
+          </a:p>
+        </p:txBody>
+      </p:sp>
+      <p:sp>
+        <p:nvSpPr>
+          <p:cNvPr id="19" name="TextBox 18">
+            <a:extLst>
+              <a:ext uri="{FF2B5EF4-FFF2-40B4-BE49-F238E27FC236}">
+                <a16:creationId xmlns:a16="http://schemas.microsoft.com/office/drawing/2014/main" id="{20866640-704E-68C2-50A5-15A227111524}"/>
+              </a:ext>
+            </a:extLst>
+          </p:cNvPr>
+          <p:cNvSpPr txBox="1"/>
+          <p:nvPr/>
+        </p:nvSpPr>
+        <p:spPr>
+          <a:xfrm>
+            <a:off x="6217923" y="1920654"/>
+            <a:ext cx="765044" cy="377642"/>
+          </a:xfrm>
+          <a:prstGeom prst="rect">
+            <a:avLst/>
+          </a:prstGeom>
+          <a:noFill/>
+        </p:spPr>
+        <p:txBody>
+          <a:bodyPr wrap="square" rtlCol="0">
+            <a:spAutoFit/>
+          </a:bodyPr>
+          <a:lstStyle/>
+          <a:p>
+            <a:r>
+              <a:rPr lang="en-US" dirty="0"/>
+              <a:t>PE</a:t>
+            </a:r>
+          </a:p>
+        </p:txBody>
+      </p:sp>
+      <p:grpSp>
+        <p:nvGrpSpPr>
+          <p:cNvPr id="8" name="Group 7">
+            <a:extLst>
+              <a:ext uri="{FF2B5EF4-FFF2-40B4-BE49-F238E27FC236}">
+                <a16:creationId xmlns:a16="http://schemas.microsoft.com/office/drawing/2014/main" id="{EF8F3774-90DA-6F99-A1C6-D05BB04B3EEA}"/>
+              </a:ext>
+            </a:extLst>
+          </p:cNvPr>
+          <p:cNvGrpSpPr/>
+          <p:nvPr/>
+        </p:nvGrpSpPr>
+        <p:grpSpPr>
+          <a:xfrm flipH="1">
+            <a:off x="3421522" y="2574133"/>
+            <a:ext cx="2671427" cy="2327816"/>
+            <a:chOff x="2584702" y="2724912"/>
+            <a:chExt cx="3383276" cy="2327816"/>
+          </a:xfrm>
+        </p:grpSpPr>
+        <p:sp>
+          <p:nvSpPr>
+            <p:cNvPr id="11" name="Arc 10">
+              <a:extLst>
+                <a:ext uri="{FF2B5EF4-FFF2-40B4-BE49-F238E27FC236}">
+                  <a16:creationId xmlns:a16="http://schemas.microsoft.com/office/drawing/2014/main" id="{8C2D08D4-25A3-113F-B143-AF2450B02C13}"/>
+                </a:ext>
+              </a:extLst>
+            </p:cNvPr>
+            <p:cNvSpPr/>
+            <p:nvPr/>
+          </p:nvSpPr>
+          <p:spPr>
+            <a:xfrm rot="10800000">
+              <a:off x="2584703" y="2724912"/>
+              <a:ext cx="3383275" cy="1163908"/>
+            </a:xfrm>
+            <a:prstGeom prst="arc">
+              <a:avLst/>
+            </a:prstGeom>
+            <a:ln w="63500">
+              <a:solidFill>
+                <a:schemeClr val="tx2">
+                  <a:lumMod val="50000"/>
+                  <a:lumOff val="50000"/>
+                </a:schemeClr>
+              </a:solidFill>
+            </a:ln>
+          </p:spPr>
+          <p:style>
+            <a:lnRef idx="1">
+              <a:schemeClr val="accent6"/>
+            </a:lnRef>
+            <a:fillRef idx="0">
+              <a:schemeClr val="accent6"/>
+            </a:fillRef>
+            <a:effectRef idx="0">
+              <a:schemeClr val="accent6"/>
+            </a:effectRef>
+            <a:fontRef idx="minor">
+              <a:schemeClr val="tx1"/>
+            </a:fontRef>
+          </p:style>
+          <p:txBody>
+            <a:bodyPr rtlCol="0" anchor="ctr"/>
+            <a:lstStyle/>
+            <a:p>
+              <a:pPr algn="ctr"/>
+              <a:endParaRPr lang="en-US"/>
+            </a:p>
+          </p:txBody>
+        </p:sp>
+        <p:sp>
+          <p:nvSpPr>
+            <p:cNvPr id="12" name="Arc 11">
+              <a:extLst>
+                <a:ext uri="{FF2B5EF4-FFF2-40B4-BE49-F238E27FC236}">
+                  <a16:creationId xmlns:a16="http://schemas.microsoft.com/office/drawing/2014/main" id="{6EC2A636-FFC8-8FFB-8470-040DABAE7A3C}"/>
+                </a:ext>
+              </a:extLst>
+            </p:cNvPr>
+            <p:cNvSpPr/>
+            <p:nvPr/>
+          </p:nvSpPr>
+          <p:spPr>
+            <a:xfrm rot="10800000" flipH="1" flipV="1">
+              <a:off x="2584702" y="3888820"/>
+              <a:ext cx="3383275" cy="1163908"/>
+            </a:xfrm>
+            <a:prstGeom prst="arc">
+              <a:avLst/>
+            </a:prstGeom>
+            <a:ln w="63500">
+              <a:solidFill>
+                <a:schemeClr val="tx2">
+                  <a:lumMod val="50000"/>
+                  <a:lumOff val="50000"/>
+                </a:schemeClr>
+              </a:solidFill>
+            </a:ln>
+          </p:spPr>
+          <p:style>
+            <a:lnRef idx="1">
+              <a:schemeClr val="accent6"/>
+            </a:lnRef>
+            <a:fillRef idx="0">
+              <a:schemeClr val="accent6"/>
+            </a:fillRef>
+            <a:effectRef idx="0">
+              <a:schemeClr val="accent6"/>
+            </a:effectRef>
+            <a:fontRef idx="minor">
+              <a:schemeClr val="tx1"/>
+            </a:fontRef>
+          </p:style>
+          <p:txBody>
+            <a:bodyPr rtlCol="0" anchor="ctr"/>
+            <a:lstStyle/>
+            <a:p>
+              <a:pPr algn="ctr"/>
+              <a:endParaRPr lang="en-US"/>
+            </a:p>
+          </p:txBody>
+        </p:sp>
+      </p:grpSp>
+      <p:cxnSp>
+        <p:nvCxnSpPr>
+          <p:cNvPr id="13" name="Straight Arrow Connector 12">
+            <a:extLst>
+              <a:ext uri="{FF2B5EF4-FFF2-40B4-BE49-F238E27FC236}">
+                <a16:creationId xmlns:a16="http://schemas.microsoft.com/office/drawing/2014/main" id="{D07E8BCB-9235-13A3-FB4A-EEE1222CA907}"/>
+              </a:ext>
+            </a:extLst>
+          </p:cNvPr>
+          <p:cNvCxnSpPr>
+            <a:cxnSpLocks/>
+          </p:cNvCxnSpPr>
+          <p:nvPr/>
+        </p:nvCxnSpPr>
+        <p:spPr>
+          <a:xfrm flipV="1">
+            <a:off x="3422901" y="4300945"/>
+            <a:ext cx="0" cy="1376527"/>
+          </a:xfrm>
+          <a:prstGeom prst="straightConnector1">
+            <a:avLst/>
+          </a:prstGeom>
+          <a:ln w="63500">
+            <a:solidFill>
+              <a:schemeClr val="tx2">
+                <a:lumMod val="50000"/>
+                <a:lumOff val="50000"/>
+              </a:schemeClr>
+            </a:solidFill>
+            <a:headEnd w="lg" len="lg"/>
+            <a:tailEnd type="none" w="lg" len="lg"/>
+          </a:ln>
+        </p:spPr>
+        <p:style>
+          <a:lnRef idx="2">
+            <a:schemeClr val="accent1"/>
+          </a:lnRef>
+          <a:fillRef idx="0">
+            <a:schemeClr val="accent1"/>
+          </a:fillRef>
+          <a:effectRef idx="1">
+            <a:schemeClr val="accent1"/>
+          </a:effectRef>
+          <a:fontRef idx="minor">
+            <a:schemeClr val="tx1"/>
+          </a:fontRef>
+        </p:style>
+      </p:cxnSp>
+      <p:cxnSp>
+        <p:nvCxnSpPr>
+          <p:cNvPr id="21" name="Straight Arrow Connector 20">
+            <a:extLst>
+              <a:ext uri="{FF2B5EF4-FFF2-40B4-BE49-F238E27FC236}">
+                <a16:creationId xmlns:a16="http://schemas.microsoft.com/office/drawing/2014/main" id="{6932BD7A-3783-9A1C-37CB-D428D1870805}"/>
+              </a:ext>
+            </a:extLst>
+          </p:cNvPr>
+          <p:cNvCxnSpPr>
+            <a:cxnSpLocks/>
+          </p:cNvCxnSpPr>
+          <p:nvPr/>
+        </p:nvCxnSpPr>
+        <p:spPr>
+          <a:xfrm flipH="1" flipV="1">
+            <a:off x="8305800" y="4940601"/>
+            <a:ext cx="1376" cy="736871"/>
+          </a:xfrm>
+          <a:prstGeom prst="straightConnector1">
+            <a:avLst/>
+          </a:prstGeom>
+          <a:ln w="63500">
+            <a:solidFill>
+              <a:schemeClr val="tx2">
+                <a:lumMod val="50000"/>
+                <a:lumOff val="50000"/>
+              </a:schemeClr>
+            </a:solidFill>
+            <a:headEnd w="lg" len="lg"/>
+            <a:tailEnd type="none" w="lg" len="lg"/>
+          </a:ln>
+        </p:spPr>
+        <p:style>
+          <a:lnRef idx="2">
+            <a:schemeClr val="accent1"/>
+          </a:lnRef>
+          <a:fillRef idx="0">
+            <a:schemeClr val="accent1"/>
+          </a:fillRef>
+          <a:effectRef idx="1">
+            <a:schemeClr val="accent1"/>
+          </a:effectRef>
+          <a:fontRef idx="minor">
+            <a:schemeClr val="tx1"/>
+          </a:fontRef>
+        </p:style>
+      </p:cxnSp>
+      <p:graphicFrame>
+        <p:nvGraphicFramePr>
+          <p:cNvPr id="31" name="Table 30">
+            <a:extLst>
+              <a:ext uri="{FF2B5EF4-FFF2-40B4-BE49-F238E27FC236}">
+                <a16:creationId xmlns:a16="http://schemas.microsoft.com/office/drawing/2014/main" id="{E6FA04FC-AF98-84CB-70DD-E5E867F2C913}"/>
+              </a:ext>
+            </a:extLst>
+          </p:cNvPr>
+          <p:cNvGraphicFramePr>
+            <a:graphicFrameLocks noGrp="1"/>
+          </p:cNvGraphicFramePr>
+          <p:nvPr>
+            <p:extLst>
+              <p:ext uri="{D42A27DB-BD31-4B8C-83A1-F6EECF244321}">
+                <p14:modId xmlns:p14="http://schemas.microsoft.com/office/powerpoint/2010/main" val="679743804"/>
+              </p:ext>
+            </p:extLst>
+          </p:nvPr>
+        </p:nvGraphicFramePr>
+        <p:xfrm>
+          <a:off x="2514600" y="4838438"/>
+          <a:ext cx="2590797" cy="902547"/>
+        </p:xfrm>
+        <a:graphic>
+          <a:graphicData uri="http://schemas.openxmlformats.org/drawingml/2006/table">
+            <a:tbl>
+              <a:tblPr firstRow="1" bandRow="1">
+                <a:tableStyleId>{5C22544A-7EE6-4342-B048-85BDC9FD1C3A}</a:tableStyleId>
+              </a:tblPr>
+              <a:tblGrid>
+                <a:gridCol w="914402">
+                  <a:extLst>
+                    <a:ext uri="{9D8B030D-6E8A-4147-A177-3AD203B41FA5}">
+                      <a16:colId xmlns:a16="http://schemas.microsoft.com/office/drawing/2014/main" val="1515999930"/>
+                    </a:ext>
+                  </a:extLst>
+                </a:gridCol>
+                <a:gridCol w="1676395">
+                  <a:extLst>
+                    <a:ext uri="{9D8B030D-6E8A-4147-A177-3AD203B41FA5}">
+                      <a16:colId xmlns:a16="http://schemas.microsoft.com/office/drawing/2014/main" val="2330470311"/>
+                    </a:ext>
+                  </a:extLst>
+                </a:gridCol>
+              </a:tblGrid>
+              <a:tr h="300849">
+                <a:tc>
+                  <a:txBody>
+                    <a:bodyPr/>
+                    <a:lstStyle/>
+                    <a:p>
+                      <a:pPr algn="r"/>
+                      <a:r>
+                        <a:rPr lang="en-US" sz="1200" b="1" dirty="0">
+                          <a:solidFill>
+                            <a:schemeClr val="tx1"/>
+                          </a:solidFill>
+                        </a:rPr>
+                        <a:t>Branch:</a:t>
+                      </a:r>
+                    </a:p>
+                  </a:txBody>
+                  <a:tcPr>
+                    <a:lnL w="12700" cap="flat" cmpd="sng" algn="ctr">
+                      <a:noFill/>
+                      <a:prstDash val="solid"/>
+                      <a:round/>
+                      <a:headEnd type="none" w="med" len="med"/>
+                      <a:tailEnd type="none" w="med" len="med"/>
+                    </a:lnL>
+                    <a:lnR w="12700" cap="flat" cmpd="sng" algn="ctr">
+                      <a:noFill/>
+                      <a:prstDash val="solid"/>
+                      <a:round/>
+                      <a:headEnd type="none" w="med" len="med"/>
+                      <a:tailEnd type="none" w="med" len="med"/>
+                    </a:lnR>
+                    <a:lnT w="12700" cap="flat" cmpd="sng" algn="ctr">
+                      <a:noFill/>
+                      <a:prstDash val="solid"/>
+                      <a:round/>
+                      <a:headEnd type="none" w="med" len="med"/>
+                      <a:tailEnd type="none" w="med" len="med"/>
+                    </a:lnT>
+                    <a:lnB w="12700" cap="flat" cmpd="sng" algn="ctr">
+                      <a:noFill/>
+                      <a:prstDash val="solid"/>
+                      <a:round/>
+                      <a:headEnd type="none" w="med" len="med"/>
+                      <a:tailEnd type="none" w="med" len="med"/>
+                    </a:lnB>
+                    <a:lnTlToBr w="12700" cmpd="sng">
+                      <a:noFill/>
+                      <a:prstDash val="solid"/>
+                    </a:lnTlToBr>
+                    <a:lnBlToTr w="12700" cmpd="sng">
+                      <a:noFill/>
+                      <a:prstDash val="solid"/>
+                    </a:lnBlToTr>
+                    <a:noFill/>
+                  </a:tcPr>
+                </a:tc>
+                <a:tc>
+                  <a:txBody>
+                    <a:bodyPr/>
+                    <a:lstStyle/>
+                    <a:p>
+                      <a:r>
+                        <a:rPr lang="en-US" sz="1200" b="0" dirty="0">
+                          <a:solidFill>
+                            <a:schemeClr val="tx1"/>
+                          </a:solidFill>
+                        </a:rPr>
+                        <a:t>PE-15</a:t>
+                      </a:r>
+                    </a:p>
+                  </a:txBody>
+                  <a:tcPr>
+                    <a:lnL w="12700" cap="flat" cmpd="sng" algn="ctr">
+                      <a:noFill/>
+                      <a:prstDash val="solid"/>
+                      <a:round/>
+                      <a:headEnd type="none" w="med" len="med"/>
+                      <a:tailEnd type="none" w="med" len="med"/>
+                    </a:lnL>
+                    <a:lnR w="12700" cap="flat" cmpd="sng" algn="ctr">
+                      <a:noFill/>
+                      <a:prstDash val="solid"/>
+                      <a:round/>
+                      <a:headEnd type="none" w="med" len="med"/>
+                      <a:tailEnd type="none" w="med" len="med"/>
+                    </a:lnR>
+                    <a:lnT w="12700" cap="flat" cmpd="sng" algn="ctr">
+                      <a:noFill/>
+                      <a:prstDash val="solid"/>
+                      <a:round/>
+                      <a:headEnd type="none" w="med" len="med"/>
+                      <a:tailEnd type="none" w="med" len="med"/>
+                    </a:lnT>
+                    <a:lnB w="12700" cap="flat" cmpd="sng" algn="ctr">
+                      <a:noFill/>
+                      <a:prstDash val="solid"/>
+                      <a:round/>
+                      <a:headEnd type="none" w="med" len="med"/>
+                      <a:tailEnd type="none" w="med" len="med"/>
+                    </a:lnB>
+                    <a:lnTlToBr w="12700" cmpd="sng">
+                      <a:noFill/>
+                      <a:prstDash val="solid"/>
+                    </a:lnTlToBr>
+                    <a:lnBlToTr w="12700" cmpd="sng">
+                      <a:noFill/>
+                      <a:prstDash val="solid"/>
+                    </a:lnBlToTr>
+                    <a:noFill/>
+                  </a:tcPr>
+                </a:tc>
+                <a:extLst>
+                  <a:ext uri="{0D108BD9-81ED-4DB2-BD59-A6C34878D82A}">
+                    <a16:rowId xmlns:a16="http://schemas.microsoft.com/office/drawing/2014/main" val="246774676"/>
+                  </a:ext>
+                </a:extLst>
+              </a:tr>
+              <a:tr h="300849">
+                <a:tc>
+                  <a:txBody>
+                    <a:bodyPr/>
+                    <a:lstStyle/>
+                    <a:p>
+                      <a:pPr algn="r"/>
+                      <a:r>
+                        <a:rPr lang="en-US" sz="1200" b="1" dirty="0"/>
+                        <a:t>Task:</a:t>
+                      </a:r>
+                    </a:p>
+                  </a:txBody>
+                  <a:tcPr>
+                    <a:lnL w="12700" cap="flat" cmpd="sng" algn="ctr">
+                      <a:noFill/>
+                      <a:prstDash val="solid"/>
+                      <a:round/>
+                      <a:headEnd type="none" w="med" len="med"/>
+                      <a:tailEnd type="none" w="med" len="med"/>
+                    </a:lnL>
+                    <a:lnR w="12700" cap="flat" cmpd="sng" algn="ctr">
+                      <a:noFill/>
+                      <a:prstDash val="solid"/>
+                      <a:round/>
+                      <a:headEnd type="none" w="med" len="med"/>
+                      <a:tailEnd type="none" w="med" len="med"/>
+                    </a:lnR>
+                    <a:lnT w="12700" cap="flat" cmpd="sng" algn="ctr">
+                      <a:noFill/>
+                      <a:prstDash val="solid"/>
+                      <a:round/>
+                      <a:headEnd type="none" w="med" len="med"/>
+                      <a:tailEnd type="none" w="med" len="med"/>
+                    </a:lnT>
+                    <a:lnB w="12700" cap="flat" cmpd="sng" algn="ctr">
+                      <a:noFill/>
+                      <a:prstDash val="solid"/>
+                      <a:round/>
+                      <a:headEnd type="none" w="med" len="med"/>
+                      <a:tailEnd type="none" w="med" len="med"/>
+                    </a:lnB>
+                    <a:lnTlToBr w="12700" cmpd="sng">
+                      <a:noFill/>
+                      <a:prstDash val="solid"/>
+                    </a:lnTlToBr>
+                    <a:lnBlToTr w="12700" cmpd="sng">
+                      <a:noFill/>
+                      <a:prstDash val="solid"/>
+                    </a:lnBlToTr>
+                    <a:noFill/>
+                  </a:tcPr>
+                </a:tc>
+                <a:tc>
+                  <a:txBody>
+                    <a:bodyPr/>
+                    <a:lstStyle/>
+                    <a:p>
+                      <a:r>
+                        <a:rPr lang="en-US" sz="1200" dirty="0"/>
+                        <a:t>Update </a:t>
+                      </a:r>
+                      <a:r>
+                        <a:rPr lang="en-US" sz="1200" dirty="0" err="1"/>
+                        <a:t>Timescheme</a:t>
+                      </a:r>
+                      <a:endParaRPr lang="en-US" sz="1200" dirty="0"/>
+                    </a:p>
+                  </a:txBody>
+                  <a:tcPr>
+                    <a:lnL w="12700" cap="flat" cmpd="sng" algn="ctr">
+                      <a:noFill/>
+                      <a:prstDash val="solid"/>
+                      <a:round/>
+                      <a:headEnd type="none" w="med" len="med"/>
+                      <a:tailEnd type="none" w="med" len="med"/>
+                    </a:lnL>
+                    <a:lnR w="12700" cap="flat" cmpd="sng" algn="ctr">
+                      <a:noFill/>
+                      <a:prstDash val="solid"/>
+                      <a:round/>
+                      <a:headEnd type="none" w="med" len="med"/>
+                      <a:tailEnd type="none" w="med" len="med"/>
+                    </a:lnR>
+                    <a:lnT w="12700" cap="flat" cmpd="sng" algn="ctr">
+                      <a:noFill/>
+                      <a:prstDash val="solid"/>
+                      <a:round/>
+                      <a:headEnd type="none" w="med" len="med"/>
+                      <a:tailEnd type="none" w="med" len="med"/>
+                    </a:lnT>
+                    <a:lnB w="12700" cap="flat" cmpd="sng" algn="ctr">
+                      <a:noFill/>
+                      <a:prstDash val="solid"/>
+                      <a:round/>
+                      <a:headEnd type="none" w="med" len="med"/>
+                      <a:tailEnd type="none" w="med" len="med"/>
+                    </a:lnB>
+                    <a:lnTlToBr w="12700" cmpd="sng">
+                      <a:noFill/>
+                      <a:prstDash val="solid"/>
+                    </a:lnTlToBr>
+                    <a:lnBlToTr w="12700" cmpd="sng">
+                      <a:noFill/>
+                      <a:prstDash val="solid"/>
+                    </a:lnBlToTr>
+                    <a:noFill/>
+                  </a:tcPr>
+                </a:tc>
+                <a:extLst>
+                  <a:ext uri="{0D108BD9-81ED-4DB2-BD59-A6C34878D82A}">
+                    <a16:rowId xmlns:a16="http://schemas.microsoft.com/office/drawing/2014/main" val="1752967534"/>
+                  </a:ext>
+                </a:extLst>
+              </a:tr>
+              <a:tr h="300849">
+                <a:tc>
+                  <a:txBody>
+                    <a:bodyPr/>
+                    <a:lstStyle/>
+                    <a:p>
+                      <a:pPr algn="r"/>
+                      <a:r>
+                        <a:rPr lang="en-US" sz="1200" b="1" dirty="0"/>
+                        <a:t>Assignee:</a:t>
+                      </a:r>
+                    </a:p>
+                  </a:txBody>
+                  <a:tcPr>
+                    <a:lnL w="12700" cap="flat" cmpd="sng" algn="ctr">
+                      <a:noFill/>
+                      <a:prstDash val="solid"/>
+                      <a:round/>
+                      <a:headEnd type="none" w="med" len="med"/>
+                      <a:tailEnd type="none" w="med" len="med"/>
+                    </a:lnL>
+                    <a:lnR w="12700" cap="flat" cmpd="sng" algn="ctr">
+                      <a:noFill/>
+                      <a:prstDash val="solid"/>
+                      <a:round/>
+                      <a:headEnd type="none" w="med" len="med"/>
+                      <a:tailEnd type="none" w="med" len="med"/>
+                    </a:lnR>
+                    <a:lnT w="12700" cap="flat" cmpd="sng" algn="ctr">
+                      <a:noFill/>
+                      <a:prstDash val="solid"/>
+                      <a:round/>
+                      <a:headEnd type="none" w="med" len="med"/>
+                      <a:tailEnd type="none" w="med" len="med"/>
+                    </a:lnT>
+                    <a:lnB w="12700" cap="flat" cmpd="sng" algn="ctr">
+                      <a:noFill/>
+                      <a:prstDash val="solid"/>
+                      <a:round/>
+                      <a:headEnd type="none" w="med" len="med"/>
+                      <a:tailEnd type="none" w="med" len="med"/>
+                    </a:lnB>
+                    <a:lnTlToBr w="12700" cmpd="sng">
+                      <a:noFill/>
+                      <a:prstDash val="solid"/>
+                    </a:lnTlToBr>
+                    <a:lnBlToTr w="12700" cmpd="sng">
+                      <a:noFill/>
+                      <a:prstDash val="solid"/>
+                    </a:lnBlToTr>
+                    <a:noFill/>
+                  </a:tcPr>
+                </a:tc>
+                <a:tc>
+                  <a:txBody>
+                    <a:bodyPr/>
+                    <a:lstStyle/>
+                    <a:p>
+                      <a:r>
+                        <a:rPr lang="en-US" sz="1200" dirty="0" err="1"/>
+                        <a:t>lsawade</a:t>
+                      </a:r>
+                      <a:endParaRPr lang="en-US" sz="1200" dirty="0"/>
+                    </a:p>
+                  </a:txBody>
+                  <a:tcPr>
+                    <a:lnL w="12700" cap="flat" cmpd="sng" algn="ctr">
+                      <a:noFill/>
+                      <a:prstDash val="solid"/>
+                      <a:round/>
+                      <a:headEnd type="none" w="med" len="med"/>
+                      <a:tailEnd type="none" w="med" len="med"/>
+                    </a:lnL>
+                    <a:lnR w="12700" cap="flat" cmpd="sng" algn="ctr">
+                      <a:noFill/>
+                      <a:prstDash val="solid"/>
+                      <a:round/>
+                      <a:headEnd type="none" w="med" len="med"/>
+                      <a:tailEnd type="none" w="med" len="med"/>
+                    </a:lnR>
+                    <a:lnT w="12700" cap="flat" cmpd="sng" algn="ctr">
+                      <a:noFill/>
+                      <a:prstDash val="solid"/>
+                      <a:round/>
+                      <a:headEnd type="none" w="med" len="med"/>
+                      <a:tailEnd type="none" w="med" len="med"/>
+                    </a:lnT>
+                    <a:lnB w="12700" cap="flat" cmpd="sng" algn="ctr">
+                      <a:noFill/>
+                      <a:prstDash val="solid"/>
+                      <a:round/>
+                      <a:headEnd type="none" w="med" len="med"/>
+                      <a:tailEnd type="none" w="med" len="med"/>
+                    </a:lnB>
+                    <a:lnTlToBr w="12700" cmpd="sng">
+                      <a:noFill/>
+                      <a:prstDash val="solid"/>
+                    </a:lnTlToBr>
+                    <a:lnBlToTr w="12700" cmpd="sng">
+                      <a:noFill/>
+                      <a:prstDash val="solid"/>
+                    </a:lnBlToTr>
+                    <a:noFill/>
+                  </a:tcPr>
+                </a:tc>
+                <a:extLst>
+                  <a:ext uri="{0D108BD9-81ED-4DB2-BD59-A6C34878D82A}">
+                    <a16:rowId xmlns:a16="http://schemas.microsoft.com/office/drawing/2014/main" val="3028080841"/>
+                  </a:ext>
+                </a:extLst>
+              </a:tr>
+            </a:tbl>
+          </a:graphicData>
+        </a:graphic>
+      </p:graphicFrame>
+    </p:spTree>
+    <p:extLst>
+      <p:ext uri="{BB962C8B-B14F-4D97-AF65-F5344CB8AC3E}">
+        <p14:creationId xmlns:p14="http://schemas.microsoft.com/office/powerpoint/2010/main" val="1952105057"/>
+      </p:ext>
+    </p:extLst>
+  </p:cSld>
+  <p:clrMapOvr>
+    <a:masterClrMapping/>
+  </p:clrMapOvr>
+</p:sld>
+</file>
+
+<file path=ppt/slides/slide12.xml><?xml version="1.0" encoding="utf-8"?>
+<p:sld xmlns:a="http://schemas.openxmlformats.org/drawingml/2006/main" xmlns:r="http://schemas.openxmlformats.org/officeDocument/2006/relationships" xmlns:p="http://schemas.openxmlformats.org/presentationml/2006/main">
+  <p:cSld>
+    <p:spTree>
+      <p:nvGrpSpPr>
+        <p:cNvPr id="1" name="">
+          <a:extLst>
+            <a:ext uri="{FF2B5EF4-FFF2-40B4-BE49-F238E27FC236}">
               <a16:creationId xmlns:a16="http://schemas.microsoft.com/office/drawing/2014/main" id="{D47839DA-6356-38F9-59B3-CAFAE06E2333}"/>
             </a:ext>
           </a:extLst>
@@ -5144,35 +6937,6 @@
           </a:p>
         </p:txBody>
       </p:sp>
-      <p:pic>
-        <p:nvPicPr>
-          <p:cNvPr id="7" name="Content Placeholder 6" descr="A screenshot of a computer&#10;&#10;AI-generated content may be incorrect.">
-            <a:extLst>
-              <a:ext uri="{FF2B5EF4-FFF2-40B4-BE49-F238E27FC236}">
-                <a16:creationId xmlns:a16="http://schemas.microsoft.com/office/drawing/2014/main" id="{FAF0AA12-E183-147F-93FA-7C9D704DC6DB}"/>
-              </a:ext>
-            </a:extLst>
-          </p:cNvPr>
-          <p:cNvPicPr>
-            <a:picLocks noGrp="1" noChangeAspect="1"/>
-          </p:cNvPicPr>
-          <p:nvPr>
-            <p:ph idx="1"/>
-          </p:nvPr>
-        </p:nvPicPr>
-        <p:blipFill>
-          <a:blip r:embed="rId3"/>
-          <a:stretch>
-            <a:fillRect/>
-          </a:stretch>
-        </p:blipFill>
-        <p:spPr>
-          <a:xfrm>
-            <a:off x="838200" y="1690688"/>
-            <a:ext cx="10515600" cy="3033784"/>
-          </a:xfrm>
-        </p:spPr>
-      </p:pic>
       <p:sp>
         <p:nvSpPr>
           <p:cNvPr id="8" name="Rectangle 7">
@@ -5281,87 +7045,6 @@
           </a:p>
         </p:txBody>
       </p:sp>
-      <p:sp>
-        <p:nvSpPr>
-          <p:cNvPr id="11" name="TextBox 10">
-            <a:extLst>
-              <a:ext uri="{FF2B5EF4-FFF2-40B4-BE49-F238E27FC236}">
-                <a16:creationId xmlns:a16="http://schemas.microsoft.com/office/drawing/2014/main" id="{4FBD53A9-1B83-58C9-6A2A-E9A04796E8AE}"/>
-              </a:ext>
-            </a:extLst>
-          </p:cNvPr>
-          <p:cNvSpPr txBox="1"/>
-          <p:nvPr/>
-        </p:nvSpPr>
-        <p:spPr>
-          <a:xfrm>
-            <a:off x="838200" y="4363113"/>
-            <a:ext cx="765044" cy="377642"/>
-          </a:xfrm>
-          <a:prstGeom prst="rect">
-            <a:avLst/>
-          </a:prstGeom>
-          <a:noFill/>
-          <a:ln>
-            <a:solidFill>
-              <a:schemeClr val="tx1"/>
-            </a:solidFill>
-          </a:ln>
-        </p:spPr>
-        <p:txBody>
-          <a:bodyPr wrap="square" rtlCol="0">
-            <a:spAutoFit/>
-          </a:bodyPr>
-          <a:lstStyle/>
-          <a:p>
-            <a:pPr algn="ctr"/>
-            <a:r>
-              <a:rPr lang="en-US" dirty="0"/>
-              <a:t>PE</a:t>
-            </a:r>
-          </a:p>
-        </p:txBody>
-      </p:sp>
-      <p:cxnSp>
-        <p:nvCxnSpPr>
-          <p:cNvPr id="13" name="Curved Connector 12">
-            <a:extLst>
-              <a:ext uri="{FF2B5EF4-FFF2-40B4-BE49-F238E27FC236}">
-                <a16:creationId xmlns:a16="http://schemas.microsoft.com/office/drawing/2014/main" id="{103AA38E-9EC7-C00D-3F3B-9CE43AAE5C06}"/>
-              </a:ext>
-            </a:extLst>
-          </p:cNvPr>
-          <p:cNvCxnSpPr>
-            <a:cxnSpLocks/>
-            <a:stCxn id="11" idx="0"/>
-            <a:endCxn id="8" idx="1"/>
-          </p:cNvCxnSpPr>
-          <p:nvPr/>
-        </p:nvCxnSpPr>
-        <p:spPr>
-          <a:xfrm rot="5400000" flipH="1" flipV="1">
-            <a:off x="1537183" y="3498060"/>
-            <a:ext cx="548592" cy="1181515"/>
-          </a:xfrm>
-          <a:prstGeom prst="curvedConnector2">
-            <a:avLst/>
-          </a:prstGeom>
-        </p:spPr>
-        <p:style>
-          <a:lnRef idx="2">
-            <a:schemeClr val="accent1"/>
-          </a:lnRef>
-          <a:fillRef idx="0">
-            <a:schemeClr val="accent1"/>
-          </a:fillRef>
-          <a:effectRef idx="1">
-            <a:schemeClr val="accent1"/>
-          </a:effectRef>
-          <a:fontRef idx="minor">
-            <a:schemeClr val="tx1"/>
-          </a:fontRef>
-        </p:style>
-      </p:cxnSp>
       <p:sp>
         <p:nvSpPr>
           <p:cNvPr id="17" name="Content Placeholder 2">
@@ -5579,6 +7262,35 @@
           </a:p>
         </p:txBody>
       </p:sp>
+      <p:pic>
+        <p:nvPicPr>
+          <p:cNvPr id="22" name="Content Placeholder 21" descr="A screenshot of a computer&#10;&#10;AI-generated content may be incorrect.">
+            <a:extLst>
+              <a:ext uri="{FF2B5EF4-FFF2-40B4-BE49-F238E27FC236}">
+                <a16:creationId xmlns:a16="http://schemas.microsoft.com/office/drawing/2014/main" id="{5B035996-A517-F588-2BA7-AB1B5A267693}"/>
+              </a:ext>
+            </a:extLst>
+          </p:cNvPr>
+          <p:cNvPicPr>
+            <a:picLocks noGrp="1" noChangeAspect="1"/>
+          </p:cNvPicPr>
+          <p:nvPr>
+            <p:ph idx="1"/>
+          </p:nvPr>
+        </p:nvPicPr>
+        <p:blipFill>
+          <a:blip r:embed="rId3"/>
+          <a:stretch>
+            <a:fillRect/>
+          </a:stretch>
+        </p:blipFill>
+        <p:spPr>
+          <a:xfrm>
+            <a:off x="2571750" y="1847850"/>
+            <a:ext cx="7048500" cy="3162300"/>
+          </a:xfrm>
+        </p:spPr>
+      </p:pic>
     </p:spTree>
     <p:extLst>
       <p:ext uri="{BB962C8B-B14F-4D97-AF65-F5344CB8AC3E}">
@@ -5592,7 +7304,7 @@
 </p:sld>
 </file>
 
-<file path=ppt/slides/slide11.xml><?xml version="1.0" encoding="utf-8"?>
+<file path=ppt/slides/slide13.xml><?xml version="1.0" encoding="utf-8"?>
 <p:sld xmlns:a="http://schemas.openxmlformats.org/drawingml/2006/main" xmlns:r="http://schemas.openxmlformats.org/officeDocument/2006/relationships" xmlns:p="http://schemas.openxmlformats.org/presentationml/2006/main">
   <p:cSld>
     <p:spTree>
@@ -6391,7 +8103,7 @@
 </p:sld>
 </file>
 
-<file path=ppt/slides/slide12.xml><?xml version="1.0" encoding="utf-8"?>
+<file path=ppt/slides/slide14.xml><?xml version="1.0" encoding="utf-8"?>
 <p:sld xmlns:a="http://schemas.openxmlformats.org/drawingml/2006/main" xmlns:r="http://schemas.openxmlformats.org/officeDocument/2006/relationships" xmlns:p="http://schemas.openxmlformats.org/presentationml/2006/main">
   <p:cSld>
     <p:spTree>
@@ -7379,7 +9091,7 @@
 </p:sld>
 </file>
 
-<file path=ppt/slides/slide13.xml><?xml version="1.0" encoding="utf-8"?>
+<file path=ppt/slides/slide15.xml><?xml version="1.0" encoding="utf-8"?>
 <p:sld xmlns:a="http://schemas.openxmlformats.org/drawingml/2006/main" xmlns:r="http://schemas.openxmlformats.org/officeDocument/2006/relationships" xmlns:p="http://schemas.openxmlformats.org/presentationml/2006/main">
   <p:cSld>
     <p:spTree>
@@ -8787,16 +10499,12 @@
           <a:lstStyle/>
           <a:p>
             <a:r>
+              <a:rPr lang="en-US"/>
+              <a:t>Branch Structure </a:t>
+            </a:r>
+            <a:r>
               <a:rPr lang="en-US" dirty="0"/>
-              <a:t>Branch </a:t>
-            </a:r>
-            <a:r>
-              <a:rPr lang="en-US" dirty="0" err="1"/>
-              <a:t>Stucture</a:t>
-            </a:r>
-            <a:r>
-              <a:rPr lang="en-US" dirty="0"/>
-              <a:t> in SPECFEM++: Hackathon</a:t>
+              <a:t>in SPECFEM++: Hackathon</a:t>
             </a:r>
           </a:p>
         </p:txBody>
@@ -8816,9 +10524,9 @@
           <p:nvPr/>
         </p:nvCxnSpPr>
         <p:spPr>
-          <a:xfrm flipV="1">
-            <a:off x="2584704" y="2019872"/>
-            <a:ext cx="0" cy="3657600"/>
+          <a:xfrm flipH="1" flipV="1">
+            <a:off x="2584697" y="2505694"/>
+            <a:ext cx="7" cy="3171778"/>
           </a:xfrm>
           <a:prstGeom prst="straightConnector1">
             <a:avLst/>
@@ -9135,8 +10843,8 @@
         </p:nvCxnSpPr>
         <p:spPr>
           <a:xfrm flipV="1">
-            <a:off x="1249681" y="2019872"/>
-            <a:ext cx="0" cy="3657600"/>
+            <a:off x="1249681" y="2707574"/>
+            <a:ext cx="0" cy="2969898"/>
           </a:xfrm>
           <a:prstGeom prst="straightConnector1">
             <a:avLst/>
@@ -9287,7 +10995,13 @@
   <p:cSld>
     <p:spTree>
       <p:nvGrpSpPr>
-        <p:cNvPr id="1" name=""/>
+        <p:cNvPr id="1" name="">
+          <a:extLst>
+            <a:ext uri="{FF2B5EF4-FFF2-40B4-BE49-F238E27FC236}">
+              <a16:creationId xmlns:a16="http://schemas.microsoft.com/office/drawing/2014/main" id="{FB9E07BE-0380-8080-48E2-7DD6FCD5FED7}"/>
+            </a:ext>
+          </a:extLst>
+        </p:cNvPr>
         <p:cNvGrpSpPr/>
         <p:nvPr/>
       </p:nvGrpSpPr>
@@ -9299,167 +11013,12 @@
           <a:chExt cx="0" cy="0"/>
         </a:xfrm>
       </p:grpSpPr>
-      <p:sp>
-        <p:nvSpPr>
-          <p:cNvPr id="2" name="Title 1">
-            <a:extLst>
-              <a:ext uri="{FF2B5EF4-FFF2-40B4-BE49-F238E27FC236}">
-                <a16:creationId xmlns:a16="http://schemas.microsoft.com/office/drawing/2014/main" id="{FDAC7F7C-F0C0-4703-17C6-F4C4813E1AAF}"/>
-              </a:ext>
-            </a:extLst>
-          </p:cNvPr>
-          <p:cNvSpPr>
-            <a:spLocks noGrp="1"/>
-          </p:cNvSpPr>
-          <p:nvPr>
-            <p:ph type="title"/>
-          </p:nvPr>
-        </p:nvSpPr>
-        <p:spPr/>
-        <p:txBody>
-          <a:bodyPr/>
-          <a:lstStyle/>
-          <a:p>
-            <a:r>
-              <a:rPr lang="en-US" dirty="0"/>
-              <a:t>Get the code</a:t>
-            </a:r>
-          </a:p>
-        </p:txBody>
-      </p:sp>
-      <p:sp>
-        <p:nvSpPr>
-          <p:cNvPr id="3" name="Content Placeholder 2">
-            <a:extLst>
-              <a:ext uri="{FF2B5EF4-FFF2-40B4-BE49-F238E27FC236}">
-                <a16:creationId xmlns:a16="http://schemas.microsoft.com/office/drawing/2014/main" id="{F2F0C82F-81E0-F178-B0A4-9A22D10A9D7A}"/>
-              </a:ext>
-            </a:extLst>
-          </p:cNvPr>
-          <p:cNvSpPr>
-            <a:spLocks noGrp="1"/>
-          </p:cNvSpPr>
-          <p:nvPr>
-            <p:ph idx="1"/>
-          </p:nvPr>
-        </p:nvSpPr>
-        <p:spPr>
-          <a:xfrm>
-            <a:off x="838200" y="4279900"/>
-            <a:ext cx="10515600" cy="2212975"/>
-          </a:xfrm>
-        </p:spPr>
-        <p:txBody>
-          <a:bodyPr>
-            <a:normAutofit/>
-          </a:bodyPr>
-          <a:lstStyle/>
-          <a:p>
-            <a:pPr marL="0" indent="0">
-              <a:buNone/>
-            </a:pPr>
-            <a:r>
-              <a:rPr lang="en-US" sz="2000" dirty="0">
-                <a:latin typeface="Andale Mono" panose="020B0509000000000004" pitchFamily="49" charset="0"/>
-              </a:rPr>
-              <a:t># Get the repository</a:t>
-            </a:r>
-          </a:p>
-          <a:p>
-            <a:pPr marL="0" indent="0">
-              <a:buNone/>
-            </a:pPr>
-            <a:r>
-              <a:rPr lang="en-US" sz="2000" dirty="0">
-                <a:latin typeface="Andale Mono" panose="020B0509000000000004" pitchFamily="49" charset="0"/>
-              </a:rPr>
-              <a:t>git clone </a:t>
-            </a:r>
-            <a:r>
-              <a:rPr lang="en-US" sz="2000" dirty="0">
-                <a:latin typeface="Andale Mono" panose="020B0509000000000004" pitchFamily="49" charset="0"/>
-                <a:hlinkClick r:id="rId3"/>
-              </a:rPr>
-              <a:t>git@github.com:&lt;username&gt;/SPECFEMPP.git</a:t>
-            </a:r>
-            <a:endParaRPr lang="en-US" sz="2000" dirty="0">
-              <a:latin typeface="Andale Mono" panose="020B0509000000000004" pitchFamily="49" charset="0"/>
-            </a:endParaRPr>
-          </a:p>
-          <a:p>
-            <a:pPr marL="0" indent="0">
-              <a:buNone/>
-            </a:pPr>
-            <a:endParaRPr lang="en-US" sz="2000" dirty="0">
-              <a:latin typeface="Andale Mono" panose="020B0509000000000004" pitchFamily="49" charset="0"/>
-            </a:endParaRPr>
-          </a:p>
-          <a:p>
-            <a:pPr marL="0" indent="0">
-              <a:buNone/>
-            </a:pPr>
-            <a:r>
-              <a:rPr lang="en-US" sz="2000" dirty="0">
-                <a:latin typeface="Andale Mono" panose="020B0509000000000004" pitchFamily="49" charset="0"/>
-              </a:rPr>
-              <a:t># to start from </a:t>
-            </a:r>
-            <a:r>
-              <a:rPr lang="en-US" sz="2000" dirty="0" err="1">
-                <a:latin typeface="Andale Mono" panose="020B0509000000000004" pitchFamily="49" charset="0"/>
-              </a:rPr>
-              <a:t>poroelastic</a:t>
-            </a:r>
-            <a:r>
-              <a:rPr lang="en-US" sz="2000" dirty="0">
-                <a:latin typeface="Andale Mono" panose="020B0509000000000004" pitchFamily="49" charset="0"/>
-              </a:rPr>
-              <a:t> branch </a:t>
-            </a:r>
-          </a:p>
-          <a:p>
-            <a:pPr marL="0" indent="0">
-              <a:buNone/>
-            </a:pPr>
-            <a:r>
-              <a:rPr lang="en-US" sz="2000" dirty="0">
-                <a:latin typeface="Andale Mono" panose="020B0509000000000004" pitchFamily="49" charset="0"/>
-              </a:rPr>
-              <a:t>git checkout PE</a:t>
-            </a:r>
-          </a:p>
-          <a:p>
-            <a:pPr marL="0" indent="0">
-              <a:buNone/>
-            </a:pPr>
-            <a:endParaRPr lang="en-US" sz="2000" dirty="0">
-              <a:latin typeface="Andale Mono" panose="020B0509000000000004" pitchFamily="49" charset="0"/>
-            </a:endParaRPr>
-          </a:p>
-          <a:p>
-            <a:pPr marL="0" indent="0">
-              <a:buNone/>
-            </a:pPr>
-            <a:endParaRPr lang="en-US" sz="2000" dirty="0">
-              <a:latin typeface="Andale Mono" panose="020B0509000000000004" pitchFamily="49" charset="0"/>
-            </a:endParaRPr>
-          </a:p>
-          <a:p>
-            <a:pPr marL="0" indent="0">
-              <a:buNone/>
-            </a:pPr>
-            <a:endParaRPr lang="en-US" sz="2000" dirty="0">
-              <a:latin typeface="Andale Mono" panose="020B0509000000000004" pitchFamily="49" charset="0"/>
-            </a:endParaRPr>
-          </a:p>
-        </p:txBody>
-      </p:sp>
       <p:pic>
         <p:nvPicPr>
-          <p:cNvPr id="5" name="Picture 4" descr="A screenshot of a social media post&#10;&#10;AI-generated content may be incorrect.">
-            <a:extLst>
-              <a:ext uri="{FF2B5EF4-FFF2-40B4-BE49-F238E27FC236}">
-                <a16:creationId xmlns:a16="http://schemas.microsoft.com/office/drawing/2014/main" id="{D4611139-9534-270B-737B-367621F4D99C}"/>
+          <p:cNvPr id="7" name="Picture 6" descr="A screenshot of a computer&#10;&#10;AI-generated content may be incorrect.">
+            <a:extLst>
+              <a:ext uri="{FF2B5EF4-FFF2-40B4-BE49-F238E27FC236}">
+                <a16:creationId xmlns:a16="http://schemas.microsoft.com/office/drawing/2014/main" id="{54641FE7-B67C-BE58-469E-27E1C3EA1CC5}"/>
               </a:ext>
             </a:extLst>
           </p:cNvPr>
@@ -9469,15 +11028,15 @@
           <p:nvPr/>
         </p:nvPicPr>
         <p:blipFill>
-          <a:blip r:embed="rId4"/>
+          <a:blip r:embed="rId3"/>
           <a:stretch>
             <a:fillRect/>
           </a:stretch>
         </p:blipFill>
         <p:spPr>
           <a:xfrm>
-            <a:off x="1854200" y="1662113"/>
-            <a:ext cx="8204200" cy="2506434"/>
+            <a:off x="2240180" y="1600200"/>
+            <a:ext cx="7711640" cy="4267200"/>
           </a:xfrm>
           <a:prstGeom prst="rect">
             <a:avLst/>
@@ -9486,10 +11045,38 @@
       </p:pic>
       <p:sp>
         <p:nvSpPr>
+          <p:cNvPr id="2" name="Title 1">
+            <a:extLst>
+              <a:ext uri="{FF2B5EF4-FFF2-40B4-BE49-F238E27FC236}">
+                <a16:creationId xmlns:a16="http://schemas.microsoft.com/office/drawing/2014/main" id="{6A1259AA-5E1B-AAF4-D062-BBC5DC40032D}"/>
+              </a:ext>
+            </a:extLst>
+          </p:cNvPr>
+          <p:cNvSpPr>
+            <a:spLocks noGrp="1"/>
+          </p:cNvSpPr>
+          <p:nvPr>
+            <p:ph type="title"/>
+          </p:nvPr>
+        </p:nvSpPr>
+        <p:spPr/>
+        <p:txBody>
+          <a:bodyPr/>
+          <a:lstStyle/>
+          <a:p>
+            <a:r>
+              <a:rPr lang="en-US" dirty="0"/>
+              <a:t>Get the code</a:t>
+            </a:r>
+          </a:p>
+        </p:txBody>
+      </p:sp>
+      <p:sp>
+        <p:nvSpPr>
           <p:cNvPr id="6" name="Rectangle 5">
             <a:extLst>
               <a:ext uri="{FF2B5EF4-FFF2-40B4-BE49-F238E27FC236}">
-                <a16:creationId xmlns:a16="http://schemas.microsoft.com/office/drawing/2014/main" id="{8F8A0F3C-EF38-A5E3-606F-A77BE1B34775}"/>
+                <a16:creationId xmlns:a16="http://schemas.microsoft.com/office/drawing/2014/main" id="{221C36C6-4865-F2D7-CF71-850E4E77EE72}"/>
               </a:ext>
             </a:extLst>
           </p:cNvPr>
@@ -9498,8 +11085,8 @@
         </p:nvSpPr>
         <p:spPr>
           <a:xfrm>
-            <a:off x="7734300" y="2915330"/>
-            <a:ext cx="2190750" cy="761320"/>
+            <a:off x="7391400" y="2362200"/>
+            <a:ext cx="1352550" cy="457200"/>
           </a:xfrm>
           <a:prstGeom prst="rect">
             <a:avLst/>
@@ -9541,7 +11128,7 @@
     </p:spTree>
     <p:extLst>
       <p:ext uri="{BB962C8B-B14F-4D97-AF65-F5344CB8AC3E}">
-        <p14:creationId xmlns:p14="http://schemas.microsoft.com/office/powerpoint/2010/main" val="2098357526"/>
+        <p14:creationId xmlns:p14="http://schemas.microsoft.com/office/powerpoint/2010/main" val="4226294259"/>
       </p:ext>
     </p:extLst>
   </p:cSld>
@@ -9552,6 +11139,154 @@
 </file>
 
 <file path=ppt/slides/slide5.xml><?xml version="1.0" encoding="utf-8"?>
+<p:sld xmlns:a="http://schemas.openxmlformats.org/drawingml/2006/main" xmlns:r="http://schemas.openxmlformats.org/officeDocument/2006/relationships" xmlns:p="http://schemas.openxmlformats.org/presentationml/2006/main">
+  <p:cSld>
+    <p:spTree>
+      <p:nvGrpSpPr>
+        <p:cNvPr id="1" name="">
+          <a:extLst>
+            <a:ext uri="{FF2B5EF4-FFF2-40B4-BE49-F238E27FC236}">
+              <a16:creationId xmlns:a16="http://schemas.microsoft.com/office/drawing/2014/main" id="{DD3AFD06-9864-2E74-A31A-07C5C9441136}"/>
+            </a:ext>
+          </a:extLst>
+        </p:cNvPr>
+        <p:cNvGrpSpPr/>
+        <p:nvPr/>
+      </p:nvGrpSpPr>
+      <p:grpSpPr>
+        <a:xfrm>
+          <a:off x="0" y="0"/>
+          <a:ext cx="0" cy="0"/>
+          <a:chOff x="0" y="0"/>
+          <a:chExt cx="0" cy="0"/>
+        </a:xfrm>
+      </p:grpSpPr>
+      <p:sp>
+        <p:nvSpPr>
+          <p:cNvPr id="2" name="Title 1">
+            <a:extLst>
+              <a:ext uri="{FF2B5EF4-FFF2-40B4-BE49-F238E27FC236}">
+                <a16:creationId xmlns:a16="http://schemas.microsoft.com/office/drawing/2014/main" id="{07268891-1F48-2A0E-F633-8E683B6A11DB}"/>
+              </a:ext>
+            </a:extLst>
+          </p:cNvPr>
+          <p:cNvSpPr>
+            <a:spLocks noGrp="1"/>
+          </p:cNvSpPr>
+          <p:nvPr>
+            <p:ph type="title"/>
+          </p:nvPr>
+        </p:nvSpPr>
+        <p:spPr/>
+        <p:txBody>
+          <a:bodyPr/>
+          <a:lstStyle/>
+          <a:p>
+            <a:r>
+              <a:rPr lang="en-US" dirty="0"/>
+              <a:t>Get the code</a:t>
+            </a:r>
+          </a:p>
+        </p:txBody>
+      </p:sp>
+      <p:pic>
+        <p:nvPicPr>
+          <p:cNvPr id="11" name="Picture 10" descr="A screenshot of a computer&#10;&#10;AI-generated content may be incorrect.">
+            <a:extLst>
+              <a:ext uri="{FF2B5EF4-FFF2-40B4-BE49-F238E27FC236}">
+                <a16:creationId xmlns:a16="http://schemas.microsoft.com/office/drawing/2014/main" id="{50701671-2039-7F45-5044-980B46660AC3}"/>
+              </a:ext>
+            </a:extLst>
+          </p:cNvPr>
+          <p:cNvPicPr>
+            <a:picLocks noChangeAspect="1"/>
+          </p:cNvPicPr>
+          <p:nvPr/>
+        </p:nvPicPr>
+        <p:blipFill>
+          <a:blip r:embed="rId3"/>
+          <a:stretch>
+            <a:fillRect/>
+          </a:stretch>
+        </p:blipFill>
+        <p:spPr>
+          <a:xfrm>
+            <a:off x="2578100" y="1346200"/>
+            <a:ext cx="7035800" cy="4165600"/>
+          </a:xfrm>
+          <a:prstGeom prst="rect">
+            <a:avLst/>
+          </a:prstGeom>
+        </p:spPr>
+      </p:pic>
+      <p:sp>
+        <p:nvSpPr>
+          <p:cNvPr id="12" name="Rectangle 11">
+            <a:extLst>
+              <a:ext uri="{FF2B5EF4-FFF2-40B4-BE49-F238E27FC236}">
+                <a16:creationId xmlns:a16="http://schemas.microsoft.com/office/drawing/2014/main" id="{F56E5E06-D6A7-D430-C8A9-8EE03D29930D}"/>
+              </a:ext>
+            </a:extLst>
+          </p:cNvPr>
+          <p:cNvSpPr/>
+          <p:nvPr/>
+        </p:nvSpPr>
+        <p:spPr>
+          <a:xfrm>
+            <a:off x="3428999" y="4586799"/>
+            <a:ext cx="530881" cy="442401"/>
+          </a:xfrm>
+          <a:prstGeom prst="rect">
+            <a:avLst/>
+          </a:prstGeom>
+          <a:noFill/>
+          <a:ln w="85725">
+            <a:solidFill>
+              <a:schemeClr val="accent2">
+                <a:lumMod val="75000"/>
+              </a:schemeClr>
+            </a:solidFill>
+          </a:ln>
+        </p:spPr>
+        <p:style>
+          <a:lnRef idx="2">
+            <a:schemeClr val="accent1">
+              <a:shade val="15000"/>
+            </a:schemeClr>
+          </a:lnRef>
+          <a:fillRef idx="1">
+            <a:schemeClr val="accent1"/>
+          </a:fillRef>
+          <a:effectRef idx="0">
+            <a:schemeClr val="accent1"/>
+          </a:effectRef>
+          <a:fontRef idx="minor">
+            <a:schemeClr val="lt1"/>
+          </a:fontRef>
+        </p:style>
+        <p:txBody>
+          <a:bodyPr rtlCol="0" anchor="ctr"/>
+          <a:lstStyle/>
+          <a:p>
+            <a:pPr algn="ctr"/>
+            <a:endParaRPr lang="en-US"/>
+          </a:p>
+        </p:txBody>
+      </p:sp>
+    </p:spTree>
+    <p:extLst>
+      <p:ext uri="{BB962C8B-B14F-4D97-AF65-F5344CB8AC3E}">
+        <p14:creationId xmlns:p14="http://schemas.microsoft.com/office/powerpoint/2010/main" val="2639647635"/>
+      </p:ext>
+    </p:extLst>
+  </p:cSld>
+  <p:clrMapOvr>
+    <a:masterClrMapping/>
+  </p:clrMapOvr>
+</p:sld>
+</file>
+
+<file path=ppt/slides/slide6.xml><?xml version="1.0" encoding="utf-8"?>
 <p:sld xmlns:a="http://schemas.openxmlformats.org/drawingml/2006/main" xmlns:r="http://schemas.openxmlformats.org/officeDocument/2006/relationships" xmlns:p="http://schemas.openxmlformats.org/presentationml/2006/main">
   <p:cSld>
     <p:spTree>
@@ -9573,7 +11308,7 @@
           <p:cNvPr id="2" name="Title 1">
             <a:extLst>
               <a:ext uri="{FF2B5EF4-FFF2-40B4-BE49-F238E27FC236}">
-                <a16:creationId xmlns:a16="http://schemas.microsoft.com/office/drawing/2014/main" id="{21C343E0-0386-82C0-1D96-96B319346C15}"/>
+                <a16:creationId xmlns:a16="http://schemas.microsoft.com/office/drawing/2014/main" id="{FDAC7F7C-F0C0-4703-17C6-F4C4813E1AAF}"/>
               </a:ext>
             </a:extLst>
           </p:cNvPr>
@@ -9591,46 +11326,144 @@
           <a:p>
             <a:r>
               <a:rPr lang="en-US" dirty="0"/>
-              <a:t>Project Setup</a:t>
-            </a:r>
+              <a:t>Get the code</a:t>
+            </a:r>
+          </a:p>
+        </p:txBody>
+      </p:sp>
+      <p:sp>
+        <p:nvSpPr>
+          <p:cNvPr id="3" name="Content Placeholder 2">
+            <a:extLst>
+              <a:ext uri="{FF2B5EF4-FFF2-40B4-BE49-F238E27FC236}">
+                <a16:creationId xmlns:a16="http://schemas.microsoft.com/office/drawing/2014/main" id="{F2F0C82F-81E0-F178-B0A4-9A22D10A9D7A}"/>
+              </a:ext>
+            </a:extLst>
+          </p:cNvPr>
+          <p:cNvSpPr>
+            <a:spLocks noGrp="1"/>
+          </p:cNvSpPr>
+          <p:nvPr>
+            <p:ph idx="1"/>
+          </p:nvPr>
+        </p:nvSpPr>
+        <p:spPr>
+          <a:xfrm>
+            <a:off x="2199724" y="3886200"/>
+            <a:ext cx="7792552" cy="2212975"/>
+          </a:xfrm>
+        </p:spPr>
+        <p:txBody>
+          <a:bodyPr>
+            <a:normAutofit/>
+          </a:bodyPr>
+          <a:lstStyle/>
+          <a:p>
+            <a:pPr marL="0" indent="0">
+              <a:buNone/>
+            </a:pPr>
+            <a:r>
+              <a:rPr lang="en-US" sz="2000" dirty="0">
+                <a:latin typeface="Andale Mono" panose="020B0509000000000004" pitchFamily="49" charset="0"/>
+              </a:rPr>
+              <a:t># Get the repository</a:t>
+            </a:r>
+          </a:p>
+          <a:p>
+            <a:pPr marL="0" indent="0">
+              <a:buNone/>
+            </a:pPr>
+            <a:r>
+              <a:rPr lang="en-US" sz="2000" dirty="0">
+                <a:latin typeface="Andale Mono" panose="020B0509000000000004" pitchFamily="49" charset="0"/>
+              </a:rPr>
+              <a:t>git clone </a:t>
+            </a:r>
+            <a:r>
+              <a:rPr lang="en-US" sz="2000" dirty="0">
+                <a:latin typeface="Andale Mono" panose="020B0509000000000004" pitchFamily="49" charset="0"/>
+                <a:hlinkClick r:id="rId3"/>
+              </a:rPr>
+              <a:t>git@github.com:&lt;username&gt;/SPECFEMPP.git</a:t>
+            </a:r>
+            <a:endParaRPr lang="en-US" sz="2000" dirty="0">
+              <a:latin typeface="Andale Mono" panose="020B0509000000000004" pitchFamily="49" charset="0"/>
+            </a:endParaRPr>
+          </a:p>
+          <a:p>
+            <a:pPr marL="0" indent="0">
+              <a:buNone/>
+            </a:pPr>
+            <a:endParaRPr lang="en-US" sz="2000" dirty="0">
+              <a:latin typeface="Andale Mono" panose="020B0509000000000004" pitchFamily="49" charset="0"/>
+            </a:endParaRPr>
+          </a:p>
+          <a:p>
+            <a:pPr marL="0" indent="0">
+              <a:buNone/>
+            </a:pPr>
+            <a:r>
+              <a:rPr lang="en-US" sz="2000" dirty="0">
+                <a:latin typeface="Andale Mono" panose="020B0509000000000004" pitchFamily="49" charset="0"/>
+              </a:rPr>
+              <a:t># to start from </a:t>
+            </a:r>
+            <a:r>
+              <a:rPr lang="en-US" sz="2000" dirty="0" err="1">
+                <a:latin typeface="Andale Mono" panose="020B0509000000000004" pitchFamily="49" charset="0"/>
+              </a:rPr>
+              <a:t>poroelastic</a:t>
+            </a:r>
+            <a:r>
+              <a:rPr lang="en-US" sz="2000" dirty="0">
+                <a:latin typeface="Andale Mono" panose="020B0509000000000004" pitchFamily="49" charset="0"/>
+              </a:rPr>
+              <a:t> branch </a:t>
+            </a:r>
+          </a:p>
+          <a:p>
+            <a:pPr marL="0" indent="0">
+              <a:buNone/>
+            </a:pPr>
+            <a:r>
+              <a:rPr lang="en-US" sz="2000" dirty="0">
+                <a:latin typeface="Andale Mono" panose="020B0509000000000004" pitchFamily="49" charset="0"/>
+              </a:rPr>
+              <a:t>git checkout PE</a:t>
+            </a:r>
+          </a:p>
+          <a:p>
+            <a:pPr marL="0" indent="0">
+              <a:buNone/>
+            </a:pPr>
+            <a:endParaRPr lang="en-US" sz="2000" dirty="0">
+              <a:latin typeface="Andale Mono" panose="020B0509000000000004" pitchFamily="49" charset="0"/>
+            </a:endParaRPr>
+          </a:p>
+          <a:p>
+            <a:pPr marL="0" indent="0">
+              <a:buNone/>
+            </a:pPr>
+            <a:endParaRPr lang="en-US" sz="2000" dirty="0">
+              <a:latin typeface="Andale Mono" panose="020B0509000000000004" pitchFamily="49" charset="0"/>
+            </a:endParaRPr>
+          </a:p>
+          <a:p>
+            <a:pPr marL="0" indent="0">
+              <a:buNone/>
+            </a:pPr>
+            <a:endParaRPr lang="en-US" sz="2000" dirty="0">
+              <a:latin typeface="Andale Mono" panose="020B0509000000000004" pitchFamily="49" charset="0"/>
+            </a:endParaRPr>
           </a:p>
         </p:txBody>
       </p:sp>
       <p:pic>
         <p:nvPicPr>
-          <p:cNvPr id="9" name="Content Placeholder 8" descr="A screenshot of a web page&#10;&#10;AI-generated content may be incorrect.">
-            <a:extLst>
-              <a:ext uri="{FF2B5EF4-FFF2-40B4-BE49-F238E27FC236}">
-                <a16:creationId xmlns:a16="http://schemas.microsoft.com/office/drawing/2014/main" id="{9ED85B1D-5E14-6B23-0291-576019F132D5}"/>
-              </a:ext>
-            </a:extLst>
-          </p:cNvPr>
-          <p:cNvPicPr>
-            <a:picLocks noGrp="1" noChangeAspect="1"/>
-          </p:cNvPicPr>
-          <p:nvPr>
-            <p:ph idx="1"/>
-          </p:nvPr>
-        </p:nvPicPr>
-        <p:blipFill>
-          <a:blip r:embed="rId2"/>
-          <a:stretch>
-            <a:fillRect/>
-          </a:stretch>
-        </p:blipFill>
-        <p:spPr>
-          <a:xfrm>
-            <a:off x="1676399" y="1454532"/>
-            <a:ext cx="8839202" cy="5093524"/>
-          </a:xfrm>
-        </p:spPr>
-      </p:pic>
-      <p:pic>
-        <p:nvPicPr>
-          <p:cNvPr id="11" name="Graphic 10" descr="Checkmark with solid fill">
-            <a:extLst>
-              <a:ext uri="{FF2B5EF4-FFF2-40B4-BE49-F238E27FC236}">
-                <a16:creationId xmlns:a16="http://schemas.microsoft.com/office/drawing/2014/main" id="{ADE86F6B-136A-2B14-924E-533710C07E78}"/>
+          <p:cNvPr id="13" name="Picture 12" descr="A screenshot of a computer&#10;&#10;AI-generated content may be incorrect.">
+            <a:extLst>
+              <a:ext uri="{FF2B5EF4-FFF2-40B4-BE49-F238E27FC236}">
+                <a16:creationId xmlns:a16="http://schemas.microsoft.com/office/drawing/2014/main" id="{39633B8E-640B-8CDB-849C-9B3B3724840C}"/>
               </a:ext>
             </a:extLst>
           </p:cNvPr>
@@ -9640,10 +11473,97 @@
           <p:nvPr/>
         </p:nvPicPr>
         <p:blipFill>
-          <a:blip r:embed="rId3">
+          <a:blip r:embed="rId4"/>
+          <a:srcRect t="18441" b="27778"/>
+          <a:stretch/>
+        </p:blipFill>
+        <p:spPr>
+          <a:xfrm>
+            <a:off x="2557948" y="1371600"/>
+            <a:ext cx="7035800" cy="2212975"/>
+          </a:xfrm>
+          <a:prstGeom prst="rect">
+            <a:avLst/>
+          </a:prstGeom>
+        </p:spPr>
+      </p:pic>
+    </p:spTree>
+    <p:extLst>
+      <p:ext uri="{BB962C8B-B14F-4D97-AF65-F5344CB8AC3E}">
+        <p14:creationId xmlns:p14="http://schemas.microsoft.com/office/powerpoint/2010/main" val="2098357526"/>
+      </p:ext>
+    </p:extLst>
+  </p:cSld>
+  <p:clrMapOvr>
+    <a:masterClrMapping/>
+  </p:clrMapOvr>
+</p:sld>
+</file>
+
+<file path=ppt/slides/slide7.xml><?xml version="1.0" encoding="utf-8"?>
+<p:sld xmlns:a="http://schemas.openxmlformats.org/drawingml/2006/main" xmlns:r="http://schemas.openxmlformats.org/officeDocument/2006/relationships" xmlns:p="http://schemas.openxmlformats.org/presentationml/2006/main">
+  <p:cSld>
+    <p:spTree>
+      <p:nvGrpSpPr>
+        <p:cNvPr id="1" name=""/>
+        <p:cNvGrpSpPr/>
+        <p:nvPr/>
+      </p:nvGrpSpPr>
+      <p:grpSpPr>
+        <a:xfrm>
+          <a:off x="0" y="0"/>
+          <a:ext cx="0" cy="0"/>
+          <a:chOff x="0" y="0"/>
+          <a:chExt cx="0" cy="0"/>
+        </a:xfrm>
+      </p:grpSpPr>
+      <p:sp>
+        <p:nvSpPr>
+          <p:cNvPr id="2" name="Title 1">
+            <a:extLst>
+              <a:ext uri="{FF2B5EF4-FFF2-40B4-BE49-F238E27FC236}">
+                <a16:creationId xmlns:a16="http://schemas.microsoft.com/office/drawing/2014/main" id="{21C343E0-0386-82C0-1D96-96B319346C15}"/>
+              </a:ext>
+            </a:extLst>
+          </p:cNvPr>
+          <p:cNvSpPr>
+            <a:spLocks noGrp="1"/>
+          </p:cNvSpPr>
+          <p:nvPr>
+            <p:ph type="title"/>
+          </p:nvPr>
+        </p:nvSpPr>
+        <p:spPr/>
+        <p:txBody>
+          <a:bodyPr/>
+          <a:lstStyle/>
+          <a:p>
+            <a:r>
+              <a:rPr lang="en-US" dirty="0"/>
+              <a:t>Project Setup</a:t>
+            </a:r>
+          </a:p>
+        </p:txBody>
+      </p:sp>
+      <p:pic>
+        <p:nvPicPr>
+          <p:cNvPr id="11" name="Graphic 10" descr="Checkmark with solid fill">
+            <a:extLst>
+              <a:ext uri="{FF2B5EF4-FFF2-40B4-BE49-F238E27FC236}">
+                <a16:creationId xmlns:a16="http://schemas.microsoft.com/office/drawing/2014/main" id="{ADE86F6B-136A-2B14-924E-533710C07E78}"/>
+              </a:ext>
+            </a:extLst>
+          </p:cNvPr>
+          <p:cNvPicPr>
+            <a:picLocks noChangeAspect="1"/>
+          </p:cNvPicPr>
+          <p:nvPr/>
+        </p:nvPicPr>
+        <p:blipFill>
+          <a:blip r:embed="rId2">
             <a:extLst>
               <a:ext uri="{96DAC541-7B7A-43D3-8B79-37D633B846F1}">
-                <asvg:svgBlip xmlns:asvg="http://schemas.microsoft.com/office/drawing/2016/SVG/main" r:embed="rId4"/>
+                <asvg:svgBlip xmlns:asvg="http://schemas.microsoft.com/office/drawing/2016/SVG/main" r:embed="rId3"/>
               </a:ext>
             </a:extLst>
           </a:blip>
@@ -9653,8 +11573,74 @@
         </p:blipFill>
         <p:spPr>
           <a:xfrm>
-            <a:off x="3928872" y="3182112"/>
+            <a:off x="9982200" y="3733800"/>
             <a:ext cx="493776" cy="493776"/>
+          </a:xfrm>
+          <a:prstGeom prst="rect">
+            <a:avLst/>
+          </a:prstGeom>
+        </p:spPr>
+      </p:pic>
+      <p:pic>
+        <p:nvPicPr>
+          <p:cNvPr id="16" name="Graphic 15" descr="Checkmark with solid fill">
+            <a:extLst>
+              <a:ext uri="{FF2B5EF4-FFF2-40B4-BE49-F238E27FC236}">
+                <a16:creationId xmlns:a16="http://schemas.microsoft.com/office/drawing/2014/main" id="{2358E41F-99BA-799F-EE55-6643DA592665}"/>
+              </a:ext>
+            </a:extLst>
+          </p:cNvPr>
+          <p:cNvPicPr>
+            <a:picLocks noChangeAspect="1"/>
+          </p:cNvPicPr>
+          <p:nvPr/>
+        </p:nvPicPr>
+        <p:blipFill>
+          <a:blip r:embed="rId2">
+            <a:extLst>
+              <a:ext uri="{96DAC541-7B7A-43D3-8B79-37D633B846F1}">
+                <asvg:svgBlip xmlns:asvg="http://schemas.microsoft.com/office/drawing/2016/SVG/main" r:embed="rId3"/>
+              </a:ext>
+            </a:extLst>
+          </a:blip>
+          <a:stretch>
+            <a:fillRect/>
+          </a:stretch>
+        </p:blipFill>
+        <p:spPr>
+          <a:xfrm>
+            <a:off x="9982200" y="4237828"/>
+            <a:ext cx="493776" cy="493776"/>
+          </a:xfrm>
+          <a:prstGeom prst="rect">
+            <a:avLst/>
+          </a:prstGeom>
+        </p:spPr>
+      </p:pic>
+      <p:pic>
+        <p:nvPicPr>
+          <p:cNvPr id="18" name="Picture 17" descr="A screenshot of a web page&#10;&#10;AI-generated content may be incorrect.">
+            <a:extLst>
+              <a:ext uri="{FF2B5EF4-FFF2-40B4-BE49-F238E27FC236}">
+                <a16:creationId xmlns:a16="http://schemas.microsoft.com/office/drawing/2014/main" id="{AC5AA435-17DD-F25E-1299-2CB00B547E75}"/>
+              </a:ext>
+            </a:extLst>
+          </p:cNvPr>
+          <p:cNvPicPr>
+            <a:picLocks noChangeAspect="1"/>
+          </p:cNvPicPr>
+          <p:nvPr/>
+        </p:nvPicPr>
+        <p:blipFill>
+          <a:blip r:embed="rId4"/>
+          <a:stretch>
+            <a:fillRect/>
+          </a:stretch>
+        </p:blipFill>
+        <p:spPr>
+          <a:xfrm>
+            <a:off x="2209800" y="1447800"/>
+            <a:ext cx="7772400" cy="5181600"/>
           </a:xfrm>
           <a:prstGeom prst="rect">
             <a:avLst/>
@@ -9674,7 +11660,7 @@
 </p:sld>
 </file>
 
-<file path=ppt/slides/slide6.xml><?xml version="1.0" encoding="utf-8"?>
+<file path=ppt/slides/slide8.xml><?xml version="1.0" encoding="utf-8"?>
 <p:sld xmlns:a="http://schemas.openxmlformats.org/drawingml/2006/main" xmlns:r="http://schemas.openxmlformats.org/officeDocument/2006/relationships" xmlns:p="http://schemas.openxmlformats.org/presentationml/2006/main">
   <p:cSld>
     <p:spTree>
@@ -9720,17 +11706,17 @@
           <a:p>
             <a:r>
               <a:rPr lang="en-US" dirty="0"/>
-              <a:t>Sub-Projects &amp; Task Assignments</a:t>
+              <a:t>Task Group</a:t>
             </a:r>
           </a:p>
         </p:txBody>
       </p:sp>
       <p:pic>
         <p:nvPicPr>
-          <p:cNvPr id="7" name="Content Placeholder 6" descr="A screenshot of a survey&#10;&#10;AI-generated content may be incorrect.">
-            <a:extLst>
-              <a:ext uri="{FF2B5EF4-FFF2-40B4-BE49-F238E27FC236}">
-                <a16:creationId xmlns:a16="http://schemas.microsoft.com/office/drawing/2014/main" id="{8D733FCC-C3CF-F244-B263-8BFE58BAAA64}"/>
+          <p:cNvPr id="13" name="Content Placeholder 12" descr="A screenshot of a computer&#10;&#10;AI-generated content may be incorrect.">
+            <a:extLst>
+              <a:ext uri="{FF2B5EF4-FFF2-40B4-BE49-F238E27FC236}">
+                <a16:creationId xmlns:a16="http://schemas.microsoft.com/office/drawing/2014/main" id="{C58D9251-D027-2B3C-11A2-2A1E6064CA5C}"/>
               </a:ext>
             </a:extLst>
           </p:cNvPr>
@@ -9749,8 +11735,8 @@
         </p:blipFill>
         <p:spPr>
           <a:xfrm>
-            <a:off x="1022350" y="2102644"/>
-            <a:ext cx="10147300" cy="3797300"/>
+            <a:off x="846513" y="1981200"/>
+            <a:ext cx="10488914" cy="3427412"/>
           </a:xfrm>
         </p:spPr>
       </p:pic>
@@ -9767,7 +11753,7 @@
 </p:sld>
 </file>
 
-<file path=ppt/slides/slide7.xml><?xml version="1.0" encoding="utf-8"?>
+<file path=ppt/slides/slide9.xml><?xml version="1.0" encoding="utf-8"?>
 <p:sld xmlns:a="http://schemas.openxmlformats.org/drawingml/2006/main" xmlns:r="http://schemas.openxmlformats.org/officeDocument/2006/relationships" xmlns:p="http://schemas.openxmlformats.org/presentationml/2006/main">
   <p:cSld>
     <p:spTree>
@@ -9790,49 +11776,19 @@
           <a:chExt cx="0" cy="0"/>
         </a:xfrm>
       </p:grpSpPr>
-      <p:sp>
-        <p:nvSpPr>
-          <p:cNvPr id="2" name="Title 1">
-            <a:extLst>
-              <a:ext uri="{FF2B5EF4-FFF2-40B4-BE49-F238E27FC236}">
-                <a16:creationId xmlns:a16="http://schemas.microsoft.com/office/drawing/2014/main" id="{BC1BA302-A1D8-AF27-BE4E-94D10CCB1B2A}"/>
-              </a:ext>
-            </a:extLst>
-          </p:cNvPr>
-          <p:cNvSpPr>
-            <a:spLocks noGrp="1"/>
-          </p:cNvSpPr>
-          <p:nvPr>
-            <p:ph type="title"/>
-          </p:nvPr>
-        </p:nvSpPr>
-        <p:spPr/>
-        <p:txBody>
-          <a:bodyPr/>
-          <a:lstStyle/>
-          <a:p>
-            <a:r>
-              <a:rPr lang="en-US" dirty="0"/>
-              <a:t>The life of a task: Assignment</a:t>
-            </a:r>
-          </a:p>
-        </p:txBody>
-      </p:sp>
       <p:pic>
         <p:nvPicPr>
-          <p:cNvPr id="7" name="Content Placeholder 6" descr="A screenshot of a survey&#10;&#10;AI-generated content may be incorrect.">
-            <a:extLst>
-              <a:ext uri="{FF2B5EF4-FFF2-40B4-BE49-F238E27FC236}">
-                <a16:creationId xmlns:a16="http://schemas.microsoft.com/office/drawing/2014/main" id="{58E01302-8C71-801D-A387-72B8594D759E}"/>
+          <p:cNvPr id="10" name="Content Placeholder 12" descr="A screenshot of a computer&#10;&#10;AI-generated content may be incorrect.">
+            <a:extLst>
+              <a:ext uri="{FF2B5EF4-FFF2-40B4-BE49-F238E27FC236}">
+                <a16:creationId xmlns:a16="http://schemas.microsoft.com/office/drawing/2014/main" id="{1361F1DA-D4AA-2569-0086-7215D8127504}"/>
               </a:ext>
             </a:extLst>
           </p:cNvPr>
           <p:cNvPicPr>
-            <a:picLocks noGrp="1" noChangeAspect="1"/>
+            <a:picLocks noChangeAspect="1"/>
           </p:cNvPicPr>
-          <p:nvPr>
-            <p:ph idx="1"/>
-          </p:nvPr>
+          <p:nvPr/>
         </p:nvPicPr>
         <p:blipFill>
           <a:blip r:embed="rId3"/>
@@ -9842,17 +11798,122 @@
         </p:blipFill>
         <p:spPr>
           <a:xfrm>
-            <a:off x="1022350" y="2102644"/>
-            <a:ext cx="10147300" cy="3797300"/>
+            <a:off x="838200" y="1981200"/>
+            <a:ext cx="10488914" cy="3427412"/>
           </a:xfrm>
+          <a:prstGeom prst="rect">
+            <a:avLst/>
+          </a:prstGeom>
         </p:spPr>
       </p:pic>
       <p:sp>
         <p:nvSpPr>
-          <p:cNvPr id="3" name="Rectangle 2">
-            <a:extLst>
-              <a:ext uri="{FF2B5EF4-FFF2-40B4-BE49-F238E27FC236}">
-                <a16:creationId xmlns:a16="http://schemas.microsoft.com/office/drawing/2014/main" id="{61203B1F-2202-0EF3-CAC5-4FF5571914C5}"/>
+          <p:cNvPr id="2" name="Title 1">
+            <a:extLst>
+              <a:ext uri="{FF2B5EF4-FFF2-40B4-BE49-F238E27FC236}">
+                <a16:creationId xmlns:a16="http://schemas.microsoft.com/office/drawing/2014/main" id="{BC1BA302-A1D8-AF27-BE4E-94D10CCB1B2A}"/>
+              </a:ext>
+            </a:extLst>
+          </p:cNvPr>
+          <p:cNvSpPr>
+            <a:spLocks noGrp="1"/>
+          </p:cNvSpPr>
+          <p:nvPr>
+            <p:ph type="title"/>
+          </p:nvPr>
+        </p:nvSpPr>
+        <p:spPr/>
+        <p:txBody>
+          <a:bodyPr/>
+          <a:lstStyle/>
+          <a:p>
+            <a:r>
+              <a:rPr lang="en-US" dirty="0"/>
+              <a:t>The life of a task: Assignment</a:t>
+            </a:r>
+          </a:p>
+        </p:txBody>
+      </p:sp>
+      <p:sp>
+        <p:nvSpPr>
+          <p:cNvPr id="4" name="TextBox 3">
+            <a:extLst>
+              <a:ext uri="{FF2B5EF4-FFF2-40B4-BE49-F238E27FC236}">
+                <a16:creationId xmlns:a16="http://schemas.microsoft.com/office/drawing/2014/main" id="{C3477D4E-31E5-3F45-F306-CE5A0D7BB218}"/>
+              </a:ext>
+            </a:extLst>
+          </p:cNvPr>
+          <p:cNvSpPr txBox="1"/>
+          <p:nvPr/>
+        </p:nvSpPr>
+        <p:spPr>
+          <a:xfrm>
+            <a:off x="7432925" y="2868195"/>
+            <a:ext cx="1924050" cy="307777"/>
+          </a:xfrm>
+          <a:prstGeom prst="rect">
+            <a:avLst/>
+          </a:prstGeom>
+          <a:noFill/>
+        </p:spPr>
+        <p:txBody>
+          <a:bodyPr wrap="square" rtlCol="0">
+            <a:spAutoFit/>
+          </a:bodyPr>
+          <a:lstStyle/>
+          <a:p>
+            <a:r>
+              <a:rPr lang="en-US" sz="1400" dirty="0" err="1"/>
+              <a:t>lsawade</a:t>
+            </a:r>
+            <a:r>
+              <a:rPr lang="en-US" sz="1400" dirty="0"/>
+              <a:t> (Lucas)</a:t>
+            </a:r>
+          </a:p>
+        </p:txBody>
+      </p:sp>
+      <p:sp>
+        <p:nvSpPr>
+          <p:cNvPr id="5" name="TextBox 4">
+            <a:extLst>
+              <a:ext uri="{FF2B5EF4-FFF2-40B4-BE49-F238E27FC236}">
+                <a16:creationId xmlns:a16="http://schemas.microsoft.com/office/drawing/2014/main" id="{155B38D1-AFD6-9AB4-23FD-9B9214406C3E}"/>
+              </a:ext>
+            </a:extLst>
+          </p:cNvPr>
+          <p:cNvSpPr txBox="1"/>
+          <p:nvPr/>
+        </p:nvSpPr>
+        <p:spPr>
+          <a:xfrm>
+            <a:off x="7432925" y="4601345"/>
+            <a:ext cx="2085973" cy="307777"/>
+          </a:xfrm>
+          <a:prstGeom prst="rect">
+            <a:avLst/>
+          </a:prstGeom>
+          <a:noFill/>
+        </p:spPr>
+        <p:txBody>
+          <a:bodyPr wrap="square" rtlCol="0">
+            <a:spAutoFit/>
+          </a:bodyPr>
+          <a:lstStyle/>
+          <a:p>
+            <a:r>
+              <a:rPr lang="en-US" sz="1400" dirty="0"/>
+              <a:t>cmorency1 (Chris)</a:t>
+            </a:r>
+          </a:p>
+        </p:txBody>
+      </p:sp>
+      <p:sp>
+        <p:nvSpPr>
+          <p:cNvPr id="6" name="Rectangle 5">
+            <a:extLst>
+              <a:ext uri="{FF2B5EF4-FFF2-40B4-BE49-F238E27FC236}">
+                <a16:creationId xmlns:a16="http://schemas.microsoft.com/office/drawing/2014/main" id="{B479F2EA-C2DF-DB74-EB66-4D8D326E2969}"/>
               </a:ext>
             </a:extLst>
           </p:cNvPr>
@@ -9861,8 +11922,8 @@
         </p:nvSpPr>
         <p:spPr>
           <a:xfrm>
-            <a:off x="1485900" y="2533650"/>
-            <a:ext cx="3981450" cy="476250"/>
+            <a:off x="1371600" y="4572000"/>
+            <a:ext cx="4095750" cy="362932"/>
           </a:xfrm>
           <a:prstGeom prst="rect">
             <a:avLst/>
@@ -9896,94 +11957,20 @@
       </p:sp>
       <p:sp>
         <p:nvSpPr>
-          <p:cNvPr id="4" name="TextBox 3">
-            <a:extLst>
-              <a:ext uri="{FF2B5EF4-FFF2-40B4-BE49-F238E27FC236}">
-                <a16:creationId xmlns:a16="http://schemas.microsoft.com/office/drawing/2014/main" id="{C3477D4E-31E5-3F45-F306-CE5A0D7BB218}"/>
-              </a:ext>
-            </a:extLst>
-          </p:cNvPr>
-          <p:cNvSpPr txBox="1"/>
+          <p:cNvPr id="12" name="Rectangle 11">
+            <a:extLst>
+              <a:ext uri="{FF2B5EF4-FFF2-40B4-BE49-F238E27FC236}">
+                <a16:creationId xmlns:a16="http://schemas.microsoft.com/office/drawing/2014/main" id="{4DEAB987-F875-37BA-C722-349DD0D47E85}"/>
+              </a:ext>
+            </a:extLst>
+          </p:cNvPr>
+          <p:cNvSpPr/>
           <p:nvPr/>
         </p:nvSpPr>
         <p:spPr>
           <a:xfrm>
-            <a:off x="5762627" y="2587109"/>
-            <a:ext cx="1924050" cy="369332"/>
-          </a:xfrm>
-          <a:prstGeom prst="rect">
-            <a:avLst/>
-          </a:prstGeom>
-          <a:noFill/>
-        </p:spPr>
-        <p:txBody>
-          <a:bodyPr wrap="square" rtlCol="0">
-            <a:spAutoFit/>
-          </a:bodyPr>
-          <a:lstStyle/>
-          <a:p>
-            <a:r>
-              <a:rPr lang="en-US" dirty="0" err="1"/>
-              <a:t>lsawade</a:t>
-            </a:r>
-            <a:r>
-              <a:rPr lang="en-US" dirty="0"/>
-              <a:t> (Lucas)</a:t>
-            </a:r>
-          </a:p>
-        </p:txBody>
-      </p:sp>
-      <p:sp>
-        <p:nvSpPr>
-          <p:cNvPr id="5" name="TextBox 4">
-            <a:extLst>
-              <a:ext uri="{FF2B5EF4-FFF2-40B4-BE49-F238E27FC236}">
-                <a16:creationId xmlns:a16="http://schemas.microsoft.com/office/drawing/2014/main" id="{155B38D1-AFD6-9AB4-23FD-9B9214406C3E}"/>
-              </a:ext>
-            </a:extLst>
-          </p:cNvPr>
-          <p:cNvSpPr txBox="1"/>
-          <p:nvPr/>
-        </p:nvSpPr>
-        <p:spPr>
-          <a:xfrm>
-            <a:off x="5762626" y="4001294"/>
-            <a:ext cx="2085973" cy="369332"/>
-          </a:xfrm>
-          <a:prstGeom prst="rect">
-            <a:avLst/>
-          </a:prstGeom>
-          <a:noFill/>
-        </p:spPr>
-        <p:txBody>
-          <a:bodyPr wrap="square" rtlCol="0">
-            <a:spAutoFit/>
-          </a:bodyPr>
-          <a:lstStyle/>
-          <a:p>
-            <a:r>
-              <a:rPr lang="en-US" dirty="0"/>
-              <a:t>cmorency1 (Chris)</a:t>
-            </a:r>
-          </a:p>
-        </p:txBody>
-      </p:sp>
-      <p:sp>
-        <p:nvSpPr>
-          <p:cNvPr id="6" name="Rectangle 5">
-            <a:extLst>
-              <a:ext uri="{FF2B5EF4-FFF2-40B4-BE49-F238E27FC236}">
-                <a16:creationId xmlns:a16="http://schemas.microsoft.com/office/drawing/2014/main" id="{B479F2EA-C2DF-DB74-EB66-4D8D326E2969}"/>
-              </a:ext>
-            </a:extLst>
-          </p:cNvPr>
-          <p:cNvSpPr/>
-          <p:nvPr/>
-        </p:nvSpPr>
-        <p:spPr>
-          <a:xfrm>
-            <a:off x="1485900" y="3947835"/>
-            <a:ext cx="3981450" cy="476250"/>
+            <a:off x="1371600" y="2837469"/>
+            <a:ext cx="4095750" cy="362932"/>
           </a:xfrm>
           <a:prstGeom prst="rect">
             <a:avLst/>
@@ -10015,800 +12002,104 @@
           </a:p>
         </p:txBody>
       </p:sp>
+      <p:sp>
+        <p:nvSpPr>
+          <p:cNvPr id="13" name="Oval 12">
+            <a:extLst>
+              <a:ext uri="{FF2B5EF4-FFF2-40B4-BE49-F238E27FC236}">
+                <a16:creationId xmlns:a16="http://schemas.microsoft.com/office/drawing/2014/main" id="{C7F08D64-672F-BA95-783D-215DBF3D3785}"/>
+              </a:ext>
+            </a:extLst>
+          </p:cNvPr>
+          <p:cNvSpPr/>
+          <p:nvPr/>
+        </p:nvSpPr>
+        <p:spPr>
+          <a:xfrm>
+            <a:off x="9114897" y="2895600"/>
+            <a:ext cx="244360" cy="244360"/>
+          </a:xfrm>
+          <a:prstGeom prst="ellipse">
+            <a:avLst/>
+          </a:prstGeom>
+          <a:noFill/>
+        </p:spPr>
+        <p:style>
+          <a:lnRef idx="2">
+            <a:schemeClr val="accent1">
+              <a:shade val="15000"/>
+            </a:schemeClr>
+          </a:lnRef>
+          <a:fillRef idx="1">
+            <a:schemeClr val="accent1"/>
+          </a:fillRef>
+          <a:effectRef idx="0">
+            <a:schemeClr val="accent1"/>
+          </a:effectRef>
+          <a:fontRef idx="minor">
+            <a:schemeClr val="lt1"/>
+          </a:fontRef>
+        </p:style>
+        <p:txBody>
+          <a:bodyPr rtlCol="0" anchor="ctr"/>
+          <a:lstStyle/>
+          <a:p>
+            <a:pPr algn="ctr"/>
+            <a:endParaRPr lang="en-US" dirty="0"/>
+          </a:p>
+        </p:txBody>
+      </p:sp>
+      <p:sp>
+        <p:nvSpPr>
+          <p:cNvPr id="14" name="Oval 13">
+            <a:extLst>
+              <a:ext uri="{FF2B5EF4-FFF2-40B4-BE49-F238E27FC236}">
+                <a16:creationId xmlns:a16="http://schemas.microsoft.com/office/drawing/2014/main" id="{CA410B9B-5A69-4FE3-CA33-405B9934C5E0}"/>
+              </a:ext>
+            </a:extLst>
+          </p:cNvPr>
+          <p:cNvSpPr/>
+          <p:nvPr/>
+        </p:nvSpPr>
+        <p:spPr>
+          <a:xfrm>
+            <a:off x="9112615" y="4650750"/>
+            <a:ext cx="244360" cy="244360"/>
+          </a:xfrm>
+          <a:prstGeom prst="ellipse">
+            <a:avLst/>
+          </a:prstGeom>
+          <a:noFill/>
+        </p:spPr>
+        <p:style>
+          <a:lnRef idx="2">
+            <a:schemeClr val="accent1">
+              <a:shade val="15000"/>
+            </a:schemeClr>
+          </a:lnRef>
+          <a:fillRef idx="1">
+            <a:schemeClr val="accent1"/>
+          </a:fillRef>
+          <a:effectRef idx="0">
+            <a:schemeClr val="accent1"/>
+          </a:effectRef>
+          <a:fontRef idx="minor">
+            <a:schemeClr val="lt1"/>
+          </a:fontRef>
+        </p:style>
+        <p:txBody>
+          <a:bodyPr rtlCol="0" anchor="ctr"/>
+          <a:lstStyle/>
+          <a:p>
+            <a:pPr algn="ctr"/>
+            <a:endParaRPr lang="en-US"/>
+          </a:p>
+        </p:txBody>
+      </p:sp>
     </p:spTree>
     <p:extLst>
       <p:ext uri="{BB962C8B-B14F-4D97-AF65-F5344CB8AC3E}">
         <p14:creationId xmlns:p14="http://schemas.microsoft.com/office/powerpoint/2010/main" val="3607759957"/>
-      </p:ext>
-    </p:extLst>
-  </p:cSld>
-  <p:clrMapOvr>
-    <a:masterClrMapping/>
-  </p:clrMapOvr>
-</p:sld>
-</file>
-
-<file path=ppt/slides/slide8.xml><?xml version="1.0" encoding="utf-8"?>
-<p:sld xmlns:a="http://schemas.openxmlformats.org/drawingml/2006/main" xmlns:r="http://schemas.openxmlformats.org/officeDocument/2006/relationships" xmlns:p="http://schemas.openxmlformats.org/presentationml/2006/main">
-  <p:cSld>
-    <p:spTree>
-      <p:nvGrpSpPr>
-        <p:cNvPr id="1" name="">
-          <a:extLst>
-            <a:ext uri="{FF2B5EF4-FFF2-40B4-BE49-F238E27FC236}">
-              <a16:creationId xmlns:a16="http://schemas.microsoft.com/office/drawing/2014/main" id="{48C9FA77-89D3-B271-274E-C9541914CC08}"/>
-            </a:ext>
-          </a:extLst>
-        </p:cNvPr>
-        <p:cNvGrpSpPr/>
-        <p:nvPr/>
-      </p:nvGrpSpPr>
-      <p:grpSpPr>
-        <a:xfrm>
-          <a:off x="0" y="0"/>
-          <a:ext cx="0" cy="0"/>
-          <a:chOff x="0" y="0"/>
-          <a:chExt cx="0" cy="0"/>
-        </a:xfrm>
-      </p:grpSpPr>
-      <p:sp>
-        <p:nvSpPr>
-          <p:cNvPr id="2" name="Title 1">
-            <a:extLst>
-              <a:ext uri="{FF2B5EF4-FFF2-40B4-BE49-F238E27FC236}">
-                <a16:creationId xmlns:a16="http://schemas.microsoft.com/office/drawing/2014/main" id="{A2CB1E9F-56A9-26BB-E3C4-3091C36C9549}"/>
-              </a:ext>
-            </a:extLst>
-          </p:cNvPr>
-          <p:cNvSpPr>
-            <a:spLocks noGrp="1"/>
-          </p:cNvSpPr>
-          <p:nvPr>
-            <p:ph type="title"/>
-          </p:nvPr>
-        </p:nvSpPr>
-        <p:spPr/>
-        <p:txBody>
-          <a:bodyPr/>
-          <a:lstStyle/>
-          <a:p>
-            <a:r>
-              <a:rPr lang="en-US" dirty="0"/>
-              <a:t>The life of a task: Subtask</a:t>
-            </a:r>
-          </a:p>
-        </p:txBody>
-      </p:sp>
-      <p:pic>
-        <p:nvPicPr>
-          <p:cNvPr id="6" name="Content Placeholder 5">
-            <a:extLst>
-              <a:ext uri="{FF2B5EF4-FFF2-40B4-BE49-F238E27FC236}">
-                <a16:creationId xmlns:a16="http://schemas.microsoft.com/office/drawing/2014/main" id="{38E8A9E6-53F0-4E19-E1C6-B3B0E4582299}"/>
-              </a:ext>
-            </a:extLst>
-          </p:cNvPr>
-          <p:cNvPicPr>
-            <a:picLocks noGrp="1" noChangeAspect="1"/>
-          </p:cNvPicPr>
-          <p:nvPr>
-            <p:ph idx="1"/>
-          </p:nvPr>
-        </p:nvPicPr>
-        <p:blipFill>
-          <a:blip r:embed="rId3"/>
-          <a:stretch>
-            <a:fillRect/>
-          </a:stretch>
-        </p:blipFill>
-        <p:spPr>
-          <a:xfrm>
-            <a:off x="852741" y="1458942"/>
-            <a:ext cx="10486518" cy="463492"/>
-          </a:xfrm>
-        </p:spPr>
-      </p:pic>
-      <p:pic>
-        <p:nvPicPr>
-          <p:cNvPr id="9" name="Picture 8" descr="A screenshot of a computer&#10;&#10;AI-generated content may be incorrect.">
-            <a:extLst>
-              <a:ext uri="{FF2B5EF4-FFF2-40B4-BE49-F238E27FC236}">
-                <a16:creationId xmlns:a16="http://schemas.microsoft.com/office/drawing/2014/main" id="{E2D9FA8E-EB99-BD52-CADA-6B03DA430DE4}"/>
-              </a:ext>
-            </a:extLst>
-          </p:cNvPr>
-          <p:cNvPicPr>
-            <a:picLocks noChangeAspect="1"/>
-          </p:cNvPicPr>
-          <p:nvPr/>
-        </p:nvPicPr>
-        <p:blipFill>
-          <a:blip r:embed="rId4"/>
-          <a:stretch>
-            <a:fillRect/>
-          </a:stretch>
-        </p:blipFill>
-        <p:spPr>
-          <a:xfrm>
-            <a:off x="852741" y="2035511"/>
-            <a:ext cx="10486518" cy="4145834"/>
-          </a:xfrm>
-          <a:prstGeom prst="rect">
-            <a:avLst/>
-          </a:prstGeom>
-        </p:spPr>
-      </p:pic>
-    </p:spTree>
-    <p:extLst>
-      <p:ext uri="{BB962C8B-B14F-4D97-AF65-F5344CB8AC3E}">
-        <p14:creationId xmlns:p14="http://schemas.microsoft.com/office/powerpoint/2010/main" val="1036866925"/>
-      </p:ext>
-    </p:extLst>
-  </p:cSld>
-  <p:clrMapOvr>
-    <a:masterClrMapping/>
-  </p:clrMapOvr>
-</p:sld>
-</file>
-
-<file path=ppt/slides/slide9.xml><?xml version="1.0" encoding="utf-8"?>
-<p:sld xmlns:a="http://schemas.openxmlformats.org/drawingml/2006/main" xmlns:r="http://schemas.openxmlformats.org/officeDocument/2006/relationships" xmlns:p="http://schemas.openxmlformats.org/presentationml/2006/main">
-  <p:cSld>
-    <p:spTree>
-      <p:nvGrpSpPr>
-        <p:cNvPr id="1" name="">
-          <a:extLst>
-            <a:ext uri="{FF2B5EF4-FFF2-40B4-BE49-F238E27FC236}">
-              <a16:creationId xmlns:a16="http://schemas.microsoft.com/office/drawing/2014/main" id="{BD0D0CDE-1B59-7769-07A6-ECB826C879DF}"/>
-            </a:ext>
-          </a:extLst>
-        </p:cNvPr>
-        <p:cNvGrpSpPr/>
-        <p:nvPr/>
-      </p:nvGrpSpPr>
-      <p:grpSpPr>
-        <a:xfrm>
-          <a:off x="0" y="0"/>
-          <a:ext cx="0" cy="0"/>
-          <a:chOff x="0" y="0"/>
-          <a:chExt cx="0" cy="0"/>
-        </a:xfrm>
-      </p:grpSpPr>
-      <p:sp>
-        <p:nvSpPr>
-          <p:cNvPr id="29" name="TextBox 28">
-            <a:extLst>
-              <a:ext uri="{FF2B5EF4-FFF2-40B4-BE49-F238E27FC236}">
-                <a16:creationId xmlns:a16="http://schemas.microsoft.com/office/drawing/2014/main" id="{37F141AF-B0DE-FB01-947E-E6805ACB2CF5}"/>
-              </a:ext>
-            </a:extLst>
-          </p:cNvPr>
-          <p:cNvSpPr txBox="1"/>
-          <p:nvPr/>
-        </p:nvSpPr>
-        <p:spPr>
-          <a:xfrm>
-            <a:off x="9587748" y="4249009"/>
-            <a:ext cx="2076450" cy="1477328"/>
-          </a:xfrm>
-          <a:prstGeom prst="rect">
-            <a:avLst/>
-          </a:prstGeom>
-          <a:noFill/>
-        </p:spPr>
-        <p:txBody>
-          <a:bodyPr wrap="square" rtlCol="0">
-            <a:spAutoFit/>
-          </a:bodyPr>
-          <a:lstStyle/>
-          <a:p>
-            <a:r>
-              <a:rPr lang="en-US" dirty="0"/>
-              <a:t>issue-19</a:t>
-            </a:r>
-          </a:p>
-          <a:p>
-            <a:r>
-              <a:rPr lang="en-US" dirty="0"/>
-              <a:t>Source implementation routines</a:t>
-            </a:r>
-          </a:p>
-          <a:p>
-            <a:r>
-              <a:rPr lang="en-US" dirty="0"/>
-              <a:t>[cmorency1]</a:t>
-            </a:r>
-          </a:p>
-        </p:txBody>
-      </p:sp>
-      <p:grpSp>
-        <p:nvGrpSpPr>
-          <p:cNvPr id="59" name="Group 58">
-            <a:extLst>
-              <a:ext uri="{FF2B5EF4-FFF2-40B4-BE49-F238E27FC236}">
-                <a16:creationId xmlns:a16="http://schemas.microsoft.com/office/drawing/2014/main" id="{9BA2662B-6CEC-8E50-2EFA-692354BEA63D}"/>
-              </a:ext>
-            </a:extLst>
-          </p:cNvPr>
-          <p:cNvGrpSpPr/>
-          <p:nvPr/>
-        </p:nvGrpSpPr>
-        <p:grpSpPr>
-          <a:xfrm>
-            <a:off x="6092951" y="3198949"/>
-            <a:ext cx="3508249" cy="2327816"/>
-            <a:chOff x="2584702" y="2724912"/>
-            <a:chExt cx="3383276" cy="2327816"/>
-          </a:xfrm>
-        </p:grpSpPr>
-        <p:sp>
-          <p:nvSpPr>
-            <p:cNvPr id="43" name="Arc 42">
-              <a:extLst>
-                <a:ext uri="{FF2B5EF4-FFF2-40B4-BE49-F238E27FC236}">
-                  <a16:creationId xmlns:a16="http://schemas.microsoft.com/office/drawing/2014/main" id="{FCA1FF38-9835-E0AC-95D3-6ADBAA5E20ED}"/>
-                </a:ext>
-              </a:extLst>
-            </p:cNvPr>
-            <p:cNvSpPr/>
-            <p:nvPr/>
-          </p:nvSpPr>
-          <p:spPr>
-            <a:xfrm rot="10800000">
-              <a:off x="2584703" y="2724912"/>
-              <a:ext cx="3383275" cy="1163908"/>
-            </a:xfrm>
-            <a:prstGeom prst="arc">
-              <a:avLst/>
-            </a:prstGeom>
-            <a:ln w="63500">
-              <a:solidFill>
-                <a:schemeClr val="tx2">
-                  <a:lumMod val="50000"/>
-                  <a:lumOff val="50000"/>
-                </a:schemeClr>
-              </a:solidFill>
-            </a:ln>
-          </p:spPr>
-          <p:style>
-            <a:lnRef idx="1">
-              <a:schemeClr val="accent6"/>
-            </a:lnRef>
-            <a:fillRef idx="0">
-              <a:schemeClr val="accent6"/>
-            </a:fillRef>
-            <a:effectRef idx="0">
-              <a:schemeClr val="accent6"/>
-            </a:effectRef>
-            <a:fontRef idx="minor">
-              <a:schemeClr val="tx1"/>
-            </a:fontRef>
-          </p:style>
-          <p:txBody>
-            <a:bodyPr rtlCol="0" anchor="ctr"/>
-            <a:lstStyle/>
-            <a:p>
-              <a:pPr algn="ctr"/>
-              <a:endParaRPr lang="en-US"/>
-            </a:p>
-          </p:txBody>
-        </p:sp>
-        <p:sp>
-          <p:nvSpPr>
-            <p:cNvPr id="44" name="Arc 43">
-              <a:extLst>
-                <a:ext uri="{FF2B5EF4-FFF2-40B4-BE49-F238E27FC236}">
-                  <a16:creationId xmlns:a16="http://schemas.microsoft.com/office/drawing/2014/main" id="{ECB7A4BC-2F74-AA5D-AC38-BC44A9B974F2}"/>
-                </a:ext>
-              </a:extLst>
-            </p:cNvPr>
-            <p:cNvSpPr/>
-            <p:nvPr/>
-          </p:nvSpPr>
-          <p:spPr>
-            <a:xfrm rot="10800000" flipH="1" flipV="1">
-              <a:off x="2584702" y="3888820"/>
-              <a:ext cx="3383275" cy="1163908"/>
-            </a:xfrm>
-            <a:prstGeom prst="arc">
-              <a:avLst/>
-            </a:prstGeom>
-            <a:ln w="63500">
-              <a:solidFill>
-                <a:schemeClr val="tx2">
-                  <a:lumMod val="50000"/>
-                  <a:lumOff val="50000"/>
-                </a:schemeClr>
-              </a:solidFill>
-            </a:ln>
-          </p:spPr>
-          <p:style>
-            <a:lnRef idx="1">
-              <a:schemeClr val="accent6"/>
-            </a:lnRef>
-            <a:fillRef idx="0">
-              <a:schemeClr val="accent6"/>
-            </a:fillRef>
-            <a:effectRef idx="0">
-              <a:schemeClr val="accent6"/>
-            </a:effectRef>
-            <a:fontRef idx="minor">
-              <a:schemeClr val="tx1"/>
-            </a:fontRef>
-          </p:style>
-          <p:txBody>
-            <a:bodyPr rtlCol="0" anchor="ctr"/>
-            <a:lstStyle/>
-            <a:p>
-              <a:pPr algn="ctr"/>
-              <a:endParaRPr lang="en-US"/>
-            </a:p>
-          </p:txBody>
-        </p:sp>
-      </p:grpSp>
-      <p:sp>
-        <p:nvSpPr>
-          <p:cNvPr id="2" name="Title 1">
-            <a:extLst>
-              <a:ext uri="{FF2B5EF4-FFF2-40B4-BE49-F238E27FC236}">
-                <a16:creationId xmlns:a16="http://schemas.microsoft.com/office/drawing/2014/main" id="{A69E9D90-60B4-661B-7EAC-3C860CD12ABA}"/>
-              </a:ext>
-            </a:extLst>
-          </p:cNvPr>
-          <p:cNvSpPr>
-            <a:spLocks noGrp="1"/>
-          </p:cNvSpPr>
-          <p:nvPr>
-            <p:ph type="title"/>
-          </p:nvPr>
-        </p:nvSpPr>
-        <p:spPr/>
-        <p:txBody>
-          <a:bodyPr/>
-          <a:lstStyle/>
-          <a:p>
-            <a:r>
-              <a:rPr lang="en-US" dirty="0"/>
-              <a:t>The life of a task: Branches</a:t>
-            </a:r>
-          </a:p>
-        </p:txBody>
-      </p:sp>
-      <p:cxnSp>
-        <p:nvCxnSpPr>
-          <p:cNvPr id="9" name="Straight Arrow Connector 8">
-            <a:extLst>
-              <a:ext uri="{FF2B5EF4-FFF2-40B4-BE49-F238E27FC236}">
-                <a16:creationId xmlns:a16="http://schemas.microsoft.com/office/drawing/2014/main" id="{C6C39B70-87B6-F01A-B5E4-D727B4E7CD5D}"/>
-              </a:ext>
-            </a:extLst>
-          </p:cNvPr>
-          <p:cNvCxnSpPr>
-            <a:cxnSpLocks/>
-          </p:cNvCxnSpPr>
-          <p:nvPr/>
-        </p:nvCxnSpPr>
-        <p:spPr>
-          <a:xfrm flipV="1">
-            <a:off x="6092952" y="2019872"/>
-            <a:ext cx="0" cy="3657600"/>
-          </a:xfrm>
-          <a:prstGeom prst="straightConnector1">
-            <a:avLst/>
-          </a:prstGeom>
-          <a:ln w="63500">
-            <a:solidFill>
-              <a:schemeClr val="tx2">
-                <a:lumMod val="50000"/>
-                <a:lumOff val="50000"/>
-              </a:schemeClr>
-            </a:solidFill>
-            <a:headEnd w="lg" len="lg"/>
-            <a:tailEnd type="triangle" w="lg" len="lg"/>
-          </a:ln>
-        </p:spPr>
-        <p:style>
-          <a:lnRef idx="2">
-            <a:schemeClr val="accent1"/>
-          </a:lnRef>
-          <a:fillRef idx="0">
-            <a:schemeClr val="accent1"/>
-          </a:fillRef>
-          <a:effectRef idx="1">
-            <a:schemeClr val="accent1"/>
-          </a:effectRef>
-          <a:fontRef idx="minor">
-            <a:schemeClr val="tx1"/>
-          </a:fontRef>
-        </p:style>
-      </p:cxnSp>
-      <p:sp>
-        <p:nvSpPr>
-          <p:cNvPr id="14" name="TextBox 13">
-            <a:extLst>
-              <a:ext uri="{FF2B5EF4-FFF2-40B4-BE49-F238E27FC236}">
-                <a16:creationId xmlns:a16="http://schemas.microsoft.com/office/drawing/2014/main" id="{7434E026-3121-D6D8-40FB-30EB45EE83E5}"/>
-              </a:ext>
-            </a:extLst>
-          </p:cNvPr>
-          <p:cNvSpPr txBox="1"/>
-          <p:nvPr/>
-        </p:nvSpPr>
-        <p:spPr>
-          <a:xfrm>
-            <a:off x="164591" y="3519488"/>
-            <a:ext cx="804665" cy="369332"/>
-          </a:xfrm>
-          <a:prstGeom prst="rect">
-            <a:avLst/>
-          </a:prstGeom>
-          <a:noFill/>
-        </p:spPr>
-        <p:txBody>
-          <a:bodyPr wrap="square" rtlCol="0">
-            <a:spAutoFit/>
-          </a:bodyPr>
-          <a:lstStyle/>
-          <a:p>
-            <a:pPr algn="ctr"/>
-            <a:r>
-              <a:rPr lang="en-US" dirty="0"/>
-              <a:t>Time</a:t>
-            </a:r>
-          </a:p>
-        </p:txBody>
-      </p:sp>
-      <p:sp>
-        <p:nvSpPr>
-          <p:cNvPr id="15" name="TextBox 14">
-            <a:extLst>
-              <a:ext uri="{FF2B5EF4-FFF2-40B4-BE49-F238E27FC236}">
-                <a16:creationId xmlns:a16="http://schemas.microsoft.com/office/drawing/2014/main" id="{31E555BE-16D5-91A4-4E37-8F8EC3E35C1A}"/>
-              </a:ext>
-            </a:extLst>
-          </p:cNvPr>
-          <p:cNvSpPr txBox="1"/>
-          <p:nvPr/>
-        </p:nvSpPr>
-        <p:spPr>
-          <a:xfrm>
-            <a:off x="5372102" y="6286866"/>
-            <a:ext cx="1441699" cy="369332"/>
-          </a:xfrm>
-          <a:prstGeom prst="rect">
-            <a:avLst/>
-          </a:prstGeom>
-          <a:noFill/>
-        </p:spPr>
-        <p:txBody>
-          <a:bodyPr wrap="square" rtlCol="0">
-            <a:spAutoFit/>
-          </a:bodyPr>
-          <a:lstStyle/>
-          <a:p>
-            <a:pPr algn="ctr"/>
-            <a:r>
-              <a:rPr lang="en-US" dirty="0"/>
-              <a:t>Branch</a:t>
-            </a:r>
-          </a:p>
-        </p:txBody>
-      </p:sp>
-      <p:sp>
-        <p:nvSpPr>
-          <p:cNvPr id="19" name="TextBox 18">
-            <a:extLst>
-              <a:ext uri="{FF2B5EF4-FFF2-40B4-BE49-F238E27FC236}">
-                <a16:creationId xmlns:a16="http://schemas.microsoft.com/office/drawing/2014/main" id="{20866640-704E-68C2-50A5-15A227111524}"/>
-              </a:ext>
-            </a:extLst>
-          </p:cNvPr>
-          <p:cNvSpPr txBox="1"/>
-          <p:nvPr/>
-        </p:nvSpPr>
-        <p:spPr>
-          <a:xfrm>
-            <a:off x="6217923" y="1920654"/>
-            <a:ext cx="765044" cy="377642"/>
-          </a:xfrm>
-          <a:prstGeom prst="rect">
-            <a:avLst/>
-          </a:prstGeom>
-          <a:noFill/>
-        </p:spPr>
-        <p:txBody>
-          <a:bodyPr wrap="square" rtlCol="0">
-            <a:spAutoFit/>
-          </a:bodyPr>
-          <a:lstStyle/>
-          <a:p>
-            <a:r>
-              <a:rPr lang="en-US" dirty="0"/>
-              <a:t>PE</a:t>
-            </a:r>
-          </a:p>
-        </p:txBody>
-      </p:sp>
-      <p:grpSp>
-        <p:nvGrpSpPr>
-          <p:cNvPr id="8" name="Group 7">
-            <a:extLst>
-              <a:ext uri="{FF2B5EF4-FFF2-40B4-BE49-F238E27FC236}">
-                <a16:creationId xmlns:a16="http://schemas.microsoft.com/office/drawing/2014/main" id="{EF8F3774-90DA-6F99-A1C6-D05BB04B3EEA}"/>
-              </a:ext>
-            </a:extLst>
-          </p:cNvPr>
-          <p:cNvGrpSpPr/>
-          <p:nvPr/>
-        </p:nvGrpSpPr>
-        <p:grpSpPr>
-          <a:xfrm flipH="1">
-            <a:off x="2584701" y="2574133"/>
-            <a:ext cx="3508249" cy="2327816"/>
-            <a:chOff x="2584702" y="2724912"/>
-            <a:chExt cx="3383276" cy="2327816"/>
-          </a:xfrm>
-        </p:grpSpPr>
-        <p:sp>
-          <p:nvSpPr>
-            <p:cNvPr id="11" name="Arc 10">
-              <a:extLst>
-                <a:ext uri="{FF2B5EF4-FFF2-40B4-BE49-F238E27FC236}">
-                  <a16:creationId xmlns:a16="http://schemas.microsoft.com/office/drawing/2014/main" id="{8C2D08D4-25A3-113F-B143-AF2450B02C13}"/>
-                </a:ext>
-              </a:extLst>
-            </p:cNvPr>
-            <p:cNvSpPr/>
-            <p:nvPr/>
-          </p:nvSpPr>
-          <p:spPr>
-            <a:xfrm rot="10800000">
-              <a:off x="2584703" y="2724912"/>
-              <a:ext cx="3383275" cy="1163908"/>
-            </a:xfrm>
-            <a:prstGeom prst="arc">
-              <a:avLst/>
-            </a:prstGeom>
-            <a:ln w="63500">
-              <a:solidFill>
-                <a:schemeClr val="tx2">
-                  <a:lumMod val="50000"/>
-                  <a:lumOff val="50000"/>
-                </a:schemeClr>
-              </a:solidFill>
-            </a:ln>
-          </p:spPr>
-          <p:style>
-            <a:lnRef idx="1">
-              <a:schemeClr val="accent6"/>
-            </a:lnRef>
-            <a:fillRef idx="0">
-              <a:schemeClr val="accent6"/>
-            </a:fillRef>
-            <a:effectRef idx="0">
-              <a:schemeClr val="accent6"/>
-            </a:effectRef>
-            <a:fontRef idx="minor">
-              <a:schemeClr val="tx1"/>
-            </a:fontRef>
-          </p:style>
-          <p:txBody>
-            <a:bodyPr rtlCol="0" anchor="ctr"/>
-            <a:lstStyle/>
-            <a:p>
-              <a:pPr algn="ctr"/>
-              <a:endParaRPr lang="en-US"/>
-            </a:p>
-          </p:txBody>
-        </p:sp>
-        <p:sp>
-          <p:nvSpPr>
-            <p:cNvPr id="12" name="Arc 11">
-              <a:extLst>
-                <a:ext uri="{FF2B5EF4-FFF2-40B4-BE49-F238E27FC236}">
-                  <a16:creationId xmlns:a16="http://schemas.microsoft.com/office/drawing/2014/main" id="{6EC2A636-FFC8-8FFB-8470-040DABAE7A3C}"/>
-                </a:ext>
-              </a:extLst>
-            </p:cNvPr>
-            <p:cNvSpPr/>
-            <p:nvPr/>
-          </p:nvSpPr>
-          <p:spPr>
-            <a:xfrm rot="10800000" flipH="1" flipV="1">
-              <a:off x="2584702" y="3888820"/>
-              <a:ext cx="3383275" cy="1163908"/>
-            </a:xfrm>
-            <a:prstGeom prst="arc">
-              <a:avLst/>
-            </a:prstGeom>
-            <a:ln w="63500">
-              <a:solidFill>
-                <a:schemeClr val="tx2">
-                  <a:lumMod val="50000"/>
-                  <a:lumOff val="50000"/>
-                </a:schemeClr>
-              </a:solidFill>
-            </a:ln>
-          </p:spPr>
-          <p:style>
-            <a:lnRef idx="1">
-              <a:schemeClr val="accent6"/>
-            </a:lnRef>
-            <a:fillRef idx="0">
-              <a:schemeClr val="accent6"/>
-            </a:fillRef>
-            <a:effectRef idx="0">
-              <a:schemeClr val="accent6"/>
-            </a:effectRef>
-            <a:fontRef idx="minor">
-              <a:schemeClr val="tx1"/>
-            </a:fontRef>
-          </p:style>
-          <p:txBody>
-            <a:bodyPr rtlCol="0" anchor="ctr"/>
-            <a:lstStyle/>
-            <a:p>
-              <a:pPr algn="ctr"/>
-              <a:endParaRPr lang="en-US"/>
-            </a:p>
-          </p:txBody>
-        </p:sp>
-      </p:grpSp>
-      <p:cxnSp>
-        <p:nvCxnSpPr>
-          <p:cNvPr id="13" name="Straight Arrow Connector 12">
-            <a:extLst>
-              <a:ext uri="{FF2B5EF4-FFF2-40B4-BE49-F238E27FC236}">
-                <a16:creationId xmlns:a16="http://schemas.microsoft.com/office/drawing/2014/main" id="{D07E8BCB-9235-13A3-FB4A-EEE1222CA907}"/>
-              </a:ext>
-            </a:extLst>
-          </p:cNvPr>
-          <p:cNvCxnSpPr>
-            <a:cxnSpLocks/>
-          </p:cNvCxnSpPr>
-          <p:nvPr/>
-        </p:nvCxnSpPr>
-        <p:spPr>
-          <a:xfrm flipV="1">
-            <a:off x="2584701" y="4300945"/>
-            <a:ext cx="0" cy="1376527"/>
-          </a:xfrm>
-          <a:prstGeom prst="straightConnector1">
-            <a:avLst/>
-          </a:prstGeom>
-          <a:ln w="63500">
-            <a:solidFill>
-              <a:schemeClr val="tx2">
-                <a:lumMod val="50000"/>
-                <a:lumOff val="50000"/>
-              </a:schemeClr>
-            </a:solidFill>
-            <a:headEnd w="lg" len="lg"/>
-            <a:tailEnd type="none" w="lg" len="lg"/>
-          </a:ln>
-        </p:spPr>
-        <p:style>
-          <a:lnRef idx="2">
-            <a:schemeClr val="accent1"/>
-          </a:lnRef>
-          <a:fillRef idx="0">
-            <a:schemeClr val="accent1"/>
-          </a:fillRef>
-          <a:effectRef idx="1">
-            <a:schemeClr val="accent1"/>
-          </a:effectRef>
-          <a:fontRef idx="minor">
-            <a:schemeClr val="tx1"/>
-          </a:fontRef>
-        </p:style>
-      </p:cxnSp>
-      <p:cxnSp>
-        <p:nvCxnSpPr>
-          <p:cNvPr id="21" name="Straight Arrow Connector 20">
-            <a:extLst>
-              <a:ext uri="{FF2B5EF4-FFF2-40B4-BE49-F238E27FC236}">
-                <a16:creationId xmlns:a16="http://schemas.microsoft.com/office/drawing/2014/main" id="{6932BD7A-3783-9A1C-37CB-D428D1870805}"/>
-              </a:ext>
-            </a:extLst>
-          </p:cNvPr>
-          <p:cNvCxnSpPr>
-            <a:cxnSpLocks/>
-          </p:cNvCxnSpPr>
-          <p:nvPr/>
-        </p:nvCxnSpPr>
-        <p:spPr>
-          <a:xfrm flipH="1" flipV="1">
-            <a:off x="9599823" y="4940029"/>
-            <a:ext cx="1376" cy="736871"/>
-          </a:xfrm>
-          <a:prstGeom prst="straightConnector1">
-            <a:avLst/>
-          </a:prstGeom>
-          <a:ln w="63500">
-            <a:solidFill>
-              <a:schemeClr val="tx2">
-                <a:lumMod val="50000"/>
-                <a:lumOff val="50000"/>
-              </a:schemeClr>
-            </a:solidFill>
-            <a:headEnd w="lg" len="lg"/>
-            <a:tailEnd type="none" w="lg" len="lg"/>
-          </a:ln>
-        </p:spPr>
-        <p:style>
-          <a:lnRef idx="2">
-            <a:schemeClr val="accent1"/>
-          </a:lnRef>
-          <a:fillRef idx="0">
-            <a:schemeClr val="accent1"/>
-          </a:fillRef>
-          <a:effectRef idx="1">
-            <a:schemeClr val="accent1"/>
-          </a:effectRef>
-          <a:fontRef idx="minor">
-            <a:schemeClr val="tx1"/>
-          </a:fontRef>
-        </p:style>
-      </p:cxnSp>
-      <p:sp>
-        <p:nvSpPr>
-          <p:cNvPr id="28" name="TextBox 27">
-            <a:extLst>
-              <a:ext uri="{FF2B5EF4-FFF2-40B4-BE49-F238E27FC236}">
-                <a16:creationId xmlns:a16="http://schemas.microsoft.com/office/drawing/2014/main" id="{11DF6C76-7B23-EF01-92A5-35119BA07405}"/>
-              </a:ext>
-            </a:extLst>
-          </p:cNvPr>
-          <p:cNvSpPr txBox="1"/>
-          <p:nvPr/>
-        </p:nvSpPr>
-        <p:spPr>
-          <a:xfrm>
-            <a:off x="2604252" y="4485532"/>
-            <a:ext cx="2076450" cy="1200329"/>
-          </a:xfrm>
-          <a:prstGeom prst="rect">
-            <a:avLst/>
-          </a:prstGeom>
-          <a:noFill/>
-        </p:spPr>
-        <p:txBody>
-          <a:bodyPr wrap="square" rtlCol="0">
-            <a:spAutoFit/>
-          </a:bodyPr>
-          <a:lstStyle/>
-          <a:p>
-            <a:r>
-              <a:rPr lang="en-US" dirty="0"/>
-              <a:t>PE-16</a:t>
-            </a:r>
-          </a:p>
-          <a:p>
-            <a:r>
-              <a:rPr lang="en-US" dirty="0"/>
-              <a:t>Mass matrix branch</a:t>
-            </a:r>
-          </a:p>
-          <a:p>
-            <a:r>
-              <a:rPr lang="en-US" dirty="0"/>
-              <a:t>[</a:t>
-            </a:r>
-            <a:r>
-              <a:rPr lang="en-US" dirty="0" err="1"/>
-              <a:t>lsawade</a:t>
-            </a:r>
-            <a:r>
-              <a:rPr lang="en-US" dirty="0"/>
-              <a:t>]</a:t>
-            </a:r>
-          </a:p>
-        </p:txBody>
-      </p:sp>
-    </p:spTree>
-    <p:extLst>
-      <p:ext uri="{BB962C8B-B14F-4D97-AF65-F5344CB8AC3E}">
-        <p14:creationId xmlns:p14="http://schemas.microsoft.com/office/powerpoint/2010/main" val="1952105057"/>
       </p:ext>
     </p:extLst>
   </p:cSld>

--- a/presentations/2025/03/Princeton_LLNL_Hackathon/Git_development_Workflow.pptx
+++ b/presentations/2025/03/Princeton_LLNL_Hackathon/Git_development_Workflow.pptx
@@ -5,7 +5,7 @@
     <p:sldMasterId id="2147483648" r:id="rId1"/>
   </p:sldMasterIdLst>
   <p:notesMasterIdLst>
-    <p:notesMasterId r:id="rId17"/>
+    <p:notesMasterId r:id="rId20"/>
   </p:notesMasterIdLst>
   <p:sldIdLst>
     <p:sldId id="256" r:id="rId2"/>
@@ -21,8 +21,11 @@
     <p:sldId id="263" r:id="rId12"/>
     <p:sldId id="269" r:id="rId13"/>
     <p:sldId id="267" r:id="rId14"/>
-    <p:sldId id="271" r:id="rId15"/>
-    <p:sldId id="270" r:id="rId16"/>
+    <p:sldId id="277" r:id="rId15"/>
+    <p:sldId id="274" r:id="rId16"/>
+    <p:sldId id="275" r:id="rId17"/>
+    <p:sldId id="278" r:id="rId18"/>
+    <p:sldId id="279" r:id="rId19"/>
   </p:sldIdLst>
   <p:sldSz cx="12192000" cy="6858000"/>
   <p:notesSz cx="6858000" cy="9144000"/>
@@ -870,7 +873,7 @@
         <p:cNvPr id="1" name="">
           <a:extLst>
             <a:ext uri="{FF2B5EF4-FFF2-40B4-BE49-F238E27FC236}">
-              <a16:creationId xmlns:a16="http://schemas.microsoft.com/office/drawing/2014/main" id="{DAF8D46E-740A-2332-9B89-4C021D5E07BE}"/>
+              <a16:creationId xmlns:a16="http://schemas.microsoft.com/office/drawing/2014/main" id="{FB12DC9A-C3A3-A046-137F-C6D4C0BDF59B}"/>
             </a:ext>
           </a:extLst>
         </p:cNvPr>
@@ -890,7 +893,7 @@
           <p:cNvPr id="2" name="Slide Image Placeholder 1">
             <a:extLst>
               <a:ext uri="{FF2B5EF4-FFF2-40B4-BE49-F238E27FC236}">
-                <a16:creationId xmlns:a16="http://schemas.microsoft.com/office/drawing/2014/main" id="{6303B469-8B24-D3C6-F8C1-4DE57764D16E}"/>
+                <a16:creationId xmlns:a16="http://schemas.microsoft.com/office/drawing/2014/main" id="{6827DAA0-64A1-403A-6FAE-9E40ABA5BB3A}"/>
               </a:ext>
             </a:extLst>
           </p:cNvPr>
@@ -908,7 +911,7 @@
           <p:cNvPr id="3" name="Notes Placeholder 2">
             <a:extLst>
               <a:ext uri="{FF2B5EF4-FFF2-40B4-BE49-F238E27FC236}">
-                <a16:creationId xmlns:a16="http://schemas.microsoft.com/office/drawing/2014/main" id="{6D8D8CD8-60B7-9633-C113-C8324F6BB4DA}"/>
+                <a16:creationId xmlns:a16="http://schemas.microsoft.com/office/drawing/2014/main" id="{26FDB200-5975-FB49-7909-CAA2CC5651A6}"/>
               </a:ext>
             </a:extLst>
           </p:cNvPr>
@@ -974,7 +977,7 @@
           <p:cNvPr id="4" name="Slide Number Placeholder 3">
             <a:extLst>
               <a:ext uri="{FF2B5EF4-FFF2-40B4-BE49-F238E27FC236}">
-                <a16:creationId xmlns:a16="http://schemas.microsoft.com/office/drawing/2014/main" id="{B4E80E57-869C-0EB2-8AA1-2929929B5FE1}"/>
+                <a16:creationId xmlns:a16="http://schemas.microsoft.com/office/drawing/2014/main" id="{0E64067F-161F-2834-63F5-30048E66407E}"/>
               </a:ext>
             </a:extLst>
           </p:cNvPr>
@@ -1001,7 +1004,7 @@
     </p:spTree>
     <p:extLst>
       <p:ext uri="{BB962C8B-B14F-4D97-AF65-F5344CB8AC3E}">
-        <p14:creationId xmlns:p14="http://schemas.microsoft.com/office/powerpoint/2010/main" val="1069432826"/>
+        <p14:creationId xmlns:p14="http://schemas.microsoft.com/office/powerpoint/2010/main" val="2176485628"/>
       </p:ext>
     </p:extLst>
   </p:cSld>
@@ -1019,7 +1022,7 @@
         <p:cNvPr id="1" name="">
           <a:extLst>
             <a:ext uri="{FF2B5EF4-FFF2-40B4-BE49-F238E27FC236}">
-              <a16:creationId xmlns:a16="http://schemas.microsoft.com/office/drawing/2014/main" id="{CD09A6BC-00BC-6187-327B-47D228779424}"/>
+              <a16:creationId xmlns:a16="http://schemas.microsoft.com/office/drawing/2014/main" id="{5D46C0DA-D0D9-4975-46F2-0195A1C4DE0C}"/>
             </a:ext>
           </a:extLst>
         </p:cNvPr>
@@ -1039,7 +1042,7 @@
           <p:cNvPr id="2" name="Slide Image Placeholder 1">
             <a:extLst>
               <a:ext uri="{FF2B5EF4-FFF2-40B4-BE49-F238E27FC236}">
-                <a16:creationId xmlns:a16="http://schemas.microsoft.com/office/drawing/2014/main" id="{ECA27B04-800D-3E06-358A-D7B91E9BC841}"/>
+                <a16:creationId xmlns:a16="http://schemas.microsoft.com/office/drawing/2014/main" id="{2FA02BDE-89C8-73C9-F3FF-E2B3E0EFEE10}"/>
               </a:ext>
             </a:extLst>
           </p:cNvPr>
@@ -1057,7 +1060,7 @@
           <p:cNvPr id="3" name="Notes Placeholder 2">
             <a:extLst>
               <a:ext uri="{FF2B5EF4-FFF2-40B4-BE49-F238E27FC236}">
-                <a16:creationId xmlns:a16="http://schemas.microsoft.com/office/drawing/2014/main" id="{584651AF-C08E-A643-C181-7F3DA5D409F9}"/>
+                <a16:creationId xmlns:a16="http://schemas.microsoft.com/office/drawing/2014/main" id="{495C5922-6BAD-387F-E366-CA1C3210B95C}"/>
               </a:ext>
             </a:extLst>
           </p:cNvPr>
@@ -1075,15 +1078,47 @@
           <a:p>
             <a:r>
               <a:rPr lang="en-US" dirty="0"/>
-              <a:t>Before you start working make sure to sync the fork of the branch you plan on working, so that you are up to date.</a:t>
+              <a:t>Everyone knows how to fork and clone a </a:t>
+            </a:r>
+            <a:r>
+              <a:rPr lang="en-US" dirty="0" err="1"/>
+              <a:t>github</a:t>
+            </a:r>
+            <a:r>
+              <a:rPr lang="en-US" dirty="0"/>
+              <a:t> repo to work on it locally?</a:t>
             </a:r>
           </a:p>
           <a:p>
             <a:endParaRPr lang="en-US" dirty="0"/>
           </a:p>
           <a:p>
+            <a:r>
+              <a:rPr lang="en-US" dirty="0"/>
+              <a:t>Fork the code </a:t>
+            </a:r>
+          </a:p>
+          <a:p>
             <a:endParaRPr lang="en-US" dirty="0"/>
           </a:p>
+          <a:p>
+            <a:r>
+              <a:rPr lang="en-US" dirty="0"/>
+              <a:t>Clone it </a:t>
+            </a:r>
+          </a:p>
+          <a:p>
+            <a:endParaRPr lang="en-US" dirty="0"/>
+          </a:p>
+          <a:p>
+            <a:r>
+              <a:rPr lang="en-US" dirty="0"/>
+              <a:t>Checkout the PE branch</a:t>
+            </a:r>
+          </a:p>
+          <a:p>
+            <a:endParaRPr lang="en-US" dirty="0"/>
+          </a:p>
         </p:txBody>
       </p:sp>
       <p:sp>
@@ -1091,7 +1126,7 @@
           <p:cNvPr id="4" name="Slide Number Placeholder 3">
             <a:extLst>
               <a:ext uri="{FF2B5EF4-FFF2-40B4-BE49-F238E27FC236}">
-                <a16:creationId xmlns:a16="http://schemas.microsoft.com/office/drawing/2014/main" id="{B2A65355-2C67-42F4-954A-E3618C8247A6}"/>
+                <a16:creationId xmlns:a16="http://schemas.microsoft.com/office/drawing/2014/main" id="{A0526A84-898D-2F0D-DF54-F5D0FDFCB69B}"/>
               </a:ext>
             </a:extLst>
           </p:cNvPr>
@@ -1118,7 +1153,422 @@
     </p:spTree>
     <p:extLst>
       <p:ext uri="{BB962C8B-B14F-4D97-AF65-F5344CB8AC3E}">
-        <p14:creationId xmlns:p14="http://schemas.microsoft.com/office/powerpoint/2010/main" val="2481330325"/>
+        <p14:creationId xmlns:p14="http://schemas.microsoft.com/office/powerpoint/2010/main" val="741679129"/>
+      </p:ext>
+    </p:extLst>
+  </p:cSld>
+  <p:clrMapOvr>
+    <a:masterClrMapping/>
+  </p:clrMapOvr>
+</p:notes>
+</file>
+
+<file path=ppt/notesSlides/notesSlide14.xml><?xml version="1.0" encoding="utf-8"?>
+<p:notes xmlns:a="http://schemas.openxmlformats.org/drawingml/2006/main" xmlns:r="http://schemas.openxmlformats.org/officeDocument/2006/relationships" xmlns:p="http://schemas.openxmlformats.org/presentationml/2006/main">
+  <p:cSld>
+    <p:spTree>
+      <p:nvGrpSpPr>
+        <p:cNvPr id="1" name="">
+          <a:extLst>
+            <a:ext uri="{FF2B5EF4-FFF2-40B4-BE49-F238E27FC236}">
+              <a16:creationId xmlns:a16="http://schemas.microsoft.com/office/drawing/2014/main" id="{923B9DB8-539A-6A30-FF64-04D2CDF67EA9}"/>
+            </a:ext>
+          </a:extLst>
+        </p:cNvPr>
+        <p:cNvGrpSpPr/>
+        <p:nvPr/>
+      </p:nvGrpSpPr>
+      <p:grpSpPr>
+        <a:xfrm>
+          <a:off x="0" y="0"/>
+          <a:ext cx="0" cy="0"/>
+          <a:chOff x="0" y="0"/>
+          <a:chExt cx="0" cy="0"/>
+        </a:xfrm>
+      </p:grpSpPr>
+      <p:sp>
+        <p:nvSpPr>
+          <p:cNvPr id="2" name="Slide Image Placeholder 1">
+            <a:extLst>
+              <a:ext uri="{FF2B5EF4-FFF2-40B4-BE49-F238E27FC236}">
+                <a16:creationId xmlns:a16="http://schemas.microsoft.com/office/drawing/2014/main" id="{70E0EA4C-5C30-F6EE-BA7C-977FEAD515A3}"/>
+              </a:ext>
+            </a:extLst>
+          </p:cNvPr>
+          <p:cNvSpPr>
+            <a:spLocks noGrp="1" noRot="1" noChangeAspect="1"/>
+          </p:cNvSpPr>
+          <p:nvPr>
+            <p:ph type="sldImg"/>
+          </p:nvPr>
+        </p:nvSpPr>
+        <p:spPr/>
+      </p:sp>
+      <p:sp>
+        <p:nvSpPr>
+          <p:cNvPr id="3" name="Notes Placeholder 2">
+            <a:extLst>
+              <a:ext uri="{FF2B5EF4-FFF2-40B4-BE49-F238E27FC236}">
+                <a16:creationId xmlns:a16="http://schemas.microsoft.com/office/drawing/2014/main" id="{14DA302D-10AC-856B-D116-78FE68F2B6DF}"/>
+              </a:ext>
+            </a:extLst>
+          </p:cNvPr>
+          <p:cNvSpPr>
+            <a:spLocks noGrp="1"/>
+          </p:cNvSpPr>
+          <p:nvPr>
+            <p:ph type="body" idx="1"/>
+          </p:nvPr>
+        </p:nvSpPr>
+        <p:spPr/>
+        <p:txBody>
+          <a:bodyPr/>
+          <a:lstStyle/>
+          <a:p>
+            <a:r>
+              <a:rPr lang="en-US" dirty="0"/>
+              <a:t>Everyone knows how to fork and clone a </a:t>
+            </a:r>
+            <a:r>
+              <a:rPr lang="en-US" dirty="0" err="1"/>
+              <a:t>github</a:t>
+            </a:r>
+            <a:r>
+              <a:rPr lang="en-US" dirty="0"/>
+              <a:t> repo to work on it locally?</a:t>
+            </a:r>
+          </a:p>
+          <a:p>
+            <a:endParaRPr lang="en-US" dirty="0"/>
+          </a:p>
+          <a:p>
+            <a:r>
+              <a:rPr lang="en-US" dirty="0"/>
+              <a:t>Fork the code </a:t>
+            </a:r>
+          </a:p>
+          <a:p>
+            <a:endParaRPr lang="en-US" dirty="0"/>
+          </a:p>
+          <a:p>
+            <a:r>
+              <a:rPr lang="en-US" dirty="0"/>
+              <a:t>Clone it </a:t>
+            </a:r>
+          </a:p>
+          <a:p>
+            <a:endParaRPr lang="en-US" dirty="0"/>
+          </a:p>
+          <a:p>
+            <a:r>
+              <a:rPr lang="en-US" dirty="0"/>
+              <a:t>Checkout the PE branch</a:t>
+            </a:r>
+          </a:p>
+          <a:p>
+            <a:endParaRPr lang="en-US" dirty="0"/>
+          </a:p>
+        </p:txBody>
+      </p:sp>
+      <p:sp>
+        <p:nvSpPr>
+          <p:cNvPr id="4" name="Slide Number Placeholder 3">
+            <a:extLst>
+              <a:ext uri="{FF2B5EF4-FFF2-40B4-BE49-F238E27FC236}">
+                <a16:creationId xmlns:a16="http://schemas.microsoft.com/office/drawing/2014/main" id="{F0E847F6-766F-84F7-0B6C-C1E0C87647D4}"/>
+              </a:ext>
+            </a:extLst>
+          </p:cNvPr>
+          <p:cNvSpPr>
+            <a:spLocks noGrp="1"/>
+          </p:cNvSpPr>
+          <p:nvPr>
+            <p:ph type="sldNum" sz="quarter" idx="5"/>
+          </p:nvPr>
+        </p:nvSpPr>
+        <p:spPr/>
+        <p:txBody>
+          <a:bodyPr/>
+          <a:lstStyle/>
+          <a:p>
+            <a:fld id="{D59CD9E3-3C77-0840-8EE1-6718BCCBFD7B}" type="slidenum">
+              <a:rPr lang="en-US" smtClean="0"/>
+              <a:t>16</a:t>
+            </a:fld>
+            <a:endParaRPr lang="en-US"/>
+          </a:p>
+        </p:txBody>
+      </p:sp>
+    </p:spTree>
+    <p:extLst>
+      <p:ext uri="{BB962C8B-B14F-4D97-AF65-F5344CB8AC3E}">
+        <p14:creationId xmlns:p14="http://schemas.microsoft.com/office/powerpoint/2010/main" val="866913710"/>
+      </p:ext>
+    </p:extLst>
+  </p:cSld>
+  <p:clrMapOvr>
+    <a:masterClrMapping/>
+  </p:clrMapOvr>
+</p:notes>
+</file>
+
+<file path=ppt/notesSlides/notesSlide15.xml><?xml version="1.0" encoding="utf-8"?>
+<p:notes xmlns:a="http://schemas.openxmlformats.org/drawingml/2006/main" xmlns:r="http://schemas.openxmlformats.org/officeDocument/2006/relationships" xmlns:p="http://schemas.openxmlformats.org/presentationml/2006/main">
+  <p:cSld>
+    <p:spTree>
+      <p:nvGrpSpPr>
+        <p:cNvPr id="1" name="">
+          <a:extLst>
+            <a:ext uri="{FF2B5EF4-FFF2-40B4-BE49-F238E27FC236}">
+              <a16:creationId xmlns:a16="http://schemas.microsoft.com/office/drawing/2014/main" id="{72F6C41E-56A6-F11B-2DB7-ABC330BEB81D}"/>
+            </a:ext>
+          </a:extLst>
+        </p:cNvPr>
+        <p:cNvGrpSpPr/>
+        <p:nvPr/>
+      </p:nvGrpSpPr>
+      <p:grpSpPr>
+        <a:xfrm>
+          <a:off x="0" y="0"/>
+          <a:ext cx="0" cy="0"/>
+          <a:chOff x="0" y="0"/>
+          <a:chExt cx="0" cy="0"/>
+        </a:xfrm>
+      </p:grpSpPr>
+      <p:sp>
+        <p:nvSpPr>
+          <p:cNvPr id="2" name="Slide Image Placeholder 1">
+            <a:extLst>
+              <a:ext uri="{FF2B5EF4-FFF2-40B4-BE49-F238E27FC236}">
+                <a16:creationId xmlns:a16="http://schemas.microsoft.com/office/drawing/2014/main" id="{629DE60E-91C9-4B87-82D1-4FFDB6510A6C}"/>
+              </a:ext>
+            </a:extLst>
+          </p:cNvPr>
+          <p:cNvSpPr>
+            <a:spLocks noGrp="1" noRot="1" noChangeAspect="1"/>
+          </p:cNvSpPr>
+          <p:nvPr>
+            <p:ph type="sldImg"/>
+          </p:nvPr>
+        </p:nvSpPr>
+        <p:spPr/>
+      </p:sp>
+      <p:sp>
+        <p:nvSpPr>
+          <p:cNvPr id="3" name="Notes Placeholder 2">
+            <a:extLst>
+              <a:ext uri="{FF2B5EF4-FFF2-40B4-BE49-F238E27FC236}">
+                <a16:creationId xmlns:a16="http://schemas.microsoft.com/office/drawing/2014/main" id="{A3DCF2AE-F082-ED1B-B308-BAFC6A147009}"/>
+              </a:ext>
+            </a:extLst>
+          </p:cNvPr>
+          <p:cNvSpPr>
+            <a:spLocks noGrp="1"/>
+          </p:cNvSpPr>
+          <p:nvPr>
+            <p:ph type="body" idx="1"/>
+          </p:nvPr>
+        </p:nvSpPr>
+        <p:spPr/>
+        <p:txBody>
+          <a:bodyPr/>
+          <a:lstStyle/>
+          <a:p>
+            <a:r>
+              <a:rPr lang="en-US" dirty="0"/>
+              <a:t>Everyone knows how to fork and clone a </a:t>
+            </a:r>
+            <a:r>
+              <a:rPr lang="en-US" dirty="0" err="1"/>
+              <a:t>github</a:t>
+            </a:r>
+            <a:r>
+              <a:rPr lang="en-US" dirty="0"/>
+              <a:t> repo to work on it locally?</a:t>
+            </a:r>
+          </a:p>
+          <a:p>
+            <a:endParaRPr lang="en-US" dirty="0"/>
+          </a:p>
+          <a:p>
+            <a:r>
+              <a:rPr lang="en-US" dirty="0"/>
+              <a:t>Fork the code </a:t>
+            </a:r>
+          </a:p>
+          <a:p>
+            <a:endParaRPr lang="en-US" dirty="0"/>
+          </a:p>
+          <a:p>
+            <a:r>
+              <a:rPr lang="en-US" dirty="0"/>
+              <a:t>Clone it </a:t>
+            </a:r>
+          </a:p>
+          <a:p>
+            <a:endParaRPr lang="en-US" dirty="0"/>
+          </a:p>
+          <a:p>
+            <a:r>
+              <a:rPr lang="en-US" dirty="0"/>
+              <a:t>Checkout the PE branch</a:t>
+            </a:r>
+          </a:p>
+          <a:p>
+            <a:endParaRPr lang="en-US" dirty="0"/>
+          </a:p>
+        </p:txBody>
+      </p:sp>
+      <p:sp>
+        <p:nvSpPr>
+          <p:cNvPr id="4" name="Slide Number Placeholder 3">
+            <a:extLst>
+              <a:ext uri="{FF2B5EF4-FFF2-40B4-BE49-F238E27FC236}">
+                <a16:creationId xmlns:a16="http://schemas.microsoft.com/office/drawing/2014/main" id="{A3732F66-A309-40A6-290B-B09576CDE603}"/>
+              </a:ext>
+            </a:extLst>
+          </p:cNvPr>
+          <p:cNvSpPr>
+            <a:spLocks noGrp="1"/>
+          </p:cNvSpPr>
+          <p:nvPr>
+            <p:ph type="sldNum" sz="quarter" idx="5"/>
+          </p:nvPr>
+        </p:nvSpPr>
+        <p:spPr/>
+        <p:txBody>
+          <a:bodyPr/>
+          <a:lstStyle/>
+          <a:p>
+            <a:fld id="{D59CD9E3-3C77-0840-8EE1-6718BCCBFD7B}" type="slidenum">
+              <a:rPr lang="en-US" smtClean="0"/>
+              <a:t>17</a:t>
+            </a:fld>
+            <a:endParaRPr lang="en-US"/>
+          </a:p>
+        </p:txBody>
+      </p:sp>
+    </p:spTree>
+    <p:extLst>
+      <p:ext uri="{BB962C8B-B14F-4D97-AF65-F5344CB8AC3E}">
+        <p14:creationId xmlns:p14="http://schemas.microsoft.com/office/powerpoint/2010/main" val="3095524722"/>
+      </p:ext>
+    </p:extLst>
+  </p:cSld>
+  <p:clrMapOvr>
+    <a:masterClrMapping/>
+  </p:clrMapOvr>
+</p:notes>
+</file>
+
+<file path=ppt/notesSlides/notesSlide16.xml><?xml version="1.0" encoding="utf-8"?>
+<p:notes xmlns:a="http://schemas.openxmlformats.org/drawingml/2006/main" xmlns:r="http://schemas.openxmlformats.org/officeDocument/2006/relationships" xmlns:p="http://schemas.openxmlformats.org/presentationml/2006/main">
+  <p:cSld>
+    <p:spTree>
+      <p:nvGrpSpPr>
+        <p:cNvPr id="1" name="">
+          <a:extLst>
+            <a:ext uri="{FF2B5EF4-FFF2-40B4-BE49-F238E27FC236}">
+              <a16:creationId xmlns:a16="http://schemas.microsoft.com/office/drawing/2014/main" id="{542BC671-311F-E1CB-262E-C8A98C814AB3}"/>
+            </a:ext>
+          </a:extLst>
+        </p:cNvPr>
+        <p:cNvGrpSpPr/>
+        <p:nvPr/>
+      </p:nvGrpSpPr>
+      <p:grpSpPr>
+        <a:xfrm>
+          <a:off x="0" y="0"/>
+          <a:ext cx="0" cy="0"/>
+          <a:chOff x="0" y="0"/>
+          <a:chExt cx="0" cy="0"/>
+        </a:xfrm>
+      </p:grpSpPr>
+      <p:sp>
+        <p:nvSpPr>
+          <p:cNvPr id="2" name="Slide Image Placeholder 1">
+            <a:extLst>
+              <a:ext uri="{FF2B5EF4-FFF2-40B4-BE49-F238E27FC236}">
+                <a16:creationId xmlns:a16="http://schemas.microsoft.com/office/drawing/2014/main" id="{45F4D293-3459-2540-64F8-D5662BD1972A}"/>
+              </a:ext>
+            </a:extLst>
+          </p:cNvPr>
+          <p:cNvSpPr>
+            <a:spLocks noGrp="1" noRot="1" noChangeAspect="1"/>
+          </p:cNvSpPr>
+          <p:nvPr>
+            <p:ph type="sldImg"/>
+          </p:nvPr>
+        </p:nvSpPr>
+        <p:spPr/>
+      </p:sp>
+      <p:sp>
+        <p:nvSpPr>
+          <p:cNvPr id="3" name="Notes Placeholder 2">
+            <a:extLst>
+              <a:ext uri="{FF2B5EF4-FFF2-40B4-BE49-F238E27FC236}">
+                <a16:creationId xmlns:a16="http://schemas.microsoft.com/office/drawing/2014/main" id="{E9DD8590-3D16-4307-363D-B7F8B3799761}"/>
+              </a:ext>
+            </a:extLst>
+          </p:cNvPr>
+          <p:cNvSpPr>
+            <a:spLocks noGrp="1"/>
+          </p:cNvSpPr>
+          <p:nvPr>
+            <p:ph type="body" idx="1"/>
+          </p:nvPr>
+        </p:nvSpPr>
+        <p:spPr/>
+        <p:txBody>
+          <a:bodyPr/>
+          <a:lstStyle/>
+          <a:p>
+            <a:r>
+              <a:rPr lang="en-US" dirty="0"/>
+              <a:t>Before you start working make sure to sync the fork of the branch you plan on working, so that you are up to date.</a:t>
+            </a:r>
+          </a:p>
+          <a:p>
+            <a:endParaRPr lang="en-US" dirty="0"/>
+          </a:p>
+          <a:p>
+            <a:endParaRPr lang="en-US" dirty="0"/>
+          </a:p>
+        </p:txBody>
+      </p:sp>
+      <p:sp>
+        <p:nvSpPr>
+          <p:cNvPr id="4" name="Slide Number Placeholder 3">
+            <a:extLst>
+              <a:ext uri="{FF2B5EF4-FFF2-40B4-BE49-F238E27FC236}">
+                <a16:creationId xmlns:a16="http://schemas.microsoft.com/office/drawing/2014/main" id="{FBD37875-2F1E-A328-3478-5B93A042FE9D}"/>
+              </a:ext>
+            </a:extLst>
+          </p:cNvPr>
+          <p:cNvSpPr>
+            <a:spLocks noGrp="1"/>
+          </p:cNvSpPr>
+          <p:nvPr>
+            <p:ph type="sldNum" sz="quarter" idx="5"/>
+          </p:nvPr>
+        </p:nvSpPr>
+        <p:spPr/>
+        <p:txBody>
+          <a:bodyPr/>
+          <a:lstStyle/>
+          <a:p>
+            <a:fld id="{D59CD9E3-3C77-0840-8EE1-6718BCCBFD7B}" type="slidenum">
+              <a:rPr lang="en-US" smtClean="0"/>
+              <a:t>18</a:t>
+            </a:fld>
+            <a:endParaRPr lang="en-US"/>
+          </a:p>
+        </p:txBody>
+      </p:sp>
+    </p:spTree>
+    <p:extLst>
+      <p:ext uri="{BB962C8B-B14F-4D97-AF65-F5344CB8AC3E}">
+        <p14:creationId xmlns:p14="http://schemas.microsoft.com/office/powerpoint/2010/main" val="1606503016"/>
       </p:ext>
     </p:extLst>
   </p:cSld>
@@ -5369,7 +5819,7 @@
             </a:r>
             <a:r>
               <a:rPr lang="en-US" dirty="0"/>
-              <a:t>-Elastic/Elector-Magnetic Implementation </a:t>
+              <a:t>-Elastic &amp; Electro-Magnetic Implementations</a:t>
             </a:r>
           </a:p>
           <a:p>
@@ -5577,13 +6027,13 @@
           <p:nvPr>
             <p:extLst>
               <p:ext uri="{D42A27DB-BD31-4B8C-83A1-F6EECF244321}">
-                <p14:modId xmlns:p14="http://schemas.microsoft.com/office/powerpoint/2010/main" val="4263655769"/>
+                <p14:modId xmlns:p14="http://schemas.microsoft.com/office/powerpoint/2010/main" val="463949058"/>
               </p:ext>
             </p:extLst>
           </p:nvPr>
         </p:nvGraphicFramePr>
         <p:xfrm>
-          <a:off x="6858000" y="4838437"/>
+          <a:off x="6825637" y="3849288"/>
           <a:ext cx="4070963" cy="902547"/>
         </p:xfrm>
         <a:graphic>
@@ -5950,535 +6400,6 @@
           </a:graphicData>
         </a:graphic>
       </p:graphicFrame>
-      <p:grpSp>
-        <p:nvGrpSpPr>
-          <p:cNvPr id="59" name="Group 58">
-            <a:extLst>
-              <a:ext uri="{FF2B5EF4-FFF2-40B4-BE49-F238E27FC236}">
-                <a16:creationId xmlns:a16="http://schemas.microsoft.com/office/drawing/2014/main" id="{9BA2662B-6CEC-8E50-2EFA-692354BEA63D}"/>
-              </a:ext>
-            </a:extLst>
-          </p:cNvPr>
-          <p:cNvGrpSpPr/>
-          <p:nvPr/>
-        </p:nvGrpSpPr>
-        <p:grpSpPr>
-          <a:xfrm>
-            <a:off x="6092951" y="3198949"/>
-            <a:ext cx="2211473" cy="2327816"/>
-            <a:chOff x="2584702" y="2724912"/>
-            <a:chExt cx="3383276" cy="2327816"/>
-          </a:xfrm>
-        </p:grpSpPr>
-        <p:sp>
-          <p:nvSpPr>
-            <p:cNvPr id="43" name="Arc 42">
-              <a:extLst>
-                <a:ext uri="{FF2B5EF4-FFF2-40B4-BE49-F238E27FC236}">
-                  <a16:creationId xmlns:a16="http://schemas.microsoft.com/office/drawing/2014/main" id="{FCA1FF38-9835-E0AC-95D3-6ADBAA5E20ED}"/>
-                </a:ext>
-              </a:extLst>
-            </p:cNvPr>
-            <p:cNvSpPr/>
-            <p:nvPr/>
-          </p:nvSpPr>
-          <p:spPr>
-            <a:xfrm rot="10800000">
-              <a:off x="2584703" y="2724912"/>
-              <a:ext cx="3383275" cy="1163908"/>
-            </a:xfrm>
-            <a:prstGeom prst="arc">
-              <a:avLst/>
-            </a:prstGeom>
-            <a:ln w="63500">
-              <a:solidFill>
-                <a:schemeClr val="tx2">
-                  <a:lumMod val="50000"/>
-                  <a:lumOff val="50000"/>
-                </a:schemeClr>
-              </a:solidFill>
-            </a:ln>
-          </p:spPr>
-          <p:style>
-            <a:lnRef idx="1">
-              <a:schemeClr val="accent6"/>
-            </a:lnRef>
-            <a:fillRef idx="0">
-              <a:schemeClr val="accent6"/>
-            </a:fillRef>
-            <a:effectRef idx="0">
-              <a:schemeClr val="accent6"/>
-            </a:effectRef>
-            <a:fontRef idx="minor">
-              <a:schemeClr val="tx1"/>
-            </a:fontRef>
-          </p:style>
-          <p:txBody>
-            <a:bodyPr rtlCol="0" anchor="ctr"/>
-            <a:lstStyle/>
-            <a:p>
-              <a:pPr algn="ctr"/>
-              <a:endParaRPr lang="en-US"/>
-            </a:p>
-          </p:txBody>
-        </p:sp>
-        <p:sp>
-          <p:nvSpPr>
-            <p:cNvPr id="44" name="Arc 43">
-              <a:extLst>
-                <a:ext uri="{FF2B5EF4-FFF2-40B4-BE49-F238E27FC236}">
-                  <a16:creationId xmlns:a16="http://schemas.microsoft.com/office/drawing/2014/main" id="{ECB7A4BC-2F74-AA5D-AC38-BC44A9B974F2}"/>
-                </a:ext>
-              </a:extLst>
-            </p:cNvPr>
-            <p:cNvSpPr/>
-            <p:nvPr/>
-          </p:nvSpPr>
-          <p:spPr>
-            <a:xfrm rot="10800000" flipH="1" flipV="1">
-              <a:off x="2584702" y="3888820"/>
-              <a:ext cx="3383275" cy="1163908"/>
-            </a:xfrm>
-            <a:prstGeom prst="arc">
-              <a:avLst/>
-            </a:prstGeom>
-            <a:ln w="63500">
-              <a:solidFill>
-                <a:schemeClr val="tx2">
-                  <a:lumMod val="50000"/>
-                  <a:lumOff val="50000"/>
-                </a:schemeClr>
-              </a:solidFill>
-            </a:ln>
-          </p:spPr>
-          <p:style>
-            <a:lnRef idx="1">
-              <a:schemeClr val="accent6"/>
-            </a:lnRef>
-            <a:fillRef idx="0">
-              <a:schemeClr val="accent6"/>
-            </a:fillRef>
-            <a:effectRef idx="0">
-              <a:schemeClr val="accent6"/>
-            </a:effectRef>
-            <a:fontRef idx="minor">
-              <a:schemeClr val="tx1"/>
-            </a:fontRef>
-          </p:style>
-          <p:txBody>
-            <a:bodyPr rtlCol="0" anchor="ctr"/>
-            <a:lstStyle/>
-            <a:p>
-              <a:pPr algn="ctr"/>
-              <a:endParaRPr lang="en-US"/>
-            </a:p>
-          </p:txBody>
-        </p:sp>
-      </p:grpSp>
-      <p:sp>
-        <p:nvSpPr>
-          <p:cNvPr id="2" name="Title 1">
-            <a:extLst>
-              <a:ext uri="{FF2B5EF4-FFF2-40B4-BE49-F238E27FC236}">
-                <a16:creationId xmlns:a16="http://schemas.microsoft.com/office/drawing/2014/main" id="{A69E9D90-60B4-661B-7EAC-3C860CD12ABA}"/>
-              </a:ext>
-            </a:extLst>
-          </p:cNvPr>
-          <p:cNvSpPr>
-            <a:spLocks noGrp="1"/>
-          </p:cNvSpPr>
-          <p:nvPr>
-            <p:ph type="title"/>
-          </p:nvPr>
-        </p:nvSpPr>
-        <p:spPr/>
-        <p:txBody>
-          <a:bodyPr/>
-          <a:lstStyle/>
-          <a:p>
-            <a:r>
-              <a:rPr lang="en-US" dirty="0"/>
-              <a:t>The life of a task: Branches</a:t>
-            </a:r>
-          </a:p>
-        </p:txBody>
-      </p:sp>
-      <p:cxnSp>
-        <p:nvCxnSpPr>
-          <p:cNvPr id="9" name="Straight Arrow Connector 8">
-            <a:extLst>
-              <a:ext uri="{FF2B5EF4-FFF2-40B4-BE49-F238E27FC236}">
-                <a16:creationId xmlns:a16="http://schemas.microsoft.com/office/drawing/2014/main" id="{C6C39B70-87B6-F01A-B5E4-D727B4E7CD5D}"/>
-              </a:ext>
-            </a:extLst>
-          </p:cNvPr>
-          <p:cNvCxnSpPr>
-            <a:cxnSpLocks/>
-          </p:cNvCxnSpPr>
-          <p:nvPr/>
-        </p:nvCxnSpPr>
-        <p:spPr>
-          <a:xfrm flipV="1">
-            <a:off x="6092952" y="2019872"/>
-            <a:ext cx="0" cy="3657600"/>
-          </a:xfrm>
-          <a:prstGeom prst="straightConnector1">
-            <a:avLst/>
-          </a:prstGeom>
-          <a:ln w="63500">
-            <a:solidFill>
-              <a:schemeClr val="tx2">
-                <a:lumMod val="50000"/>
-                <a:lumOff val="50000"/>
-              </a:schemeClr>
-            </a:solidFill>
-            <a:headEnd w="lg" len="lg"/>
-            <a:tailEnd type="triangle" w="lg" len="lg"/>
-          </a:ln>
-        </p:spPr>
-        <p:style>
-          <a:lnRef idx="2">
-            <a:schemeClr val="accent1"/>
-          </a:lnRef>
-          <a:fillRef idx="0">
-            <a:schemeClr val="accent1"/>
-          </a:fillRef>
-          <a:effectRef idx="1">
-            <a:schemeClr val="accent1"/>
-          </a:effectRef>
-          <a:fontRef idx="minor">
-            <a:schemeClr val="tx1"/>
-          </a:fontRef>
-        </p:style>
-      </p:cxnSp>
-      <p:sp>
-        <p:nvSpPr>
-          <p:cNvPr id="14" name="TextBox 13">
-            <a:extLst>
-              <a:ext uri="{FF2B5EF4-FFF2-40B4-BE49-F238E27FC236}">
-                <a16:creationId xmlns:a16="http://schemas.microsoft.com/office/drawing/2014/main" id="{7434E026-3121-D6D8-40FB-30EB45EE83E5}"/>
-              </a:ext>
-            </a:extLst>
-          </p:cNvPr>
-          <p:cNvSpPr txBox="1"/>
-          <p:nvPr/>
-        </p:nvSpPr>
-        <p:spPr>
-          <a:xfrm>
-            <a:off x="164591" y="3519488"/>
-            <a:ext cx="804665" cy="369332"/>
-          </a:xfrm>
-          <a:prstGeom prst="rect">
-            <a:avLst/>
-          </a:prstGeom>
-          <a:noFill/>
-        </p:spPr>
-        <p:txBody>
-          <a:bodyPr wrap="square" rtlCol="0">
-            <a:spAutoFit/>
-          </a:bodyPr>
-          <a:lstStyle/>
-          <a:p>
-            <a:pPr algn="ctr"/>
-            <a:r>
-              <a:rPr lang="en-US" dirty="0"/>
-              <a:t>Time</a:t>
-            </a:r>
-          </a:p>
-        </p:txBody>
-      </p:sp>
-      <p:sp>
-        <p:nvSpPr>
-          <p:cNvPr id="15" name="TextBox 14">
-            <a:extLst>
-              <a:ext uri="{FF2B5EF4-FFF2-40B4-BE49-F238E27FC236}">
-                <a16:creationId xmlns:a16="http://schemas.microsoft.com/office/drawing/2014/main" id="{31E555BE-16D5-91A4-4E37-8F8EC3E35C1A}"/>
-              </a:ext>
-            </a:extLst>
-          </p:cNvPr>
-          <p:cNvSpPr txBox="1"/>
-          <p:nvPr/>
-        </p:nvSpPr>
-        <p:spPr>
-          <a:xfrm>
-            <a:off x="5372102" y="6286866"/>
-            <a:ext cx="1441699" cy="369332"/>
-          </a:xfrm>
-          <a:prstGeom prst="rect">
-            <a:avLst/>
-          </a:prstGeom>
-          <a:noFill/>
-        </p:spPr>
-        <p:txBody>
-          <a:bodyPr wrap="square" rtlCol="0">
-            <a:spAutoFit/>
-          </a:bodyPr>
-          <a:lstStyle/>
-          <a:p>
-            <a:pPr algn="ctr"/>
-            <a:r>
-              <a:rPr lang="en-US" dirty="0"/>
-              <a:t>Branch</a:t>
-            </a:r>
-          </a:p>
-        </p:txBody>
-      </p:sp>
-      <p:sp>
-        <p:nvSpPr>
-          <p:cNvPr id="19" name="TextBox 18">
-            <a:extLst>
-              <a:ext uri="{FF2B5EF4-FFF2-40B4-BE49-F238E27FC236}">
-                <a16:creationId xmlns:a16="http://schemas.microsoft.com/office/drawing/2014/main" id="{20866640-704E-68C2-50A5-15A227111524}"/>
-              </a:ext>
-            </a:extLst>
-          </p:cNvPr>
-          <p:cNvSpPr txBox="1"/>
-          <p:nvPr/>
-        </p:nvSpPr>
-        <p:spPr>
-          <a:xfrm>
-            <a:off x="6217923" y="1920654"/>
-            <a:ext cx="765044" cy="377642"/>
-          </a:xfrm>
-          <a:prstGeom prst="rect">
-            <a:avLst/>
-          </a:prstGeom>
-          <a:noFill/>
-        </p:spPr>
-        <p:txBody>
-          <a:bodyPr wrap="square" rtlCol="0">
-            <a:spAutoFit/>
-          </a:bodyPr>
-          <a:lstStyle/>
-          <a:p>
-            <a:r>
-              <a:rPr lang="en-US" dirty="0"/>
-              <a:t>PE</a:t>
-            </a:r>
-          </a:p>
-        </p:txBody>
-      </p:sp>
-      <p:grpSp>
-        <p:nvGrpSpPr>
-          <p:cNvPr id="8" name="Group 7">
-            <a:extLst>
-              <a:ext uri="{FF2B5EF4-FFF2-40B4-BE49-F238E27FC236}">
-                <a16:creationId xmlns:a16="http://schemas.microsoft.com/office/drawing/2014/main" id="{EF8F3774-90DA-6F99-A1C6-D05BB04B3EEA}"/>
-              </a:ext>
-            </a:extLst>
-          </p:cNvPr>
-          <p:cNvGrpSpPr/>
-          <p:nvPr/>
-        </p:nvGrpSpPr>
-        <p:grpSpPr>
-          <a:xfrm flipH="1">
-            <a:off x="3421522" y="2574133"/>
-            <a:ext cx="2671427" cy="2327816"/>
-            <a:chOff x="2584702" y="2724912"/>
-            <a:chExt cx="3383276" cy="2327816"/>
-          </a:xfrm>
-        </p:grpSpPr>
-        <p:sp>
-          <p:nvSpPr>
-            <p:cNvPr id="11" name="Arc 10">
-              <a:extLst>
-                <a:ext uri="{FF2B5EF4-FFF2-40B4-BE49-F238E27FC236}">
-                  <a16:creationId xmlns:a16="http://schemas.microsoft.com/office/drawing/2014/main" id="{8C2D08D4-25A3-113F-B143-AF2450B02C13}"/>
-                </a:ext>
-              </a:extLst>
-            </p:cNvPr>
-            <p:cNvSpPr/>
-            <p:nvPr/>
-          </p:nvSpPr>
-          <p:spPr>
-            <a:xfrm rot="10800000">
-              <a:off x="2584703" y="2724912"/>
-              <a:ext cx="3383275" cy="1163908"/>
-            </a:xfrm>
-            <a:prstGeom prst="arc">
-              <a:avLst/>
-            </a:prstGeom>
-            <a:ln w="63500">
-              <a:solidFill>
-                <a:schemeClr val="tx2">
-                  <a:lumMod val="50000"/>
-                  <a:lumOff val="50000"/>
-                </a:schemeClr>
-              </a:solidFill>
-            </a:ln>
-          </p:spPr>
-          <p:style>
-            <a:lnRef idx="1">
-              <a:schemeClr val="accent6"/>
-            </a:lnRef>
-            <a:fillRef idx="0">
-              <a:schemeClr val="accent6"/>
-            </a:fillRef>
-            <a:effectRef idx="0">
-              <a:schemeClr val="accent6"/>
-            </a:effectRef>
-            <a:fontRef idx="minor">
-              <a:schemeClr val="tx1"/>
-            </a:fontRef>
-          </p:style>
-          <p:txBody>
-            <a:bodyPr rtlCol="0" anchor="ctr"/>
-            <a:lstStyle/>
-            <a:p>
-              <a:pPr algn="ctr"/>
-              <a:endParaRPr lang="en-US"/>
-            </a:p>
-          </p:txBody>
-        </p:sp>
-        <p:sp>
-          <p:nvSpPr>
-            <p:cNvPr id="12" name="Arc 11">
-              <a:extLst>
-                <a:ext uri="{FF2B5EF4-FFF2-40B4-BE49-F238E27FC236}">
-                  <a16:creationId xmlns:a16="http://schemas.microsoft.com/office/drawing/2014/main" id="{6EC2A636-FFC8-8FFB-8470-040DABAE7A3C}"/>
-                </a:ext>
-              </a:extLst>
-            </p:cNvPr>
-            <p:cNvSpPr/>
-            <p:nvPr/>
-          </p:nvSpPr>
-          <p:spPr>
-            <a:xfrm rot="10800000" flipH="1" flipV="1">
-              <a:off x="2584702" y="3888820"/>
-              <a:ext cx="3383275" cy="1163908"/>
-            </a:xfrm>
-            <a:prstGeom prst="arc">
-              <a:avLst/>
-            </a:prstGeom>
-            <a:ln w="63500">
-              <a:solidFill>
-                <a:schemeClr val="tx2">
-                  <a:lumMod val="50000"/>
-                  <a:lumOff val="50000"/>
-                </a:schemeClr>
-              </a:solidFill>
-            </a:ln>
-          </p:spPr>
-          <p:style>
-            <a:lnRef idx="1">
-              <a:schemeClr val="accent6"/>
-            </a:lnRef>
-            <a:fillRef idx="0">
-              <a:schemeClr val="accent6"/>
-            </a:fillRef>
-            <a:effectRef idx="0">
-              <a:schemeClr val="accent6"/>
-            </a:effectRef>
-            <a:fontRef idx="minor">
-              <a:schemeClr val="tx1"/>
-            </a:fontRef>
-          </p:style>
-          <p:txBody>
-            <a:bodyPr rtlCol="0" anchor="ctr"/>
-            <a:lstStyle/>
-            <a:p>
-              <a:pPr algn="ctr"/>
-              <a:endParaRPr lang="en-US"/>
-            </a:p>
-          </p:txBody>
-        </p:sp>
-      </p:grpSp>
-      <p:cxnSp>
-        <p:nvCxnSpPr>
-          <p:cNvPr id="13" name="Straight Arrow Connector 12">
-            <a:extLst>
-              <a:ext uri="{FF2B5EF4-FFF2-40B4-BE49-F238E27FC236}">
-                <a16:creationId xmlns:a16="http://schemas.microsoft.com/office/drawing/2014/main" id="{D07E8BCB-9235-13A3-FB4A-EEE1222CA907}"/>
-              </a:ext>
-            </a:extLst>
-          </p:cNvPr>
-          <p:cNvCxnSpPr>
-            <a:cxnSpLocks/>
-          </p:cNvCxnSpPr>
-          <p:nvPr/>
-        </p:nvCxnSpPr>
-        <p:spPr>
-          <a:xfrm flipV="1">
-            <a:off x="3422901" y="4300945"/>
-            <a:ext cx="0" cy="1376527"/>
-          </a:xfrm>
-          <a:prstGeom prst="straightConnector1">
-            <a:avLst/>
-          </a:prstGeom>
-          <a:ln w="63500">
-            <a:solidFill>
-              <a:schemeClr val="tx2">
-                <a:lumMod val="50000"/>
-                <a:lumOff val="50000"/>
-              </a:schemeClr>
-            </a:solidFill>
-            <a:headEnd w="lg" len="lg"/>
-            <a:tailEnd type="none" w="lg" len="lg"/>
-          </a:ln>
-        </p:spPr>
-        <p:style>
-          <a:lnRef idx="2">
-            <a:schemeClr val="accent1"/>
-          </a:lnRef>
-          <a:fillRef idx="0">
-            <a:schemeClr val="accent1"/>
-          </a:fillRef>
-          <a:effectRef idx="1">
-            <a:schemeClr val="accent1"/>
-          </a:effectRef>
-          <a:fontRef idx="minor">
-            <a:schemeClr val="tx1"/>
-          </a:fontRef>
-        </p:style>
-      </p:cxnSp>
-      <p:cxnSp>
-        <p:nvCxnSpPr>
-          <p:cNvPr id="21" name="Straight Arrow Connector 20">
-            <a:extLst>
-              <a:ext uri="{FF2B5EF4-FFF2-40B4-BE49-F238E27FC236}">
-                <a16:creationId xmlns:a16="http://schemas.microsoft.com/office/drawing/2014/main" id="{6932BD7A-3783-9A1C-37CB-D428D1870805}"/>
-              </a:ext>
-            </a:extLst>
-          </p:cNvPr>
-          <p:cNvCxnSpPr>
-            <a:cxnSpLocks/>
-          </p:cNvCxnSpPr>
-          <p:nvPr/>
-        </p:nvCxnSpPr>
-        <p:spPr>
-          <a:xfrm flipH="1" flipV="1">
-            <a:off x="8305800" y="4940601"/>
-            <a:ext cx="1376" cy="736871"/>
-          </a:xfrm>
-          <a:prstGeom prst="straightConnector1">
-            <a:avLst/>
-          </a:prstGeom>
-          <a:ln w="63500">
-            <a:solidFill>
-              <a:schemeClr val="tx2">
-                <a:lumMod val="50000"/>
-                <a:lumOff val="50000"/>
-              </a:schemeClr>
-            </a:solidFill>
-            <a:headEnd w="lg" len="lg"/>
-            <a:tailEnd type="none" w="lg" len="lg"/>
-          </a:ln>
-        </p:spPr>
-        <p:style>
-          <a:lnRef idx="2">
-            <a:schemeClr val="accent1"/>
-          </a:lnRef>
-          <a:fillRef idx="0">
-            <a:schemeClr val="accent1"/>
-          </a:fillRef>
-          <a:effectRef idx="1">
-            <a:schemeClr val="accent1"/>
-          </a:effectRef>
-          <a:fontRef idx="minor">
-            <a:schemeClr val="tx1"/>
-          </a:fontRef>
-        </p:style>
-      </p:cxnSp>
       <p:graphicFrame>
         <p:nvGraphicFramePr>
           <p:cNvPr id="31" name="Table 30">
@@ -6494,13 +6415,13 @@
           <p:nvPr>
             <p:extLst>
               <p:ext uri="{D42A27DB-BD31-4B8C-83A1-F6EECF244321}">
-                <p14:modId xmlns:p14="http://schemas.microsoft.com/office/powerpoint/2010/main" val="679743804"/>
+                <p14:modId xmlns:p14="http://schemas.microsoft.com/office/powerpoint/2010/main" val="2975271900"/>
               </p:ext>
             </p:extLst>
           </p:nvPr>
         </p:nvGraphicFramePr>
         <p:xfrm>
-          <a:off x="2514600" y="4838438"/>
+          <a:off x="2966724" y="3849288"/>
           <a:ext cx="2590797" cy="902547"/>
         </p:xfrm>
         <a:graphic>
@@ -6873,6 +6794,786 @@
           </a:graphicData>
         </a:graphic>
       </p:graphicFrame>
+      <p:grpSp>
+        <p:nvGrpSpPr>
+          <p:cNvPr id="59" name="Group 58">
+            <a:extLst>
+              <a:ext uri="{FF2B5EF4-FFF2-40B4-BE49-F238E27FC236}">
+                <a16:creationId xmlns:a16="http://schemas.microsoft.com/office/drawing/2014/main" id="{9BA2662B-6CEC-8E50-2EFA-692354BEA63D}"/>
+              </a:ext>
+            </a:extLst>
+          </p:cNvPr>
+          <p:cNvGrpSpPr/>
+          <p:nvPr/>
+        </p:nvGrpSpPr>
+        <p:grpSpPr>
+          <a:xfrm>
+            <a:off x="6092952" y="2209800"/>
+            <a:ext cx="2175274" cy="2327816"/>
+            <a:chOff x="2584702" y="2724912"/>
+            <a:chExt cx="3383276" cy="2327816"/>
+          </a:xfrm>
+        </p:grpSpPr>
+        <p:sp>
+          <p:nvSpPr>
+            <p:cNvPr id="43" name="Arc 42">
+              <a:extLst>
+                <a:ext uri="{FF2B5EF4-FFF2-40B4-BE49-F238E27FC236}">
+                  <a16:creationId xmlns:a16="http://schemas.microsoft.com/office/drawing/2014/main" id="{FCA1FF38-9835-E0AC-95D3-6ADBAA5E20ED}"/>
+                </a:ext>
+              </a:extLst>
+            </p:cNvPr>
+            <p:cNvSpPr/>
+            <p:nvPr/>
+          </p:nvSpPr>
+          <p:spPr>
+            <a:xfrm rot="10800000">
+              <a:off x="2584703" y="2724912"/>
+              <a:ext cx="3383275" cy="1163908"/>
+            </a:xfrm>
+            <a:prstGeom prst="arc">
+              <a:avLst/>
+            </a:prstGeom>
+            <a:ln w="63500">
+              <a:solidFill>
+                <a:schemeClr val="tx2">
+                  <a:lumMod val="50000"/>
+                  <a:lumOff val="50000"/>
+                </a:schemeClr>
+              </a:solidFill>
+            </a:ln>
+          </p:spPr>
+          <p:style>
+            <a:lnRef idx="1">
+              <a:schemeClr val="accent6"/>
+            </a:lnRef>
+            <a:fillRef idx="0">
+              <a:schemeClr val="accent6"/>
+            </a:fillRef>
+            <a:effectRef idx="0">
+              <a:schemeClr val="accent6"/>
+            </a:effectRef>
+            <a:fontRef idx="minor">
+              <a:schemeClr val="tx1"/>
+            </a:fontRef>
+          </p:style>
+          <p:txBody>
+            <a:bodyPr rtlCol="0" anchor="ctr"/>
+            <a:lstStyle/>
+            <a:p>
+              <a:pPr algn="ctr"/>
+              <a:endParaRPr lang="en-US"/>
+            </a:p>
+          </p:txBody>
+        </p:sp>
+        <p:sp>
+          <p:nvSpPr>
+            <p:cNvPr id="44" name="Arc 43">
+              <a:extLst>
+                <a:ext uri="{FF2B5EF4-FFF2-40B4-BE49-F238E27FC236}">
+                  <a16:creationId xmlns:a16="http://schemas.microsoft.com/office/drawing/2014/main" id="{ECB7A4BC-2F74-AA5D-AC38-BC44A9B974F2}"/>
+                </a:ext>
+              </a:extLst>
+            </p:cNvPr>
+            <p:cNvSpPr/>
+            <p:nvPr/>
+          </p:nvSpPr>
+          <p:spPr>
+            <a:xfrm rot="10800000" flipH="1" flipV="1">
+              <a:off x="2584702" y="3888820"/>
+              <a:ext cx="3383275" cy="1163908"/>
+            </a:xfrm>
+            <a:prstGeom prst="arc">
+              <a:avLst/>
+            </a:prstGeom>
+            <a:ln w="63500">
+              <a:solidFill>
+                <a:schemeClr val="tx2">
+                  <a:lumMod val="50000"/>
+                  <a:lumOff val="50000"/>
+                </a:schemeClr>
+              </a:solidFill>
+            </a:ln>
+          </p:spPr>
+          <p:style>
+            <a:lnRef idx="1">
+              <a:schemeClr val="accent6"/>
+            </a:lnRef>
+            <a:fillRef idx="0">
+              <a:schemeClr val="accent6"/>
+            </a:fillRef>
+            <a:effectRef idx="0">
+              <a:schemeClr val="accent6"/>
+            </a:effectRef>
+            <a:fontRef idx="minor">
+              <a:schemeClr val="tx1"/>
+            </a:fontRef>
+          </p:style>
+          <p:txBody>
+            <a:bodyPr rtlCol="0" anchor="ctr"/>
+            <a:lstStyle/>
+            <a:p>
+              <a:pPr algn="ctr"/>
+              <a:endParaRPr lang="en-US"/>
+            </a:p>
+          </p:txBody>
+        </p:sp>
+      </p:grpSp>
+      <p:sp>
+        <p:nvSpPr>
+          <p:cNvPr id="2" name="Title 1">
+            <a:extLst>
+              <a:ext uri="{FF2B5EF4-FFF2-40B4-BE49-F238E27FC236}">
+                <a16:creationId xmlns:a16="http://schemas.microsoft.com/office/drawing/2014/main" id="{A69E9D90-60B4-661B-7EAC-3C860CD12ABA}"/>
+              </a:ext>
+            </a:extLst>
+          </p:cNvPr>
+          <p:cNvSpPr>
+            <a:spLocks noGrp="1"/>
+          </p:cNvSpPr>
+          <p:nvPr>
+            <p:ph type="title"/>
+          </p:nvPr>
+        </p:nvSpPr>
+        <p:spPr/>
+        <p:txBody>
+          <a:bodyPr/>
+          <a:lstStyle/>
+          <a:p>
+            <a:r>
+              <a:rPr lang="en-US" dirty="0"/>
+              <a:t>The life of a task: Branches</a:t>
+            </a:r>
+          </a:p>
+        </p:txBody>
+      </p:sp>
+      <p:cxnSp>
+        <p:nvCxnSpPr>
+          <p:cNvPr id="9" name="Straight Arrow Connector 8">
+            <a:extLst>
+              <a:ext uri="{FF2B5EF4-FFF2-40B4-BE49-F238E27FC236}">
+                <a16:creationId xmlns:a16="http://schemas.microsoft.com/office/drawing/2014/main" id="{C6C39B70-87B6-F01A-B5E4-D727B4E7CD5D}"/>
+              </a:ext>
+            </a:extLst>
+          </p:cNvPr>
+          <p:cNvCxnSpPr>
+            <a:cxnSpLocks/>
+            <a:stCxn id="15" idx="0"/>
+          </p:cNvCxnSpPr>
+          <p:nvPr/>
+        </p:nvCxnSpPr>
+        <p:spPr>
+          <a:xfrm flipV="1">
+            <a:off x="6092952" y="2019872"/>
+            <a:ext cx="0" cy="4266994"/>
+          </a:xfrm>
+          <a:prstGeom prst="straightConnector1">
+            <a:avLst/>
+          </a:prstGeom>
+          <a:ln w="63500">
+            <a:solidFill>
+              <a:schemeClr val="tx2">
+                <a:lumMod val="50000"/>
+                <a:lumOff val="50000"/>
+              </a:schemeClr>
+            </a:solidFill>
+            <a:headEnd w="lg" len="lg"/>
+            <a:tailEnd type="triangle" w="lg" len="lg"/>
+          </a:ln>
+        </p:spPr>
+        <p:style>
+          <a:lnRef idx="2">
+            <a:schemeClr val="accent1"/>
+          </a:lnRef>
+          <a:fillRef idx="0">
+            <a:schemeClr val="accent1"/>
+          </a:fillRef>
+          <a:effectRef idx="1">
+            <a:schemeClr val="accent1"/>
+          </a:effectRef>
+          <a:fontRef idx="minor">
+            <a:schemeClr val="tx1"/>
+          </a:fontRef>
+        </p:style>
+      </p:cxnSp>
+      <p:sp>
+        <p:nvSpPr>
+          <p:cNvPr id="14" name="TextBox 13">
+            <a:extLst>
+              <a:ext uri="{FF2B5EF4-FFF2-40B4-BE49-F238E27FC236}">
+                <a16:creationId xmlns:a16="http://schemas.microsoft.com/office/drawing/2014/main" id="{7434E026-3121-D6D8-40FB-30EB45EE83E5}"/>
+              </a:ext>
+            </a:extLst>
+          </p:cNvPr>
+          <p:cNvSpPr txBox="1"/>
+          <p:nvPr/>
+        </p:nvSpPr>
+        <p:spPr>
+          <a:xfrm>
+            <a:off x="164591" y="3519488"/>
+            <a:ext cx="804665" cy="369332"/>
+          </a:xfrm>
+          <a:prstGeom prst="rect">
+            <a:avLst/>
+          </a:prstGeom>
+          <a:noFill/>
+        </p:spPr>
+        <p:txBody>
+          <a:bodyPr wrap="square" rtlCol="0">
+            <a:spAutoFit/>
+          </a:bodyPr>
+          <a:lstStyle/>
+          <a:p>
+            <a:pPr algn="ctr"/>
+            <a:r>
+              <a:rPr lang="en-US" dirty="0"/>
+              <a:t>Time</a:t>
+            </a:r>
+          </a:p>
+        </p:txBody>
+      </p:sp>
+      <p:sp>
+        <p:nvSpPr>
+          <p:cNvPr id="15" name="TextBox 14">
+            <a:extLst>
+              <a:ext uri="{FF2B5EF4-FFF2-40B4-BE49-F238E27FC236}">
+                <a16:creationId xmlns:a16="http://schemas.microsoft.com/office/drawing/2014/main" id="{31E555BE-16D5-91A4-4E37-8F8EC3E35C1A}"/>
+              </a:ext>
+            </a:extLst>
+          </p:cNvPr>
+          <p:cNvSpPr txBox="1"/>
+          <p:nvPr/>
+        </p:nvSpPr>
+        <p:spPr>
+          <a:xfrm>
+            <a:off x="5372102" y="6286866"/>
+            <a:ext cx="1441699" cy="369332"/>
+          </a:xfrm>
+          <a:prstGeom prst="rect">
+            <a:avLst/>
+          </a:prstGeom>
+          <a:noFill/>
+        </p:spPr>
+        <p:txBody>
+          <a:bodyPr wrap="square" rtlCol="0">
+            <a:spAutoFit/>
+          </a:bodyPr>
+          <a:lstStyle/>
+          <a:p>
+            <a:pPr algn="ctr"/>
+            <a:r>
+              <a:rPr lang="en-US" dirty="0"/>
+              <a:t>Branch</a:t>
+            </a:r>
+          </a:p>
+        </p:txBody>
+      </p:sp>
+      <p:sp>
+        <p:nvSpPr>
+          <p:cNvPr id="19" name="TextBox 18">
+            <a:extLst>
+              <a:ext uri="{FF2B5EF4-FFF2-40B4-BE49-F238E27FC236}">
+                <a16:creationId xmlns:a16="http://schemas.microsoft.com/office/drawing/2014/main" id="{20866640-704E-68C2-50A5-15A227111524}"/>
+              </a:ext>
+            </a:extLst>
+          </p:cNvPr>
+          <p:cNvSpPr txBox="1"/>
+          <p:nvPr/>
+        </p:nvSpPr>
+        <p:spPr>
+          <a:xfrm>
+            <a:off x="6217923" y="1920654"/>
+            <a:ext cx="765044" cy="377642"/>
+          </a:xfrm>
+          <a:prstGeom prst="rect">
+            <a:avLst/>
+          </a:prstGeom>
+          <a:noFill/>
+        </p:spPr>
+        <p:txBody>
+          <a:bodyPr wrap="square" rtlCol="0">
+            <a:spAutoFit/>
+          </a:bodyPr>
+          <a:lstStyle/>
+          <a:p>
+            <a:r>
+              <a:rPr lang="en-US" dirty="0"/>
+              <a:t>PE</a:t>
+            </a:r>
+          </a:p>
+        </p:txBody>
+      </p:sp>
+      <p:grpSp>
+        <p:nvGrpSpPr>
+          <p:cNvPr id="8" name="Group 7">
+            <a:extLst>
+              <a:ext uri="{FF2B5EF4-FFF2-40B4-BE49-F238E27FC236}">
+                <a16:creationId xmlns:a16="http://schemas.microsoft.com/office/drawing/2014/main" id="{EF8F3774-90DA-6F99-A1C6-D05BB04B3EEA}"/>
+              </a:ext>
+            </a:extLst>
+          </p:cNvPr>
+          <p:cNvGrpSpPr/>
+          <p:nvPr/>
+        </p:nvGrpSpPr>
+        <p:grpSpPr>
+          <a:xfrm flipH="1">
+            <a:off x="3881473" y="1828800"/>
+            <a:ext cx="2211475" cy="2327816"/>
+            <a:chOff x="2584702" y="2724912"/>
+            <a:chExt cx="3383276" cy="2327816"/>
+          </a:xfrm>
+        </p:grpSpPr>
+        <p:sp>
+          <p:nvSpPr>
+            <p:cNvPr id="11" name="Arc 10">
+              <a:extLst>
+                <a:ext uri="{FF2B5EF4-FFF2-40B4-BE49-F238E27FC236}">
+                  <a16:creationId xmlns:a16="http://schemas.microsoft.com/office/drawing/2014/main" id="{8C2D08D4-25A3-113F-B143-AF2450B02C13}"/>
+                </a:ext>
+              </a:extLst>
+            </p:cNvPr>
+            <p:cNvSpPr/>
+            <p:nvPr/>
+          </p:nvSpPr>
+          <p:spPr>
+            <a:xfrm rot="10800000">
+              <a:off x="2584703" y="2724912"/>
+              <a:ext cx="3383275" cy="1163908"/>
+            </a:xfrm>
+            <a:prstGeom prst="arc">
+              <a:avLst/>
+            </a:prstGeom>
+            <a:ln w="63500">
+              <a:solidFill>
+                <a:schemeClr val="tx2">
+                  <a:lumMod val="50000"/>
+                  <a:lumOff val="50000"/>
+                </a:schemeClr>
+              </a:solidFill>
+            </a:ln>
+          </p:spPr>
+          <p:style>
+            <a:lnRef idx="1">
+              <a:schemeClr val="accent6"/>
+            </a:lnRef>
+            <a:fillRef idx="0">
+              <a:schemeClr val="accent6"/>
+            </a:fillRef>
+            <a:effectRef idx="0">
+              <a:schemeClr val="accent6"/>
+            </a:effectRef>
+            <a:fontRef idx="minor">
+              <a:schemeClr val="tx1"/>
+            </a:fontRef>
+          </p:style>
+          <p:txBody>
+            <a:bodyPr rtlCol="0" anchor="ctr"/>
+            <a:lstStyle/>
+            <a:p>
+              <a:pPr algn="ctr"/>
+              <a:endParaRPr lang="en-US"/>
+            </a:p>
+          </p:txBody>
+        </p:sp>
+        <p:sp>
+          <p:nvSpPr>
+            <p:cNvPr id="12" name="Arc 11">
+              <a:extLst>
+                <a:ext uri="{FF2B5EF4-FFF2-40B4-BE49-F238E27FC236}">
+                  <a16:creationId xmlns:a16="http://schemas.microsoft.com/office/drawing/2014/main" id="{6EC2A636-FFC8-8FFB-8470-040DABAE7A3C}"/>
+                </a:ext>
+              </a:extLst>
+            </p:cNvPr>
+            <p:cNvSpPr/>
+            <p:nvPr/>
+          </p:nvSpPr>
+          <p:spPr>
+            <a:xfrm rot="10800000" flipH="1" flipV="1">
+              <a:off x="2584702" y="3888820"/>
+              <a:ext cx="3383275" cy="1163908"/>
+            </a:xfrm>
+            <a:prstGeom prst="arc">
+              <a:avLst/>
+            </a:prstGeom>
+            <a:ln w="63500">
+              <a:solidFill>
+                <a:schemeClr val="tx2">
+                  <a:lumMod val="50000"/>
+                  <a:lumOff val="50000"/>
+                </a:schemeClr>
+              </a:solidFill>
+            </a:ln>
+          </p:spPr>
+          <p:style>
+            <a:lnRef idx="1">
+              <a:schemeClr val="accent6"/>
+            </a:lnRef>
+            <a:fillRef idx="0">
+              <a:schemeClr val="accent6"/>
+            </a:fillRef>
+            <a:effectRef idx="0">
+              <a:schemeClr val="accent6"/>
+            </a:effectRef>
+            <a:fontRef idx="minor">
+              <a:schemeClr val="tx1"/>
+            </a:fontRef>
+          </p:style>
+          <p:txBody>
+            <a:bodyPr rtlCol="0" anchor="ctr"/>
+            <a:lstStyle/>
+            <a:p>
+              <a:pPr algn="ctr"/>
+              <a:endParaRPr lang="en-US"/>
+            </a:p>
+          </p:txBody>
+        </p:sp>
+      </p:grpSp>
+      <p:cxnSp>
+        <p:nvCxnSpPr>
+          <p:cNvPr id="13" name="Straight Arrow Connector 12">
+            <a:extLst>
+              <a:ext uri="{FF2B5EF4-FFF2-40B4-BE49-F238E27FC236}">
+                <a16:creationId xmlns:a16="http://schemas.microsoft.com/office/drawing/2014/main" id="{D07E8BCB-9235-13A3-FB4A-EEE1222CA907}"/>
+              </a:ext>
+            </a:extLst>
+          </p:cNvPr>
+          <p:cNvCxnSpPr>
+            <a:cxnSpLocks/>
+          </p:cNvCxnSpPr>
+          <p:nvPr/>
+        </p:nvCxnSpPr>
+        <p:spPr>
+          <a:xfrm flipV="1">
+            <a:off x="3880781" y="3552966"/>
+            <a:ext cx="0" cy="1376527"/>
+          </a:xfrm>
+          <a:prstGeom prst="straightConnector1">
+            <a:avLst/>
+          </a:prstGeom>
+          <a:ln w="63500">
+            <a:solidFill>
+              <a:schemeClr val="tx2">
+                <a:lumMod val="50000"/>
+                <a:lumOff val="50000"/>
+              </a:schemeClr>
+            </a:solidFill>
+            <a:headEnd w="lg" len="lg"/>
+            <a:tailEnd type="none" w="lg" len="lg"/>
+          </a:ln>
+        </p:spPr>
+        <p:style>
+          <a:lnRef idx="2">
+            <a:schemeClr val="accent1"/>
+          </a:lnRef>
+          <a:fillRef idx="0">
+            <a:schemeClr val="accent1"/>
+          </a:fillRef>
+          <a:effectRef idx="1">
+            <a:schemeClr val="accent1"/>
+          </a:effectRef>
+          <a:fontRef idx="minor">
+            <a:schemeClr val="tx1"/>
+          </a:fontRef>
+        </p:style>
+      </p:cxnSp>
+      <p:cxnSp>
+        <p:nvCxnSpPr>
+          <p:cNvPr id="21" name="Straight Arrow Connector 20">
+            <a:extLst>
+              <a:ext uri="{FF2B5EF4-FFF2-40B4-BE49-F238E27FC236}">
+                <a16:creationId xmlns:a16="http://schemas.microsoft.com/office/drawing/2014/main" id="{6932BD7A-3783-9A1C-37CB-D428D1870805}"/>
+              </a:ext>
+            </a:extLst>
+          </p:cNvPr>
+          <p:cNvCxnSpPr>
+            <a:cxnSpLocks/>
+          </p:cNvCxnSpPr>
+          <p:nvPr/>
+        </p:nvCxnSpPr>
+        <p:spPr>
+          <a:xfrm flipH="1" flipV="1">
+            <a:off x="8266162" y="3952405"/>
+            <a:ext cx="1376" cy="736871"/>
+          </a:xfrm>
+          <a:prstGeom prst="straightConnector1">
+            <a:avLst/>
+          </a:prstGeom>
+          <a:ln w="63500">
+            <a:solidFill>
+              <a:schemeClr val="tx2">
+                <a:lumMod val="50000"/>
+                <a:lumOff val="50000"/>
+              </a:schemeClr>
+            </a:solidFill>
+            <a:headEnd w="lg" len="lg"/>
+            <a:tailEnd type="none" w="lg" len="lg"/>
+          </a:ln>
+        </p:spPr>
+        <p:style>
+          <a:lnRef idx="2">
+            <a:schemeClr val="accent1"/>
+          </a:lnRef>
+          <a:fillRef idx="0">
+            <a:schemeClr val="accent1"/>
+          </a:fillRef>
+          <a:effectRef idx="1">
+            <a:schemeClr val="accent1"/>
+          </a:effectRef>
+          <a:fontRef idx="minor">
+            <a:schemeClr val="tx1"/>
+          </a:fontRef>
+        </p:style>
+      </p:cxnSp>
+      <p:grpSp>
+        <p:nvGrpSpPr>
+          <p:cNvPr id="36" name="Group 35">
+            <a:extLst>
+              <a:ext uri="{FF2B5EF4-FFF2-40B4-BE49-F238E27FC236}">
+                <a16:creationId xmlns:a16="http://schemas.microsoft.com/office/drawing/2014/main" id="{A33C4457-78A7-C8F1-F689-A36818135204}"/>
+              </a:ext>
+            </a:extLst>
+          </p:cNvPr>
+          <p:cNvGrpSpPr/>
+          <p:nvPr/>
+        </p:nvGrpSpPr>
+        <p:grpSpPr>
+          <a:xfrm flipH="1" flipV="1">
+            <a:off x="3880782" y="4331232"/>
+            <a:ext cx="2211477" cy="2327816"/>
+            <a:chOff x="2584702" y="2724912"/>
+            <a:chExt cx="3383276" cy="2327816"/>
+          </a:xfrm>
+        </p:grpSpPr>
+        <p:sp>
+          <p:nvSpPr>
+            <p:cNvPr id="37" name="Arc 36">
+              <a:extLst>
+                <a:ext uri="{FF2B5EF4-FFF2-40B4-BE49-F238E27FC236}">
+                  <a16:creationId xmlns:a16="http://schemas.microsoft.com/office/drawing/2014/main" id="{367B6921-893E-8BE1-546C-4C6119DEDD5C}"/>
+                </a:ext>
+              </a:extLst>
+            </p:cNvPr>
+            <p:cNvSpPr/>
+            <p:nvPr/>
+          </p:nvSpPr>
+          <p:spPr>
+            <a:xfrm rot="10800000">
+              <a:off x="2584703" y="2724912"/>
+              <a:ext cx="3383275" cy="1163908"/>
+            </a:xfrm>
+            <a:prstGeom prst="arc">
+              <a:avLst/>
+            </a:prstGeom>
+            <a:ln w="63500">
+              <a:solidFill>
+                <a:schemeClr val="tx2">
+                  <a:lumMod val="50000"/>
+                  <a:lumOff val="50000"/>
+                </a:schemeClr>
+              </a:solidFill>
+            </a:ln>
+          </p:spPr>
+          <p:style>
+            <a:lnRef idx="1">
+              <a:schemeClr val="accent6"/>
+            </a:lnRef>
+            <a:fillRef idx="0">
+              <a:schemeClr val="accent6"/>
+            </a:fillRef>
+            <a:effectRef idx="0">
+              <a:schemeClr val="accent6"/>
+            </a:effectRef>
+            <a:fontRef idx="minor">
+              <a:schemeClr val="tx1"/>
+            </a:fontRef>
+          </p:style>
+          <p:txBody>
+            <a:bodyPr rtlCol="0" anchor="ctr"/>
+            <a:lstStyle/>
+            <a:p>
+              <a:pPr algn="ctr"/>
+              <a:endParaRPr lang="en-US"/>
+            </a:p>
+          </p:txBody>
+        </p:sp>
+        <p:sp>
+          <p:nvSpPr>
+            <p:cNvPr id="38" name="Arc 37">
+              <a:extLst>
+                <a:ext uri="{FF2B5EF4-FFF2-40B4-BE49-F238E27FC236}">
+                  <a16:creationId xmlns:a16="http://schemas.microsoft.com/office/drawing/2014/main" id="{0C5F8F8C-801B-CA85-3968-28C38EF9EF66}"/>
+                </a:ext>
+              </a:extLst>
+            </p:cNvPr>
+            <p:cNvSpPr/>
+            <p:nvPr/>
+          </p:nvSpPr>
+          <p:spPr>
+            <a:xfrm rot="10800000" flipH="1" flipV="1">
+              <a:off x="2584702" y="3888820"/>
+              <a:ext cx="3383275" cy="1163908"/>
+            </a:xfrm>
+            <a:prstGeom prst="arc">
+              <a:avLst/>
+            </a:prstGeom>
+            <a:ln w="63500">
+              <a:solidFill>
+                <a:schemeClr val="tx2">
+                  <a:lumMod val="50000"/>
+                  <a:lumOff val="50000"/>
+                </a:schemeClr>
+              </a:solidFill>
+            </a:ln>
+          </p:spPr>
+          <p:style>
+            <a:lnRef idx="1">
+              <a:schemeClr val="accent6"/>
+            </a:lnRef>
+            <a:fillRef idx="0">
+              <a:schemeClr val="accent6"/>
+            </a:fillRef>
+            <a:effectRef idx="0">
+              <a:schemeClr val="accent6"/>
+            </a:effectRef>
+            <a:fontRef idx="minor">
+              <a:schemeClr val="tx1"/>
+            </a:fontRef>
+          </p:style>
+          <p:txBody>
+            <a:bodyPr rtlCol="0" anchor="ctr"/>
+            <a:lstStyle/>
+            <a:p>
+              <a:pPr algn="ctr"/>
+              <a:endParaRPr lang="en-US"/>
+            </a:p>
+          </p:txBody>
+        </p:sp>
+      </p:grpSp>
+      <p:grpSp>
+        <p:nvGrpSpPr>
+          <p:cNvPr id="41" name="Group 40">
+            <a:extLst>
+              <a:ext uri="{FF2B5EF4-FFF2-40B4-BE49-F238E27FC236}">
+                <a16:creationId xmlns:a16="http://schemas.microsoft.com/office/drawing/2014/main" id="{2493A470-5828-55AE-4A16-5D64228470B0}"/>
+              </a:ext>
+            </a:extLst>
+          </p:cNvPr>
+          <p:cNvGrpSpPr/>
+          <p:nvPr/>
+        </p:nvGrpSpPr>
+        <p:grpSpPr>
+          <a:xfrm flipV="1">
+            <a:off x="6088521" y="4182269"/>
+            <a:ext cx="2182308" cy="1958464"/>
+            <a:chOff x="2584702" y="2724912"/>
+            <a:chExt cx="3383276" cy="2327816"/>
+          </a:xfrm>
+        </p:grpSpPr>
+        <p:sp>
+          <p:nvSpPr>
+            <p:cNvPr id="42" name="Arc 41">
+              <a:extLst>
+                <a:ext uri="{FF2B5EF4-FFF2-40B4-BE49-F238E27FC236}">
+                  <a16:creationId xmlns:a16="http://schemas.microsoft.com/office/drawing/2014/main" id="{65A2E7CE-A974-2A81-51B5-F11AC9B489B9}"/>
+                </a:ext>
+              </a:extLst>
+            </p:cNvPr>
+            <p:cNvSpPr/>
+            <p:nvPr/>
+          </p:nvSpPr>
+          <p:spPr>
+            <a:xfrm rot="10800000">
+              <a:off x="2584703" y="2724912"/>
+              <a:ext cx="3383275" cy="1163908"/>
+            </a:xfrm>
+            <a:prstGeom prst="arc">
+              <a:avLst/>
+            </a:prstGeom>
+            <a:ln w="63500">
+              <a:solidFill>
+                <a:schemeClr val="tx2">
+                  <a:lumMod val="50000"/>
+                  <a:lumOff val="50000"/>
+                </a:schemeClr>
+              </a:solidFill>
+            </a:ln>
+          </p:spPr>
+          <p:style>
+            <a:lnRef idx="1">
+              <a:schemeClr val="accent6"/>
+            </a:lnRef>
+            <a:fillRef idx="0">
+              <a:schemeClr val="accent6"/>
+            </a:fillRef>
+            <a:effectRef idx="0">
+              <a:schemeClr val="accent6"/>
+            </a:effectRef>
+            <a:fontRef idx="minor">
+              <a:schemeClr val="tx1"/>
+            </a:fontRef>
+          </p:style>
+          <p:txBody>
+            <a:bodyPr rtlCol="0" anchor="ctr"/>
+            <a:lstStyle/>
+            <a:p>
+              <a:pPr algn="ctr"/>
+              <a:endParaRPr lang="en-US"/>
+            </a:p>
+          </p:txBody>
+        </p:sp>
+        <p:sp>
+          <p:nvSpPr>
+            <p:cNvPr id="45" name="Arc 44">
+              <a:extLst>
+                <a:ext uri="{FF2B5EF4-FFF2-40B4-BE49-F238E27FC236}">
+                  <a16:creationId xmlns:a16="http://schemas.microsoft.com/office/drawing/2014/main" id="{E5F2EA09-AB08-2B07-C6CB-308ABA390422}"/>
+                </a:ext>
+              </a:extLst>
+            </p:cNvPr>
+            <p:cNvSpPr/>
+            <p:nvPr/>
+          </p:nvSpPr>
+          <p:spPr>
+            <a:xfrm rot="10800000" flipH="1" flipV="1">
+              <a:off x="2584702" y="3888820"/>
+              <a:ext cx="3383275" cy="1163908"/>
+            </a:xfrm>
+            <a:prstGeom prst="arc">
+              <a:avLst/>
+            </a:prstGeom>
+            <a:ln w="63500">
+              <a:solidFill>
+                <a:schemeClr val="tx2">
+                  <a:lumMod val="50000"/>
+                  <a:lumOff val="50000"/>
+                </a:schemeClr>
+              </a:solidFill>
+            </a:ln>
+          </p:spPr>
+          <p:style>
+            <a:lnRef idx="1">
+              <a:schemeClr val="accent6"/>
+            </a:lnRef>
+            <a:fillRef idx="0">
+              <a:schemeClr val="accent6"/>
+            </a:fillRef>
+            <a:effectRef idx="0">
+              <a:schemeClr val="accent6"/>
+            </a:effectRef>
+            <a:fontRef idx="minor">
+              <a:schemeClr val="tx1"/>
+            </a:fontRef>
+          </p:style>
+          <p:txBody>
+            <a:bodyPr rtlCol="0" anchor="ctr"/>
+            <a:lstStyle/>
+            <a:p>
+              <a:pPr algn="ctr"/>
+              <a:endParaRPr lang="en-US"/>
+            </a:p>
+          </p:txBody>
+        </p:sp>
+      </p:grpSp>
     </p:spTree>
     <p:extLst>
       <p:ext uri="{BB962C8B-B14F-4D97-AF65-F5344CB8AC3E}">
@@ -6909,6 +7610,35 @@
           <a:chExt cx="0" cy="0"/>
         </a:xfrm>
       </p:grpSpPr>
+      <p:pic>
+        <p:nvPicPr>
+          <p:cNvPr id="26" name="Content Placeholder 25" descr="A screenshot of a computer&#10;&#10;AI-generated content may be incorrect.">
+            <a:extLst>
+              <a:ext uri="{FF2B5EF4-FFF2-40B4-BE49-F238E27FC236}">
+                <a16:creationId xmlns:a16="http://schemas.microsoft.com/office/drawing/2014/main" id="{B81FE231-7E80-8C15-DB51-CA3480169987}"/>
+              </a:ext>
+            </a:extLst>
+          </p:cNvPr>
+          <p:cNvPicPr>
+            <a:picLocks noGrp="1" noChangeAspect="1"/>
+          </p:cNvPicPr>
+          <p:nvPr>
+            <p:ph idx="1"/>
+          </p:nvPr>
+        </p:nvPicPr>
+        <p:blipFill>
+          <a:blip r:embed="rId3"/>
+          <a:stretch>
+            <a:fillRect/>
+          </a:stretch>
+        </p:blipFill>
+        <p:spPr>
+          <a:xfrm>
+            <a:off x="2579061" y="1804988"/>
+            <a:ext cx="7033878" cy="3757612"/>
+          </a:xfrm>
+        </p:spPr>
+      </p:pic>
       <p:sp>
         <p:nvSpPr>
           <p:cNvPr id="2" name="Title 1">
@@ -6951,8 +7681,8 @@
         </p:nvSpPr>
         <p:spPr>
           <a:xfrm>
-            <a:off x="2402237" y="3429000"/>
-            <a:ext cx="1379349" cy="771041"/>
+            <a:off x="2675186" y="3437532"/>
+            <a:ext cx="921958" cy="492524"/>
           </a:xfrm>
           <a:prstGeom prst="rect">
             <a:avLst/>
@@ -7005,8 +7735,8 @@
         </p:nvSpPr>
         <p:spPr>
           <a:xfrm>
-            <a:off x="9789763" y="3953431"/>
-            <a:ext cx="1564037" cy="771041"/>
+            <a:off x="8153399" y="3930056"/>
+            <a:ext cx="1323109" cy="492526"/>
           </a:xfrm>
           <a:prstGeom prst="rect">
             <a:avLst/>
@@ -7061,8 +7791,8 @@
         </p:nvSpPr>
         <p:spPr>
           <a:xfrm>
-            <a:off x="838200" y="5676900"/>
-            <a:ext cx="10515600" cy="785885"/>
+            <a:off x="1981200" y="5655488"/>
+            <a:ext cx="8458200" cy="785885"/>
           </a:xfrm>
           <a:prstGeom prst="rect">
             <a:avLst/>
@@ -7262,35 +7992,6 @@
           </a:p>
         </p:txBody>
       </p:sp>
-      <p:pic>
-        <p:nvPicPr>
-          <p:cNvPr id="22" name="Content Placeholder 21" descr="A screenshot of a computer&#10;&#10;AI-generated content may be incorrect.">
-            <a:extLst>
-              <a:ext uri="{FF2B5EF4-FFF2-40B4-BE49-F238E27FC236}">
-                <a16:creationId xmlns:a16="http://schemas.microsoft.com/office/drawing/2014/main" id="{5B035996-A517-F588-2BA7-AB1B5A267693}"/>
-              </a:ext>
-            </a:extLst>
-          </p:cNvPr>
-          <p:cNvPicPr>
-            <a:picLocks noGrp="1" noChangeAspect="1"/>
-          </p:cNvPicPr>
-          <p:nvPr>
-            <p:ph idx="1"/>
-          </p:nvPr>
-        </p:nvPicPr>
-        <p:blipFill>
-          <a:blip r:embed="rId3"/>
-          <a:stretch>
-            <a:fillRect/>
-          </a:stretch>
-        </p:blipFill>
-        <p:spPr>
-          <a:xfrm>
-            <a:off x="2571750" y="1847850"/>
-            <a:ext cx="7048500" cy="3162300"/>
-          </a:xfrm>
-        </p:spPr>
-      </p:pic>
     </p:spTree>
     <p:extLst>
       <p:ext uri="{BB962C8B-B14F-4D97-AF65-F5344CB8AC3E}">
@@ -7350,7 +8051,7 @@
           <a:p>
             <a:r>
               <a:rPr lang="en-US" dirty="0"/>
-              <a:t>The life of a task: The works</a:t>
+              <a:t>The life of a task: The work</a:t>
             </a:r>
           </a:p>
         </p:txBody>
@@ -7379,7 +8080,7 @@
         </p:spPr>
         <p:txBody>
           <a:bodyPr>
-            <a:normAutofit lnSpcReduction="10000"/>
+            <a:normAutofit fontScale="92500" lnSpcReduction="20000"/>
           </a:bodyPr>
           <a:lstStyle/>
           <a:p>
@@ -7402,7 +8103,7 @@
               <a:rPr lang="en-US" sz="2000" dirty="0">
                 <a:latin typeface="Andale Mono" panose="020B0509000000000004" pitchFamily="49" charset="0"/>
               </a:rPr>
-              <a:t> branch </a:t>
+              <a:t> branch and create new</a:t>
             </a:r>
           </a:p>
           <a:p>
@@ -7413,7 +8114,18 @@
               <a:rPr lang="en-US" sz="2000" dirty="0">
                 <a:latin typeface="Andale Mono" panose="020B0509000000000004" pitchFamily="49" charset="0"/>
               </a:rPr>
-              <a:t>git checkout –b PE-19</a:t>
+              <a:t>#     branch</a:t>
+            </a:r>
+          </a:p>
+          <a:p>
+            <a:pPr marL="0" indent="0">
+              <a:buNone/>
+            </a:pPr>
+            <a:r>
+              <a:rPr lang="en-US" sz="2000" dirty="0">
+                <a:latin typeface="Andale Mono" panose="020B0509000000000004" pitchFamily="49" charset="0"/>
+              </a:rPr>
+              <a:t>git checkout –b PE-617</a:t>
             </a:r>
           </a:p>
           <a:p>
@@ -7523,7 +8235,18 @@
               <a:rPr lang="en-US" sz="2000" dirty="0">
                 <a:latin typeface="Andale Mono" panose="020B0509000000000004" pitchFamily="49" charset="0"/>
               </a:rPr>
-              <a:t># [4] Create pull request from your branch issue-19 to the PM branch in the SPECFEMPP repo</a:t>
+              <a:t># [4] Create pull request from your branch issue-19 </a:t>
+            </a:r>
+          </a:p>
+          <a:p>
+            <a:pPr marL="0" indent="0">
+              <a:buNone/>
+            </a:pPr>
+            <a:r>
+              <a:rPr lang="en-US" sz="2000" dirty="0">
+                <a:latin typeface="Andale Mono" panose="020B0509000000000004" pitchFamily="49" charset="0"/>
+              </a:rPr>
+              <a:t>#     to the PM branch in the SPECFEMPP repo</a:t>
             </a:r>
           </a:p>
         </p:txBody>
@@ -7816,7 +8539,7 @@
             <a:pPr algn="ctr"/>
             <a:r>
               <a:rPr lang="en-US" dirty="0"/>
-              <a:t>PE-19</a:t>
+              <a:t>PE-617</a:t>
             </a:r>
           </a:p>
         </p:txBody>
@@ -8020,10 +8743,10 @@
       </p:sp>
       <p:sp>
         <p:nvSpPr>
-          <p:cNvPr id="26" name="TextBox 25">
-            <a:extLst>
-              <a:ext uri="{FF2B5EF4-FFF2-40B4-BE49-F238E27FC236}">
-                <a16:creationId xmlns:a16="http://schemas.microsoft.com/office/drawing/2014/main" id="{B5C7AC45-3BC4-7A43-E94E-2C9E49EB4749}"/>
+          <p:cNvPr id="27" name="TextBox 26">
+            <a:extLst>
+              <a:ext uri="{FF2B5EF4-FFF2-40B4-BE49-F238E27FC236}">
+                <a16:creationId xmlns:a16="http://schemas.microsoft.com/office/drawing/2014/main" id="{028E83E9-B05C-0D24-1EFF-7E3C8BDA7084}"/>
               </a:ext>
             </a:extLst>
           </p:cNvPr>
@@ -8032,7 +8755,7 @@
         </p:nvSpPr>
         <p:spPr>
           <a:xfrm>
-            <a:off x="10715733" y="1819266"/>
+            <a:off x="10704566" y="1996199"/>
             <a:ext cx="765044" cy="377642"/>
           </a:xfrm>
           <a:prstGeom prst="rect">
@@ -8056,10 +8779,10 @@
       </p:sp>
       <p:sp>
         <p:nvSpPr>
-          <p:cNvPr id="27" name="TextBox 26">
-            <a:extLst>
-              <a:ext uri="{FF2B5EF4-FFF2-40B4-BE49-F238E27FC236}">
-                <a16:creationId xmlns:a16="http://schemas.microsoft.com/office/drawing/2014/main" id="{028E83E9-B05C-0D24-1EFF-7E3C8BDA7084}"/>
+          <p:cNvPr id="35" name="TextBox 34">
+            <a:extLst>
+              <a:ext uri="{FF2B5EF4-FFF2-40B4-BE49-F238E27FC236}">
+                <a16:creationId xmlns:a16="http://schemas.microsoft.com/office/drawing/2014/main" id="{E928EE21-2E1D-2A31-0630-843D287A0F72}"/>
               </a:ext>
             </a:extLst>
           </p:cNvPr>
@@ -8068,7 +8791,7 @@
         </p:nvSpPr>
         <p:spPr>
           <a:xfrm>
-            <a:off x="9394946" y="1245119"/>
+            <a:off x="9499596" y="1308864"/>
             <a:ext cx="765044" cy="377642"/>
           </a:xfrm>
           <a:prstGeom prst="rect">
@@ -8111,7 +8834,7 @@
         <p:cNvPr id="1" name="">
           <a:extLst>
             <a:ext uri="{FF2B5EF4-FFF2-40B4-BE49-F238E27FC236}">
-              <a16:creationId xmlns:a16="http://schemas.microsoft.com/office/drawing/2014/main" id="{4AB6C4A4-F79C-B487-C823-0A8CCA67FD75}"/>
+              <a16:creationId xmlns:a16="http://schemas.microsoft.com/office/drawing/2014/main" id="{B05A8FDF-0B77-2FD0-046B-062AFF5398A7}"/>
             </a:ext>
           </a:extLst>
         </p:cNvPr>
@@ -8131,7 +8854,7 @@
           <p:cNvPr id="2" name="Title 1">
             <a:extLst>
               <a:ext uri="{FF2B5EF4-FFF2-40B4-BE49-F238E27FC236}">
-                <a16:creationId xmlns:a16="http://schemas.microsoft.com/office/drawing/2014/main" id="{0D08A8C4-385A-E68E-7E1E-874AE81A2930}"/>
+                <a16:creationId xmlns:a16="http://schemas.microsoft.com/office/drawing/2014/main" id="{588B84CB-EF36-0327-E99B-F242C54D1C7A}"/>
               </a:ext>
             </a:extLst>
           </p:cNvPr>
@@ -8149,7 +8872,7 @@
           <a:p>
             <a:r>
               <a:rPr lang="en-US" dirty="0"/>
-              <a:t>The life of a task: Merge Conflicts</a:t>
+              <a:t>The life of a task: Merge conflict</a:t>
             </a:r>
           </a:p>
         </p:txBody>
@@ -8159,7 +8882,7 @@
           <p:cNvPr id="3" name="Content Placeholder 2">
             <a:extLst>
               <a:ext uri="{FF2B5EF4-FFF2-40B4-BE49-F238E27FC236}">
-                <a16:creationId xmlns:a16="http://schemas.microsoft.com/office/drawing/2014/main" id="{2FF67E81-4471-75CA-70E9-ADF3D8384DB8}"/>
+                <a16:creationId xmlns:a16="http://schemas.microsoft.com/office/drawing/2014/main" id="{6B7CCEDB-58AE-B3FD-560D-992DC9E50DE6}"/>
               </a:ext>
             </a:extLst>
           </p:cNvPr>
@@ -8178,9 +8901,54 @@
         </p:spPr>
         <p:txBody>
           <a:bodyPr>
-            <a:normAutofit/>
+            <a:normAutofit fontScale="77500" lnSpcReduction="20000"/>
           </a:bodyPr>
           <a:lstStyle/>
+          <a:p>
+            <a:pPr marL="0" indent="0">
+              <a:buNone/>
+            </a:pPr>
+            <a:r>
+              <a:rPr lang="en-US" sz="2000" dirty="0">
+                <a:latin typeface="Andale Mono" panose="020B0509000000000004" pitchFamily="49" charset="0"/>
+              </a:rPr>
+              <a:t># [1] Start from </a:t>
+            </a:r>
+            <a:r>
+              <a:rPr lang="en-US" sz="2000" dirty="0" err="1">
+                <a:latin typeface="Andale Mono" panose="020B0509000000000004" pitchFamily="49" charset="0"/>
+              </a:rPr>
+              <a:t>poroelastic</a:t>
+            </a:r>
+            <a:r>
+              <a:rPr lang="en-US" sz="2000" dirty="0">
+                <a:latin typeface="Andale Mono" panose="020B0509000000000004" pitchFamily="49" charset="0"/>
+              </a:rPr>
+              <a:t> branch and create new</a:t>
+            </a:r>
+          </a:p>
+          <a:p>
+            <a:pPr marL="0" indent="0">
+              <a:buNone/>
+            </a:pPr>
+            <a:r>
+              <a:rPr lang="en-US" sz="2000" dirty="0">
+                <a:latin typeface="Andale Mono" panose="020B0509000000000004" pitchFamily="49" charset="0"/>
+              </a:rPr>
+              <a:t>#     branch</a:t>
+            </a:r>
+          </a:p>
+          <a:p>
+            <a:pPr marL="0" indent="0">
+              <a:buNone/>
+            </a:pPr>
+            <a:r>
+              <a:rPr lang="en-US" sz="2000" dirty="0">
+                <a:latin typeface="Andale Mono" panose="020B0509000000000004" pitchFamily="49" charset="0"/>
+              </a:rPr>
+              <a:t>git checkout –b PE-617</a:t>
+            </a:r>
+          </a:p>
           <a:p>
             <a:pPr marL="0" indent="0">
               <a:buNone/>
@@ -8189,6 +8957,143 @@
               <a:latin typeface="Andale Mono" panose="020B0509000000000004" pitchFamily="49" charset="0"/>
             </a:endParaRPr>
           </a:p>
+          <a:p>
+            <a:pPr marL="0" indent="0">
+              <a:buNone/>
+            </a:pPr>
+            <a:r>
+              <a:rPr lang="en-US" sz="2000" dirty="0">
+                <a:latin typeface="Andale Mono" panose="020B0509000000000004" pitchFamily="49" charset="0"/>
+              </a:rPr>
+              <a:t># [2.1] Do edits on files</a:t>
+            </a:r>
+          </a:p>
+          <a:p>
+            <a:pPr marL="0" indent="0">
+              <a:buNone/>
+            </a:pPr>
+            <a:endParaRPr lang="en-US" sz="2000" dirty="0">
+              <a:latin typeface="Andale Mono" panose="020B0509000000000004" pitchFamily="49" charset="0"/>
+            </a:endParaRPr>
+          </a:p>
+          <a:p>
+            <a:pPr marL="0" indent="0">
+              <a:buNone/>
+            </a:pPr>
+            <a:r>
+              <a:rPr lang="en-US" sz="2000" dirty="0">
+                <a:latin typeface="Andale Mono" panose="020B0509000000000004" pitchFamily="49" charset="0"/>
+              </a:rPr>
+              <a:t># [2.2] Add the new files to be tracked</a:t>
+            </a:r>
+          </a:p>
+          <a:p>
+            <a:pPr marL="0" indent="0">
+              <a:buNone/>
+            </a:pPr>
+            <a:r>
+              <a:rPr lang="en-US" sz="2000" dirty="0">
+                <a:latin typeface="Andale Mono" panose="020B0509000000000004" pitchFamily="49" charset="0"/>
+              </a:rPr>
+              <a:t>git add &lt;new file &gt;</a:t>
+            </a:r>
+          </a:p>
+          <a:p>
+            <a:pPr marL="0" indent="0">
+              <a:buNone/>
+            </a:pPr>
+            <a:endParaRPr lang="en-US" sz="2000" dirty="0">
+              <a:latin typeface="Andale Mono" panose="020B0509000000000004" pitchFamily="49" charset="0"/>
+            </a:endParaRPr>
+          </a:p>
+          <a:p>
+            <a:pPr marL="0" indent="0">
+              <a:buNone/>
+            </a:pPr>
+            <a:r>
+              <a:rPr lang="en-US" sz="2000" dirty="0">
+                <a:solidFill>
+                  <a:schemeClr val="bg1">
+                    <a:lumMod val="50000"/>
+                  </a:schemeClr>
+                </a:solidFill>
+                <a:latin typeface="Andale Mono" panose="020B0509000000000004" pitchFamily="49" charset="0"/>
+              </a:rPr>
+              <a:t># [3] Sync fork again to get updates</a:t>
+            </a:r>
+          </a:p>
+          <a:p>
+            <a:pPr marL="0" indent="0">
+              <a:buNone/>
+            </a:pPr>
+            <a:endParaRPr lang="en-US" sz="2000" dirty="0">
+              <a:latin typeface="Andale Mono" panose="020B0509000000000004" pitchFamily="49" charset="0"/>
+            </a:endParaRPr>
+          </a:p>
+          <a:p>
+            <a:pPr marL="0" indent="0">
+              <a:buNone/>
+            </a:pPr>
+            <a:r>
+              <a:rPr lang="en-US" sz="2000" dirty="0">
+                <a:latin typeface="Andale Mono" panose="020B0509000000000004" pitchFamily="49" charset="0"/>
+              </a:rPr>
+              <a:t># [4] Push your updates to your fork on </a:t>
+            </a:r>
+            <a:r>
+              <a:rPr lang="en-US" sz="2000" dirty="0" err="1">
+                <a:latin typeface="Andale Mono" panose="020B0509000000000004" pitchFamily="49" charset="0"/>
+              </a:rPr>
+              <a:t>Github</a:t>
+            </a:r>
+            <a:r>
+              <a:rPr lang="en-US" sz="2000" dirty="0">
+                <a:latin typeface="Andale Mono" panose="020B0509000000000004" pitchFamily="49" charset="0"/>
+              </a:rPr>
+              <a:t> </a:t>
+            </a:r>
+          </a:p>
+          <a:p>
+            <a:pPr marL="0" indent="0">
+              <a:buNone/>
+            </a:pPr>
+            <a:r>
+              <a:rPr lang="en-US" sz="2000" dirty="0">
+                <a:latin typeface="Andale Mono" panose="020B0509000000000004" pitchFamily="49" charset="0"/>
+              </a:rPr>
+              <a:t>git push origin PE-19</a:t>
+            </a:r>
+          </a:p>
+          <a:p>
+            <a:pPr marL="0" indent="0">
+              <a:buNone/>
+            </a:pPr>
+            <a:endParaRPr lang="en-US" sz="2000" dirty="0">
+              <a:latin typeface="Andale Mono" panose="020B0509000000000004" pitchFamily="49" charset="0"/>
+            </a:endParaRPr>
+          </a:p>
+          <a:p>
+            <a:pPr marL="0" indent="0">
+              <a:buNone/>
+            </a:pPr>
+            <a:r>
+              <a:rPr lang="en-US" sz="2000" dirty="0">
+                <a:latin typeface="Andale Mono" panose="020B0509000000000004" pitchFamily="49" charset="0"/>
+              </a:rPr>
+              <a:t># [5] Create pull request from your branch issue-19 </a:t>
+            </a:r>
+          </a:p>
+          <a:p>
+            <a:pPr marL="0" indent="0">
+              <a:buNone/>
+            </a:pPr>
+            <a:r>
+              <a:rPr lang="en-US" sz="2000" dirty="0">
+                <a:latin typeface="Andale Mono" panose="020B0509000000000004" pitchFamily="49" charset="0"/>
+              </a:rPr>
+              <a:t>#     to the PM branch in the SPECFEMPP repo</a:t>
+            </a:r>
+          </a:p>
         </p:txBody>
       </p:sp>
       <p:cxnSp>
@@ -8196,7 +9101,7 @@
           <p:cNvPr id="4" name="Straight Arrow Connector 3">
             <a:extLst>
               <a:ext uri="{FF2B5EF4-FFF2-40B4-BE49-F238E27FC236}">
-                <a16:creationId xmlns:a16="http://schemas.microsoft.com/office/drawing/2014/main" id="{DA0E7510-3D95-26BA-166E-E5DD4C6D1E24}"/>
+                <a16:creationId xmlns:a16="http://schemas.microsoft.com/office/drawing/2014/main" id="{8CC3FA9A-2E02-0A7D-E007-F556A722B46C}"/>
               </a:ext>
             </a:extLst>
           </p:cNvPr>
@@ -8208,7 +9113,7 @@
         <p:spPr>
           <a:xfrm flipV="1">
             <a:off x="8734552" y="524933"/>
-            <a:ext cx="0" cy="4966272"/>
+            <a:ext cx="0" cy="5967942"/>
           </a:xfrm>
           <a:prstGeom prst="straightConnector1">
             <a:avLst/>
@@ -8239,12 +9144,137 @@
           </a:fontRef>
         </p:style>
       </p:cxnSp>
+      <p:grpSp>
+        <p:nvGrpSpPr>
+          <p:cNvPr id="7" name="Group 6">
+            <a:extLst>
+              <a:ext uri="{FF2B5EF4-FFF2-40B4-BE49-F238E27FC236}">
+                <a16:creationId xmlns:a16="http://schemas.microsoft.com/office/drawing/2014/main" id="{54324C8C-DC32-E4BC-B6C1-C3BF0B148991}"/>
+              </a:ext>
+            </a:extLst>
+          </p:cNvPr>
+          <p:cNvGrpSpPr/>
+          <p:nvPr/>
+        </p:nvGrpSpPr>
+        <p:grpSpPr>
+          <a:xfrm flipH="1">
+            <a:off x="8734552" y="3093742"/>
+            <a:ext cx="2085834" cy="2327816"/>
+            <a:chOff x="2584702" y="2724912"/>
+            <a:chExt cx="3383276" cy="2327816"/>
+          </a:xfrm>
+        </p:grpSpPr>
+        <p:sp>
+          <p:nvSpPr>
+            <p:cNvPr id="8" name="Arc 7">
+              <a:extLst>
+                <a:ext uri="{FF2B5EF4-FFF2-40B4-BE49-F238E27FC236}">
+                  <a16:creationId xmlns:a16="http://schemas.microsoft.com/office/drawing/2014/main" id="{CD6B9742-33C6-81D5-E4EB-60600AEEBBA4}"/>
+                </a:ext>
+              </a:extLst>
+            </p:cNvPr>
+            <p:cNvSpPr/>
+            <p:nvPr/>
+          </p:nvSpPr>
+          <p:spPr>
+            <a:xfrm rot="10800000">
+              <a:off x="2584703" y="2724912"/>
+              <a:ext cx="3383275" cy="1163908"/>
+            </a:xfrm>
+            <a:prstGeom prst="arc">
+              <a:avLst/>
+            </a:prstGeom>
+            <a:ln w="63500">
+              <a:solidFill>
+                <a:schemeClr val="tx2">
+                  <a:lumMod val="50000"/>
+                  <a:lumOff val="50000"/>
+                </a:schemeClr>
+              </a:solidFill>
+            </a:ln>
+          </p:spPr>
+          <p:style>
+            <a:lnRef idx="1">
+              <a:schemeClr val="accent6"/>
+            </a:lnRef>
+            <a:fillRef idx="0">
+              <a:schemeClr val="accent6"/>
+            </a:fillRef>
+            <a:effectRef idx="0">
+              <a:schemeClr val="accent6"/>
+            </a:effectRef>
+            <a:fontRef idx="minor">
+              <a:schemeClr val="tx1"/>
+            </a:fontRef>
+          </p:style>
+          <p:txBody>
+            <a:bodyPr rtlCol="0" anchor="ctr"/>
+            <a:lstStyle/>
+            <a:p>
+              <a:pPr algn="ctr"/>
+              <a:endParaRPr lang="en-US"/>
+            </a:p>
+          </p:txBody>
+        </p:sp>
+        <p:sp>
+          <p:nvSpPr>
+            <p:cNvPr id="9" name="Arc 8">
+              <a:extLst>
+                <a:ext uri="{FF2B5EF4-FFF2-40B4-BE49-F238E27FC236}">
+                  <a16:creationId xmlns:a16="http://schemas.microsoft.com/office/drawing/2014/main" id="{DED40AF7-F6F6-24FD-50D8-7D9A91CB7823}"/>
+                </a:ext>
+              </a:extLst>
+            </p:cNvPr>
+            <p:cNvSpPr/>
+            <p:nvPr/>
+          </p:nvSpPr>
+          <p:spPr>
+            <a:xfrm rot="10800000" flipH="1" flipV="1">
+              <a:off x="2584702" y="3888820"/>
+              <a:ext cx="3383275" cy="1163908"/>
+            </a:xfrm>
+            <a:prstGeom prst="arc">
+              <a:avLst/>
+            </a:prstGeom>
+            <a:ln w="63500">
+              <a:solidFill>
+                <a:schemeClr val="tx2">
+                  <a:lumMod val="50000"/>
+                  <a:lumOff val="50000"/>
+                </a:schemeClr>
+              </a:solidFill>
+            </a:ln>
+          </p:spPr>
+          <p:style>
+            <a:lnRef idx="1">
+              <a:schemeClr val="accent6"/>
+            </a:lnRef>
+            <a:fillRef idx="0">
+              <a:schemeClr val="accent6"/>
+            </a:fillRef>
+            <a:effectRef idx="0">
+              <a:schemeClr val="accent6"/>
+            </a:effectRef>
+            <a:fontRef idx="minor">
+              <a:schemeClr val="tx1"/>
+            </a:fontRef>
+          </p:style>
+          <p:txBody>
+            <a:bodyPr rtlCol="0" anchor="ctr"/>
+            <a:lstStyle/>
+            <a:p>
+              <a:pPr algn="ctr"/>
+              <a:endParaRPr lang="en-US"/>
+            </a:p>
+          </p:txBody>
+        </p:sp>
+      </p:grpSp>
       <p:sp>
         <p:nvSpPr>
           <p:cNvPr id="10" name="TextBox 9">
             <a:extLst>
               <a:ext uri="{FF2B5EF4-FFF2-40B4-BE49-F238E27FC236}">
-                <a16:creationId xmlns:a16="http://schemas.microsoft.com/office/drawing/2014/main" id="{7C392146-4068-4D95-57C4-0C56CCB388F8}"/>
+                <a16:creationId xmlns:a16="http://schemas.microsoft.com/office/drawing/2014/main" id="{8598029B-3362-4D12-A2F1-3CC1E169A390}"/>
               </a:ext>
             </a:extLst>
           </p:cNvPr>
@@ -8274,12 +9304,61 @@
           </a:p>
         </p:txBody>
       </p:sp>
+      <p:cxnSp>
+        <p:nvCxnSpPr>
+          <p:cNvPr id="11" name="Straight Arrow Connector 10">
+            <a:extLst>
+              <a:ext uri="{FF2B5EF4-FFF2-40B4-BE49-F238E27FC236}">
+                <a16:creationId xmlns:a16="http://schemas.microsoft.com/office/drawing/2014/main" id="{BEEED875-361B-7E36-2CAE-FAA4235763B5}"/>
+              </a:ext>
+            </a:extLst>
+          </p:cNvPr>
+          <p:cNvCxnSpPr>
+            <a:cxnSpLocks/>
+            <a:endCxn id="17" idx="2"/>
+          </p:cNvCxnSpPr>
+          <p:nvPr/>
+        </p:nvCxnSpPr>
+        <p:spPr>
+          <a:xfrm flipH="1" flipV="1">
+            <a:off x="10820384" y="2375932"/>
+            <a:ext cx="1" cy="1299763"/>
+          </a:xfrm>
+          <a:prstGeom prst="straightConnector1">
+            <a:avLst/>
+          </a:prstGeom>
+          <a:ln w="63500">
+            <a:solidFill>
+              <a:schemeClr val="tx2">
+                <a:lumMod val="50000"/>
+                <a:lumOff val="50000"/>
+              </a:schemeClr>
+            </a:solidFill>
+            <a:headEnd w="lg" len="lg"/>
+            <a:tailEnd type="none" w="lg" len="lg"/>
+          </a:ln>
+        </p:spPr>
+        <p:style>
+          <a:lnRef idx="2">
+            <a:schemeClr val="accent1"/>
+          </a:lnRef>
+          <a:fillRef idx="0">
+            <a:schemeClr val="accent1"/>
+          </a:fillRef>
+          <a:effectRef idx="1">
+            <a:schemeClr val="accent1"/>
+          </a:effectRef>
+          <a:fontRef idx="minor">
+            <a:schemeClr val="tx1"/>
+          </a:fontRef>
+        </p:style>
+      </p:cxnSp>
       <p:sp>
         <p:nvSpPr>
           <p:cNvPr id="15" name="TextBox 14">
             <a:extLst>
               <a:ext uri="{FF2B5EF4-FFF2-40B4-BE49-F238E27FC236}">
-                <a16:creationId xmlns:a16="http://schemas.microsoft.com/office/drawing/2014/main" id="{3DC0F273-CFCF-EBF0-6697-B39A09DAA418}"/>
+                <a16:creationId xmlns:a16="http://schemas.microsoft.com/office/drawing/2014/main" id="{C068D873-A3E1-F590-775F-63F5A047047A}"/>
               </a:ext>
             </a:extLst>
           </p:cNvPr>
@@ -8305,17 +9384,17 @@
             <a:pPr algn="ctr"/>
             <a:r>
               <a:rPr lang="en-US" dirty="0"/>
-              <a:t>PE-19</a:t>
+              <a:t>PE-617</a:t>
             </a:r>
           </a:p>
         </p:txBody>
       </p:sp>
       <p:grpSp>
         <p:nvGrpSpPr>
-          <p:cNvPr id="5" name="Group 4">
-            <a:extLst>
-              <a:ext uri="{FF2B5EF4-FFF2-40B4-BE49-F238E27FC236}">
-                <a16:creationId xmlns:a16="http://schemas.microsoft.com/office/drawing/2014/main" id="{A3EC6E81-7C12-7C4A-B306-869BD6689482}"/>
+          <p:cNvPr id="16" name="Group 15">
+            <a:extLst>
+              <a:ext uri="{FF2B5EF4-FFF2-40B4-BE49-F238E27FC236}">
+                <a16:creationId xmlns:a16="http://schemas.microsoft.com/office/drawing/2014/main" id="{EA6012CD-0919-A008-6057-F82D3D4ABE68}"/>
               </a:ext>
             </a:extLst>
           </p:cNvPr>
@@ -8323,159 +9402,31 @@
           <p:nvPr/>
         </p:nvGrpSpPr>
         <p:grpSpPr>
-          <a:xfrm>
+          <a:xfrm flipH="1" flipV="1">
             <a:off x="8734551" y="630070"/>
-            <a:ext cx="2085835" cy="4791488"/>
-            <a:chOff x="8734551" y="630070"/>
-            <a:chExt cx="2085835" cy="4791488"/>
+            <a:ext cx="2085834" cy="2327816"/>
+            <a:chOff x="2584702" y="2724912"/>
+            <a:chExt cx="3383276" cy="2327816"/>
           </a:xfrm>
         </p:grpSpPr>
-        <p:grpSp>
-          <p:nvGrpSpPr>
-            <p:cNvPr id="7" name="Group 6">
+        <p:sp>
+          <p:nvSpPr>
+            <p:cNvPr id="17" name="Arc 16">
               <a:extLst>
                 <a:ext uri="{FF2B5EF4-FFF2-40B4-BE49-F238E27FC236}">
-                  <a16:creationId xmlns:a16="http://schemas.microsoft.com/office/drawing/2014/main" id="{7CDF910E-352F-4023-7FE4-837DE510F63A}"/>
+                  <a16:creationId xmlns:a16="http://schemas.microsoft.com/office/drawing/2014/main" id="{DC53148D-A514-AEEA-7F44-DB3D9629D9EE}"/>
                 </a:ext>
               </a:extLst>
             </p:cNvPr>
-            <p:cNvGrpSpPr/>
+            <p:cNvSpPr/>
             <p:nvPr/>
-          </p:nvGrpSpPr>
-          <p:grpSpPr>
-            <a:xfrm flipH="1">
-              <a:off x="8734552" y="3093742"/>
-              <a:ext cx="2085834" cy="2327816"/>
-              <a:chOff x="2584702" y="2724912"/>
-              <a:chExt cx="3383276" cy="2327816"/>
+          </p:nvSpPr>
+          <p:spPr>
+            <a:xfrm rot="10800000">
+              <a:off x="2584703" y="2724912"/>
+              <a:ext cx="3383275" cy="1163908"/>
             </a:xfrm>
-          </p:grpSpPr>
-          <p:sp>
-            <p:nvSpPr>
-              <p:cNvPr id="8" name="Arc 7">
-                <a:extLst>
-                  <a:ext uri="{FF2B5EF4-FFF2-40B4-BE49-F238E27FC236}">
-                    <a16:creationId xmlns:a16="http://schemas.microsoft.com/office/drawing/2014/main" id="{4710B9B3-1B8A-56DF-9B61-6ACE5FF4F0B6}"/>
-                  </a:ext>
-                </a:extLst>
-              </p:cNvPr>
-              <p:cNvSpPr/>
-              <p:nvPr/>
-            </p:nvSpPr>
-            <p:spPr>
-              <a:xfrm rot="10800000">
-                <a:off x="2584703" y="2724912"/>
-                <a:ext cx="3383275" cy="1163908"/>
-              </a:xfrm>
-              <a:prstGeom prst="arc">
-                <a:avLst/>
-              </a:prstGeom>
-              <a:ln w="63500">
-                <a:solidFill>
-                  <a:schemeClr val="tx2">
-                    <a:lumMod val="50000"/>
-                    <a:lumOff val="50000"/>
-                  </a:schemeClr>
-                </a:solidFill>
-              </a:ln>
-            </p:spPr>
-            <p:style>
-              <a:lnRef idx="1">
-                <a:schemeClr val="accent6"/>
-              </a:lnRef>
-              <a:fillRef idx="0">
-                <a:schemeClr val="accent6"/>
-              </a:fillRef>
-              <a:effectRef idx="0">
-                <a:schemeClr val="accent6"/>
-              </a:effectRef>
-              <a:fontRef idx="minor">
-                <a:schemeClr val="tx1"/>
-              </a:fontRef>
-            </p:style>
-            <p:txBody>
-              <a:bodyPr rtlCol="0" anchor="ctr"/>
-              <a:lstStyle/>
-              <a:p>
-                <a:pPr algn="ctr"/>
-                <a:endParaRPr lang="en-US"/>
-              </a:p>
-            </p:txBody>
-          </p:sp>
-          <p:sp>
-            <p:nvSpPr>
-              <p:cNvPr id="9" name="Arc 8">
-                <a:extLst>
-                  <a:ext uri="{FF2B5EF4-FFF2-40B4-BE49-F238E27FC236}">
-                    <a16:creationId xmlns:a16="http://schemas.microsoft.com/office/drawing/2014/main" id="{9F31323F-23E2-CFDA-A32B-7C95B7BA0B56}"/>
-                  </a:ext>
-                </a:extLst>
-              </p:cNvPr>
-              <p:cNvSpPr/>
-              <p:nvPr/>
-            </p:nvSpPr>
-            <p:spPr>
-              <a:xfrm rot="10800000" flipH="1" flipV="1">
-                <a:off x="2584702" y="3888820"/>
-                <a:ext cx="3383275" cy="1163908"/>
-              </a:xfrm>
-              <a:prstGeom prst="arc">
-                <a:avLst/>
-              </a:prstGeom>
-              <a:ln w="63500">
-                <a:solidFill>
-                  <a:schemeClr val="tx2">
-                    <a:lumMod val="50000"/>
-                    <a:lumOff val="50000"/>
-                  </a:schemeClr>
-                </a:solidFill>
-              </a:ln>
-            </p:spPr>
-            <p:style>
-              <a:lnRef idx="1">
-                <a:schemeClr val="accent6"/>
-              </a:lnRef>
-              <a:fillRef idx="0">
-                <a:schemeClr val="accent6"/>
-              </a:fillRef>
-              <a:effectRef idx="0">
-                <a:schemeClr val="accent6"/>
-              </a:effectRef>
-              <a:fontRef idx="minor">
-                <a:schemeClr val="tx1"/>
-              </a:fontRef>
-            </p:style>
-            <p:txBody>
-              <a:bodyPr rtlCol="0" anchor="ctr"/>
-              <a:lstStyle/>
-              <a:p>
-                <a:pPr algn="ctr"/>
-                <a:endParaRPr lang="en-US"/>
-              </a:p>
-            </p:txBody>
-          </p:sp>
-        </p:grpSp>
-        <p:cxnSp>
-          <p:nvCxnSpPr>
-            <p:cNvPr id="11" name="Straight Arrow Connector 10">
-              <a:extLst>
-                <a:ext uri="{FF2B5EF4-FFF2-40B4-BE49-F238E27FC236}">
-                  <a16:creationId xmlns:a16="http://schemas.microsoft.com/office/drawing/2014/main" id="{9C128FAD-1109-564D-B1E2-EDDF52D091EE}"/>
-                </a:ext>
-              </a:extLst>
-            </p:cNvPr>
-            <p:cNvCxnSpPr>
-              <a:cxnSpLocks/>
-              <a:endCxn id="17" idx="2"/>
-            </p:cNvCxnSpPr>
-            <p:nvPr/>
-          </p:nvCxnSpPr>
-          <p:spPr>
-            <a:xfrm flipH="1" flipV="1">
-              <a:off x="10820384" y="2375932"/>
-              <a:ext cx="1" cy="1299763"/>
-            </a:xfrm>
-            <a:prstGeom prst="straightConnector1">
+            <a:prstGeom prst="arc">
               <a:avLst/>
             </a:prstGeom>
             <a:ln w="63500">
@@ -8485,157 +9436,90 @@
                   <a:lumOff val="50000"/>
                 </a:schemeClr>
               </a:solidFill>
-              <a:headEnd w="lg" len="lg"/>
-              <a:tailEnd type="none" w="lg" len="lg"/>
             </a:ln>
           </p:spPr>
           <p:style>
-            <a:lnRef idx="2">
-              <a:schemeClr val="accent1"/>
+            <a:lnRef idx="1">
+              <a:schemeClr val="accent6"/>
             </a:lnRef>
             <a:fillRef idx="0">
-              <a:schemeClr val="accent1"/>
+              <a:schemeClr val="accent6"/>
             </a:fillRef>
-            <a:effectRef idx="1">
-              <a:schemeClr val="accent1"/>
+            <a:effectRef idx="0">
+              <a:schemeClr val="accent6"/>
             </a:effectRef>
             <a:fontRef idx="minor">
               <a:schemeClr val="tx1"/>
             </a:fontRef>
           </p:style>
-        </p:cxnSp>
-        <p:grpSp>
-          <p:nvGrpSpPr>
-            <p:cNvPr id="16" name="Group 15">
+          <p:txBody>
+            <a:bodyPr rtlCol="0" anchor="ctr"/>
+            <a:lstStyle/>
+            <a:p>
+              <a:pPr algn="ctr"/>
+              <a:endParaRPr lang="en-US"/>
+            </a:p>
+          </p:txBody>
+        </p:sp>
+        <p:sp>
+          <p:nvSpPr>
+            <p:cNvPr id="18" name="Arc 17">
               <a:extLst>
                 <a:ext uri="{FF2B5EF4-FFF2-40B4-BE49-F238E27FC236}">
-                  <a16:creationId xmlns:a16="http://schemas.microsoft.com/office/drawing/2014/main" id="{4A10A040-DF01-CB05-3DD7-091BEC2A25B9}"/>
+                  <a16:creationId xmlns:a16="http://schemas.microsoft.com/office/drawing/2014/main" id="{7E69C77A-1204-1125-E406-D2300CE17207}"/>
                 </a:ext>
               </a:extLst>
             </p:cNvPr>
-            <p:cNvGrpSpPr/>
+            <p:cNvSpPr/>
             <p:nvPr/>
-          </p:nvGrpSpPr>
-          <p:grpSpPr>
-            <a:xfrm flipH="1" flipV="1">
-              <a:off x="8734551" y="630070"/>
-              <a:ext cx="2085834" cy="2327816"/>
-              <a:chOff x="2584702" y="2724912"/>
-              <a:chExt cx="3383276" cy="2327816"/>
+          </p:nvSpPr>
+          <p:spPr>
+            <a:xfrm rot="10800000" flipH="1" flipV="1">
+              <a:off x="2584702" y="3888820"/>
+              <a:ext cx="3383275" cy="1163908"/>
             </a:xfrm>
-          </p:grpSpPr>
-          <p:sp>
-            <p:nvSpPr>
-              <p:cNvPr id="17" name="Arc 16">
-                <a:extLst>
-                  <a:ext uri="{FF2B5EF4-FFF2-40B4-BE49-F238E27FC236}">
-                    <a16:creationId xmlns:a16="http://schemas.microsoft.com/office/drawing/2014/main" id="{01F682E7-49E4-E744-1910-6411478A86EB}"/>
-                  </a:ext>
-                </a:extLst>
-              </p:cNvPr>
-              <p:cNvSpPr/>
-              <p:nvPr/>
-            </p:nvSpPr>
-            <p:spPr>
-              <a:xfrm rot="10800000">
-                <a:off x="2584703" y="2724912"/>
-                <a:ext cx="3383275" cy="1163908"/>
-              </a:xfrm>
-              <a:prstGeom prst="arc">
-                <a:avLst/>
-              </a:prstGeom>
-              <a:ln w="63500">
-                <a:solidFill>
-                  <a:schemeClr val="tx2">
-                    <a:lumMod val="50000"/>
-                    <a:lumOff val="50000"/>
-                  </a:schemeClr>
-                </a:solidFill>
-              </a:ln>
-            </p:spPr>
-            <p:style>
-              <a:lnRef idx="1">
-                <a:schemeClr val="accent6"/>
-              </a:lnRef>
-              <a:fillRef idx="0">
-                <a:schemeClr val="accent6"/>
-              </a:fillRef>
-              <a:effectRef idx="0">
-                <a:schemeClr val="accent6"/>
-              </a:effectRef>
-              <a:fontRef idx="minor">
-                <a:schemeClr val="tx1"/>
-              </a:fontRef>
-            </p:style>
-            <p:txBody>
-              <a:bodyPr rtlCol="0" anchor="ctr"/>
-              <a:lstStyle/>
-              <a:p>
-                <a:pPr algn="ctr"/>
-                <a:endParaRPr lang="en-US" dirty="0"/>
-              </a:p>
-            </p:txBody>
-          </p:sp>
-          <p:sp>
-            <p:nvSpPr>
-              <p:cNvPr id="18" name="Arc 17">
-                <a:extLst>
-                  <a:ext uri="{FF2B5EF4-FFF2-40B4-BE49-F238E27FC236}">
-                    <a16:creationId xmlns:a16="http://schemas.microsoft.com/office/drawing/2014/main" id="{A1A0202E-0126-D2F2-CAEB-BCAF1F6CD268}"/>
-                  </a:ext>
-                </a:extLst>
-              </p:cNvPr>
-              <p:cNvSpPr/>
-              <p:nvPr/>
-            </p:nvSpPr>
-            <p:spPr>
-              <a:xfrm rot="10800000" flipH="1" flipV="1">
-                <a:off x="2584702" y="3888820"/>
-                <a:ext cx="3383275" cy="1163908"/>
-              </a:xfrm>
-              <a:prstGeom prst="arc">
-                <a:avLst/>
-              </a:prstGeom>
-              <a:ln w="63500">
-                <a:solidFill>
-                  <a:schemeClr val="tx2">
-                    <a:lumMod val="50000"/>
-                    <a:lumOff val="50000"/>
-                  </a:schemeClr>
-                </a:solidFill>
-              </a:ln>
-            </p:spPr>
-            <p:style>
-              <a:lnRef idx="1">
-                <a:schemeClr val="accent6"/>
-              </a:lnRef>
-              <a:fillRef idx="0">
-                <a:schemeClr val="accent6"/>
-              </a:fillRef>
-              <a:effectRef idx="0">
-                <a:schemeClr val="accent6"/>
-              </a:effectRef>
-              <a:fontRef idx="minor">
-                <a:schemeClr val="tx1"/>
-              </a:fontRef>
-            </p:style>
-            <p:txBody>
-              <a:bodyPr rtlCol="0" anchor="ctr"/>
-              <a:lstStyle/>
-              <a:p>
-                <a:pPr algn="ctr"/>
-                <a:endParaRPr lang="en-US"/>
-              </a:p>
-            </p:txBody>
-          </p:sp>
-        </p:grpSp>
+            <a:prstGeom prst="arc">
+              <a:avLst/>
+            </a:prstGeom>
+            <a:ln w="63500">
+              <a:solidFill>
+                <a:schemeClr val="tx2">
+                  <a:lumMod val="50000"/>
+                  <a:lumOff val="50000"/>
+                </a:schemeClr>
+              </a:solidFill>
+            </a:ln>
+          </p:spPr>
+          <p:style>
+            <a:lnRef idx="1">
+              <a:schemeClr val="accent6"/>
+            </a:lnRef>
+            <a:fillRef idx="0">
+              <a:schemeClr val="accent6"/>
+            </a:fillRef>
+            <a:effectRef idx="0">
+              <a:schemeClr val="accent6"/>
+            </a:effectRef>
+            <a:fontRef idx="minor">
+              <a:schemeClr val="tx1"/>
+            </a:fontRef>
+          </p:style>
+          <p:txBody>
+            <a:bodyPr rtlCol="0" anchor="ctr"/>
+            <a:lstStyle/>
+            <a:p>
+              <a:pPr algn="ctr"/>
+              <a:endParaRPr lang="en-US"/>
+            </a:p>
+          </p:txBody>
+        </p:sp>
       </p:grpSp>
       <p:sp>
         <p:nvSpPr>
           <p:cNvPr id="23" name="TextBox 22">
             <a:extLst>
               <a:ext uri="{FF2B5EF4-FFF2-40B4-BE49-F238E27FC236}">
-                <a16:creationId xmlns:a16="http://schemas.microsoft.com/office/drawing/2014/main" id="{033AE49F-F0C0-56BB-D75D-E0093CBA6D5B}"/>
+                <a16:creationId xmlns:a16="http://schemas.microsoft.com/office/drawing/2014/main" id="{0B93D3CD-EFEA-C1E1-4BF9-E1FEBF2400F0}"/>
               </a:ext>
             </a:extLst>
           </p:cNvPr>
@@ -8671,7 +9555,7 @@
           <p:cNvPr id="25" name="TextBox 24">
             <a:extLst>
               <a:ext uri="{FF2B5EF4-FFF2-40B4-BE49-F238E27FC236}">
-                <a16:creationId xmlns:a16="http://schemas.microsoft.com/office/drawing/2014/main" id="{9F73B0E1-2A28-A5BE-0789-E3A2F99E2160}"/>
+                <a16:creationId xmlns:a16="http://schemas.microsoft.com/office/drawing/2014/main" id="{1A1CB71A-D895-F42C-F726-AA73BE19F9B8}"/>
               </a:ext>
             </a:extLst>
           </p:cNvPr>
@@ -8707,7 +9591,7 @@
           <p:cNvPr id="26" name="TextBox 25">
             <a:extLst>
               <a:ext uri="{FF2B5EF4-FFF2-40B4-BE49-F238E27FC236}">
-                <a16:creationId xmlns:a16="http://schemas.microsoft.com/office/drawing/2014/main" id="{159CF570-F2FA-1F23-C955-C98FE0D82347}"/>
+                <a16:creationId xmlns:a16="http://schemas.microsoft.com/office/drawing/2014/main" id="{0130BCB9-2B90-9807-A384-83750A58E542}"/>
               </a:ext>
             </a:extLst>
           </p:cNvPr>
@@ -8716,7 +9600,7 @@
         </p:nvSpPr>
         <p:spPr>
           <a:xfrm>
-            <a:off x="10715733" y="1819266"/>
+            <a:off x="10704566" y="2058924"/>
             <a:ext cx="765044" cy="377642"/>
           </a:xfrm>
           <a:prstGeom prst="rect">
@@ -8732,7 +9616,13 @@
           <a:p>
             <a:pPr algn="ctr"/>
             <a:r>
-              <a:rPr lang="en-US" dirty="0"/>
+              <a:rPr lang="en-US" dirty="0">
+                <a:solidFill>
+                  <a:schemeClr val="bg1">
+                    <a:lumMod val="50000"/>
+                  </a:schemeClr>
+                </a:solidFill>
+              </a:rPr>
               <a:t>[3]</a:t>
             </a:r>
           </a:p>
@@ -8743,7 +9633,7 @@
           <p:cNvPr id="27" name="TextBox 26">
             <a:extLst>
               <a:ext uri="{FF2B5EF4-FFF2-40B4-BE49-F238E27FC236}">
-                <a16:creationId xmlns:a16="http://schemas.microsoft.com/office/drawing/2014/main" id="{C83768B1-115C-D7F4-AC8A-0C9E6EA96C3C}"/>
+                <a16:creationId xmlns:a16="http://schemas.microsoft.com/office/drawing/2014/main" id="{F0C9F9EA-732C-BCB5-D769-B7A5D0B8A2A1}"/>
               </a:ext>
             </a:extLst>
           </p:cNvPr>
@@ -8752,7 +9642,7 @@
         </p:nvSpPr>
         <p:spPr>
           <a:xfrm>
-            <a:off x="9394946" y="1245119"/>
+            <a:off x="10704570" y="1797513"/>
             <a:ext cx="765044" cy="377642"/>
           </a:xfrm>
           <a:prstGeom prst="rect">
@@ -8776,10 +9666,10 @@
       </p:sp>
       <p:grpSp>
         <p:nvGrpSpPr>
-          <p:cNvPr id="12" name="Group 11">
-            <a:extLst>
-              <a:ext uri="{FF2B5EF4-FFF2-40B4-BE49-F238E27FC236}">
-                <a16:creationId xmlns:a16="http://schemas.microsoft.com/office/drawing/2014/main" id="{9D13B8C9-7A13-8506-FC1E-190EA4C27735}"/>
+          <p:cNvPr id="28" name="Group 27">
+            <a:extLst>
+              <a:ext uri="{FF2B5EF4-FFF2-40B4-BE49-F238E27FC236}">
+                <a16:creationId xmlns:a16="http://schemas.microsoft.com/office/drawing/2014/main" id="{CF14D6CC-A79A-B283-E27D-0A87690C8DE1}"/>
               </a:ext>
             </a:extLst>
           </p:cNvPr>
@@ -8796,10 +9686,10 @@
         </p:grpSpPr>
         <p:sp>
           <p:nvSpPr>
-            <p:cNvPr id="21" name="Arc 20">
+            <p:cNvPr id="29" name="Arc 28">
               <a:extLst>
                 <a:ext uri="{FF2B5EF4-FFF2-40B4-BE49-F238E27FC236}">
-                  <a16:creationId xmlns:a16="http://schemas.microsoft.com/office/drawing/2014/main" id="{0C6AEF5B-187C-C911-A117-F315C3884486}"/>
+                  <a16:creationId xmlns:a16="http://schemas.microsoft.com/office/drawing/2014/main" id="{57F1F570-CCEB-5F56-5F6E-7853D3010DEA}"/>
                 </a:ext>
               </a:extLst>
             </p:cNvPr>
@@ -8849,10 +9739,10 @@
         </p:sp>
         <p:sp>
           <p:nvSpPr>
-            <p:cNvPr id="22" name="Arc 21">
+            <p:cNvPr id="30" name="Arc 29">
               <a:extLst>
                 <a:ext uri="{FF2B5EF4-FFF2-40B4-BE49-F238E27FC236}">
-                  <a16:creationId xmlns:a16="http://schemas.microsoft.com/office/drawing/2014/main" id="{110C3648-8882-49FF-AB6F-596C234DC6B8}"/>
+                  <a16:creationId xmlns:a16="http://schemas.microsoft.com/office/drawing/2014/main" id="{ED475542-5F9B-0180-3F48-129490F0D4C4}"/>
                 </a:ext>
               </a:extLst>
             </p:cNvPr>
@@ -8903,16 +9793,16 @@
       </p:grpSp>
       <p:cxnSp>
         <p:nvCxnSpPr>
-          <p:cNvPr id="13" name="Straight Arrow Connector 12">
-            <a:extLst>
-              <a:ext uri="{FF2B5EF4-FFF2-40B4-BE49-F238E27FC236}">
-                <a16:creationId xmlns:a16="http://schemas.microsoft.com/office/drawing/2014/main" id="{C7527263-B649-D361-8793-8DBF9DB5AE36}"/>
+          <p:cNvPr id="31" name="Straight Arrow Connector 30">
+            <a:extLst>
+              <a:ext uri="{FF2B5EF4-FFF2-40B4-BE49-F238E27FC236}">
+                <a16:creationId xmlns:a16="http://schemas.microsoft.com/office/drawing/2014/main" id="{1BB0DFEA-6EA0-8537-E87B-5F9D27BDB70B}"/>
               </a:ext>
             </a:extLst>
           </p:cNvPr>
           <p:cNvCxnSpPr>
             <a:cxnSpLocks/>
-            <a:endCxn id="19" idx="2"/>
+            <a:endCxn id="33" idx="2"/>
           </p:cNvCxnSpPr>
           <p:nvPr/>
         </p:nvCxnSpPr>
@@ -8953,10 +9843,10 @@
       </p:cxnSp>
       <p:grpSp>
         <p:nvGrpSpPr>
-          <p:cNvPr id="14" name="Group 13">
-            <a:extLst>
-              <a:ext uri="{FF2B5EF4-FFF2-40B4-BE49-F238E27FC236}">
-                <a16:creationId xmlns:a16="http://schemas.microsoft.com/office/drawing/2014/main" id="{33ED1023-57A1-D2B8-3E51-0951CD76B4C9}"/>
+          <p:cNvPr id="32" name="Group 31">
+            <a:extLst>
+              <a:ext uri="{FF2B5EF4-FFF2-40B4-BE49-F238E27FC236}">
+                <a16:creationId xmlns:a16="http://schemas.microsoft.com/office/drawing/2014/main" id="{50B46148-1326-5BFC-348D-5D849F2EEE45}"/>
               </a:ext>
             </a:extLst>
           </p:cNvPr>
@@ -8973,10 +9863,10 @@
         </p:grpSpPr>
         <p:sp>
           <p:nvSpPr>
-            <p:cNvPr id="19" name="Arc 18">
+            <p:cNvPr id="33" name="Arc 32">
               <a:extLst>
                 <a:ext uri="{FF2B5EF4-FFF2-40B4-BE49-F238E27FC236}">
-                  <a16:creationId xmlns:a16="http://schemas.microsoft.com/office/drawing/2014/main" id="{AC45F630-42D5-EAA8-AAD3-9C8ACD141F6D}"/>
+                  <a16:creationId xmlns:a16="http://schemas.microsoft.com/office/drawing/2014/main" id="{D05F3B61-2F63-5F6F-ECAA-7DAEADF6DCAC}"/>
                 </a:ext>
               </a:extLst>
             </p:cNvPr>
@@ -9026,10 +9916,10 @@
         </p:sp>
         <p:sp>
           <p:nvSpPr>
-            <p:cNvPr id="20" name="Arc 19">
+            <p:cNvPr id="34" name="Arc 33">
               <a:extLst>
                 <a:ext uri="{FF2B5EF4-FFF2-40B4-BE49-F238E27FC236}">
-                  <a16:creationId xmlns:a16="http://schemas.microsoft.com/office/drawing/2014/main" id="{3BB73E88-BB87-5120-012E-046191B54835}"/>
+                  <a16:creationId xmlns:a16="http://schemas.microsoft.com/office/drawing/2014/main" id="{035A0EE1-B0D6-D0B8-10ED-24D1AB218D8B}"/>
                 </a:ext>
               </a:extLst>
             </p:cNvPr>
@@ -9078,10 +9968,132 @@
           </p:txBody>
         </p:sp>
       </p:grpSp>
+      <p:sp>
+        <p:nvSpPr>
+          <p:cNvPr id="35" name="TextBox 34">
+            <a:extLst>
+              <a:ext uri="{FF2B5EF4-FFF2-40B4-BE49-F238E27FC236}">
+                <a16:creationId xmlns:a16="http://schemas.microsoft.com/office/drawing/2014/main" id="{4F43707D-FC03-8DBF-F1F6-34E4C83A2C51}"/>
+              </a:ext>
+            </a:extLst>
+          </p:cNvPr>
+          <p:cNvSpPr txBox="1"/>
+          <p:nvPr/>
+        </p:nvSpPr>
+        <p:spPr>
+          <a:xfrm>
+            <a:off x="9499596" y="1308864"/>
+            <a:ext cx="765044" cy="377642"/>
+          </a:xfrm>
+          <a:prstGeom prst="rect">
+            <a:avLst/>
+          </a:prstGeom>
+          <a:noFill/>
+        </p:spPr>
+        <p:txBody>
+          <a:bodyPr wrap="square" rtlCol="0">
+            <a:spAutoFit/>
+          </a:bodyPr>
+          <a:lstStyle/>
+          <a:p>
+            <a:pPr algn="ctr"/>
+            <a:r>
+              <a:rPr lang="en-US" dirty="0"/>
+              <a:t>[5]</a:t>
+            </a:r>
+          </a:p>
+        </p:txBody>
+      </p:sp>
+      <p:cxnSp>
+        <p:nvCxnSpPr>
+          <p:cNvPr id="37" name="Curved Connector 36">
+            <a:extLst>
+              <a:ext uri="{FF2B5EF4-FFF2-40B4-BE49-F238E27FC236}">
+                <a16:creationId xmlns:a16="http://schemas.microsoft.com/office/drawing/2014/main" id="{25BF4355-3DB3-D163-E063-6D67AEA34D07}"/>
+              </a:ext>
+            </a:extLst>
+          </p:cNvPr>
+          <p:cNvCxnSpPr>
+            <a:cxnSpLocks/>
+            <a:stCxn id="26" idx="3"/>
+            <a:endCxn id="25" idx="3"/>
+          </p:cNvCxnSpPr>
+          <p:nvPr/>
+        </p:nvCxnSpPr>
+        <p:spPr>
+          <a:xfrm>
+            <a:off x="11469610" y="2247745"/>
+            <a:ext cx="11167" cy="749931"/>
+          </a:xfrm>
+          <a:prstGeom prst="curvedConnector3">
+            <a:avLst>
+              <a:gd name="adj1" fmla="val 2147103"/>
+            </a:avLst>
+          </a:prstGeom>
+          <a:ln>
+            <a:tailEnd type="triangle"/>
+          </a:ln>
+        </p:spPr>
+        <p:style>
+          <a:lnRef idx="2">
+            <a:schemeClr val="accent1"/>
+          </a:lnRef>
+          <a:fillRef idx="0">
+            <a:schemeClr val="accent1"/>
+          </a:fillRef>
+          <a:effectRef idx="1">
+            <a:schemeClr val="accent1"/>
+          </a:effectRef>
+          <a:fontRef idx="minor">
+            <a:schemeClr val="tx1"/>
+          </a:fontRef>
+        </p:style>
+      </p:cxnSp>
+      <p:sp>
+        <p:nvSpPr>
+          <p:cNvPr id="6" name="TextBox 5">
+            <a:extLst>
+              <a:ext uri="{FF2B5EF4-FFF2-40B4-BE49-F238E27FC236}">
+                <a16:creationId xmlns:a16="http://schemas.microsoft.com/office/drawing/2014/main" id="{1A36B7BA-D2EA-3782-6C4D-6DF1C34A6632}"/>
+              </a:ext>
+            </a:extLst>
+          </p:cNvPr>
+          <p:cNvSpPr txBox="1"/>
+          <p:nvPr/>
+        </p:nvSpPr>
+        <p:spPr>
+          <a:xfrm>
+            <a:off x="5924455" y="2339325"/>
+            <a:ext cx="1873396" cy="923330"/>
+          </a:xfrm>
+          <a:prstGeom prst="rect">
+            <a:avLst/>
+          </a:prstGeom>
+          <a:noFill/>
+        </p:spPr>
+        <p:txBody>
+          <a:bodyPr wrap="square" rtlCol="0">
+            <a:spAutoFit/>
+          </a:bodyPr>
+          <a:lstStyle/>
+          <a:p>
+            <a:r>
+              <a:rPr lang="en-US" dirty="0"/>
+              <a:t>Other work</a:t>
+            </a:r>
+          </a:p>
+          <a:p>
+            <a:r>
+              <a:rPr lang="en-US" dirty="0"/>
+              <a:t>already merged into PE</a:t>
+            </a:r>
+          </a:p>
+        </p:txBody>
+      </p:sp>
     </p:spTree>
     <p:extLst>
       <p:ext uri="{BB962C8B-B14F-4D97-AF65-F5344CB8AC3E}">
-        <p14:creationId xmlns:p14="http://schemas.microsoft.com/office/powerpoint/2010/main" val="3206052768"/>
+        <p14:creationId xmlns:p14="http://schemas.microsoft.com/office/powerpoint/2010/main" val="2269722922"/>
       </p:ext>
     </p:extLst>
   </p:cSld>
@@ -9099,7 +10111,7 @@
         <p:cNvPr id="1" name="">
           <a:extLst>
             <a:ext uri="{FF2B5EF4-FFF2-40B4-BE49-F238E27FC236}">
-              <a16:creationId xmlns:a16="http://schemas.microsoft.com/office/drawing/2014/main" id="{C39C1C61-C1D4-68AD-6974-1D2A70B35290}"/>
+              <a16:creationId xmlns:a16="http://schemas.microsoft.com/office/drawing/2014/main" id="{37AADB1D-E6CA-02CC-4BF6-656BBC46401E}"/>
             </a:ext>
           </a:extLst>
         </p:cNvPr>
@@ -9119,7 +10131,7 @@
           <p:cNvPr id="2" name="Title 1">
             <a:extLst>
               <a:ext uri="{FF2B5EF4-FFF2-40B4-BE49-F238E27FC236}">
-                <a16:creationId xmlns:a16="http://schemas.microsoft.com/office/drawing/2014/main" id="{96AB276A-7F46-0332-5CB4-DAF9FFE235FD}"/>
+                <a16:creationId xmlns:a16="http://schemas.microsoft.com/office/drawing/2014/main" id="{1D9507AC-CDA0-B6C2-7AD3-2A2D5C8ED4F7}"/>
               </a:ext>
             </a:extLst>
           </p:cNvPr>
@@ -9130,29 +10142,24 @@
             <p:ph type="title"/>
           </p:nvPr>
         </p:nvSpPr>
-        <p:spPr>
-          <a:xfrm>
-            <a:off x="838200" y="365125"/>
-            <a:ext cx="10515600" cy="1325563"/>
-          </a:xfrm>
-        </p:spPr>
+        <p:spPr/>
         <p:txBody>
           <a:bodyPr/>
           <a:lstStyle/>
           <a:p>
             <a:r>
               <a:rPr lang="en-US" dirty="0"/>
-              <a:t>Interlude 2: Sync your fork again prior to next task</a:t>
+              <a:t>The life of a task: Pull request</a:t>
             </a:r>
           </a:p>
         </p:txBody>
       </p:sp>
       <p:pic>
         <p:nvPicPr>
-          <p:cNvPr id="7" name="Content Placeholder 6" descr="A screenshot of a computer&#10;&#10;AI-generated content may be incorrect.">
-            <a:extLst>
-              <a:ext uri="{FF2B5EF4-FFF2-40B4-BE49-F238E27FC236}">
-                <a16:creationId xmlns:a16="http://schemas.microsoft.com/office/drawing/2014/main" id="{B4D69F96-99DB-1D54-BBE3-9DBDF5EF22A4}"/>
+          <p:cNvPr id="30" name="Content Placeholder 29" descr="A screenshot of a computer&#10;&#10;AI-generated content may be incorrect.">
+            <a:extLst>
+              <a:ext uri="{FF2B5EF4-FFF2-40B4-BE49-F238E27FC236}">
+                <a16:creationId xmlns:a16="http://schemas.microsoft.com/office/drawing/2014/main" id="{34953793-AD75-8567-2E9D-0328D187F726}"/>
               </a:ext>
             </a:extLst>
           </p:cNvPr>
@@ -9171,17 +10178,17 @@
         </p:blipFill>
         <p:spPr>
           <a:xfrm>
-            <a:off x="838200" y="1690688"/>
-            <a:ext cx="10515600" cy="3033784"/>
+            <a:off x="3079750" y="1702024"/>
+            <a:ext cx="6032500" cy="4305300"/>
           </a:xfrm>
         </p:spPr>
       </p:pic>
       <p:sp>
         <p:nvSpPr>
-          <p:cNvPr id="8" name="Rectangle 7">
-            <a:extLst>
-              <a:ext uri="{FF2B5EF4-FFF2-40B4-BE49-F238E27FC236}">
-                <a16:creationId xmlns:a16="http://schemas.microsoft.com/office/drawing/2014/main" id="{8353899D-CA34-5080-6833-01ECB47AB3EA}"/>
+          <p:cNvPr id="3" name="Rectangle 2">
+            <a:extLst>
+              <a:ext uri="{FF2B5EF4-FFF2-40B4-BE49-F238E27FC236}">
+                <a16:creationId xmlns:a16="http://schemas.microsoft.com/office/drawing/2014/main" id="{95897736-A4F9-6EB6-5537-33616E110E89}"/>
               </a:ext>
             </a:extLst>
           </p:cNvPr>
@@ -9190,8 +10197,8 @@
         </p:nvSpPr>
         <p:spPr>
           <a:xfrm>
-            <a:off x="2402237" y="3429000"/>
-            <a:ext cx="1379349" cy="771041"/>
+            <a:off x="7543800" y="2561830"/>
+            <a:ext cx="1447800" cy="445295"/>
           </a:xfrm>
           <a:prstGeom prst="rect">
             <a:avLst/>
@@ -9230,12 +10237,106 @@
           </a:p>
         </p:txBody>
       </p:sp>
-      <p:sp>
-        <p:nvSpPr>
-          <p:cNvPr id="10" name="Rectangle 9">
-            <a:extLst>
-              <a:ext uri="{FF2B5EF4-FFF2-40B4-BE49-F238E27FC236}">
-                <a16:creationId xmlns:a16="http://schemas.microsoft.com/office/drawing/2014/main" id="{73A2281B-D92B-EEDC-F553-BD6244C83553}"/>
+    </p:spTree>
+    <p:extLst>
+      <p:ext uri="{BB962C8B-B14F-4D97-AF65-F5344CB8AC3E}">
+        <p14:creationId xmlns:p14="http://schemas.microsoft.com/office/powerpoint/2010/main" val="626843983"/>
+      </p:ext>
+    </p:extLst>
+  </p:cSld>
+  <p:clrMapOvr>
+    <a:masterClrMapping/>
+  </p:clrMapOvr>
+</p:sld>
+</file>
+
+<file path=ppt/slides/slide16.xml><?xml version="1.0" encoding="utf-8"?>
+<p:sld xmlns:a="http://schemas.openxmlformats.org/drawingml/2006/main" xmlns:r="http://schemas.openxmlformats.org/officeDocument/2006/relationships" xmlns:p="http://schemas.openxmlformats.org/presentationml/2006/main">
+  <p:cSld>
+    <p:spTree>
+      <p:nvGrpSpPr>
+        <p:cNvPr id="1" name="">
+          <a:extLst>
+            <a:ext uri="{FF2B5EF4-FFF2-40B4-BE49-F238E27FC236}">
+              <a16:creationId xmlns:a16="http://schemas.microsoft.com/office/drawing/2014/main" id="{C253A516-9E8C-4F59-0629-0EEB4C82B54E}"/>
+            </a:ext>
+          </a:extLst>
+        </p:cNvPr>
+        <p:cNvGrpSpPr/>
+        <p:nvPr/>
+      </p:nvGrpSpPr>
+      <p:grpSpPr>
+        <a:xfrm>
+          <a:off x="0" y="0"/>
+          <a:ext cx="0" cy="0"/>
+          <a:chOff x="0" y="0"/>
+          <a:chExt cx="0" cy="0"/>
+        </a:xfrm>
+      </p:grpSpPr>
+      <p:sp>
+        <p:nvSpPr>
+          <p:cNvPr id="2" name="Title 1">
+            <a:extLst>
+              <a:ext uri="{FF2B5EF4-FFF2-40B4-BE49-F238E27FC236}">
+                <a16:creationId xmlns:a16="http://schemas.microsoft.com/office/drawing/2014/main" id="{ACA13E80-51F8-262B-10BC-134E86D07B8C}"/>
+              </a:ext>
+            </a:extLst>
+          </p:cNvPr>
+          <p:cNvSpPr>
+            <a:spLocks noGrp="1"/>
+          </p:cNvSpPr>
+          <p:nvPr>
+            <p:ph type="title"/>
+          </p:nvPr>
+        </p:nvSpPr>
+        <p:spPr/>
+        <p:txBody>
+          <a:bodyPr/>
+          <a:lstStyle/>
+          <a:p>
+            <a:r>
+              <a:rPr lang="en-US" dirty="0"/>
+              <a:t>The life of a task: Pull request</a:t>
+            </a:r>
+          </a:p>
+        </p:txBody>
+      </p:sp>
+      <p:pic>
+        <p:nvPicPr>
+          <p:cNvPr id="6" name="Picture 5" descr="A screenshot of a computer&#10;&#10;AI-generated content may be incorrect.">
+            <a:extLst>
+              <a:ext uri="{FF2B5EF4-FFF2-40B4-BE49-F238E27FC236}">
+                <a16:creationId xmlns:a16="http://schemas.microsoft.com/office/drawing/2014/main" id="{ADEF997D-DD7F-64A2-23E8-00D4129D55FF}"/>
+              </a:ext>
+            </a:extLst>
+          </p:cNvPr>
+          <p:cNvPicPr>
+            <a:picLocks noChangeAspect="1"/>
+          </p:cNvPicPr>
+          <p:nvPr/>
+        </p:nvPicPr>
+        <p:blipFill>
+          <a:blip r:embed="rId3"/>
+          <a:stretch>
+            <a:fillRect/>
+          </a:stretch>
+        </p:blipFill>
+        <p:spPr>
+          <a:xfrm>
+            <a:off x="1828801" y="1447800"/>
+            <a:ext cx="8534398" cy="4889910"/>
+          </a:xfrm>
+          <a:prstGeom prst="rect">
+            <a:avLst/>
+          </a:prstGeom>
+        </p:spPr>
+      </p:pic>
+      <p:sp>
+        <p:nvSpPr>
+          <p:cNvPr id="29" name="Rectangle 28">
+            <a:extLst>
+              <a:ext uri="{FF2B5EF4-FFF2-40B4-BE49-F238E27FC236}">
+                <a16:creationId xmlns:a16="http://schemas.microsoft.com/office/drawing/2014/main" id="{8CCA7F6E-2DA1-308D-8AD1-BB1508CF2A92}"/>
               </a:ext>
             </a:extLst>
           </p:cNvPr>
@@ -9244,8 +10345,8 @@
         </p:nvSpPr>
         <p:spPr>
           <a:xfrm>
-            <a:off x="9789763" y="3953431"/>
-            <a:ext cx="1564037" cy="771041"/>
+            <a:off x="2286000" y="2936474"/>
+            <a:ext cx="6172200" cy="340126"/>
           </a:xfrm>
           <a:prstGeom prst="rect">
             <a:avLst/>
@@ -9286,91 +10387,558 @@
       </p:sp>
       <p:sp>
         <p:nvSpPr>
-          <p:cNvPr id="11" name="TextBox 10">
-            <a:extLst>
-              <a:ext uri="{FF2B5EF4-FFF2-40B4-BE49-F238E27FC236}">
-                <a16:creationId xmlns:a16="http://schemas.microsoft.com/office/drawing/2014/main" id="{8191A199-1E99-21BD-DF64-26B8354F4AE8}"/>
-              </a:ext>
-            </a:extLst>
-          </p:cNvPr>
-          <p:cNvSpPr txBox="1"/>
+          <p:cNvPr id="31" name="Rectangle 30">
+            <a:extLst>
+              <a:ext uri="{FF2B5EF4-FFF2-40B4-BE49-F238E27FC236}">
+                <a16:creationId xmlns:a16="http://schemas.microsoft.com/office/drawing/2014/main" id="{13A55356-7D20-59C2-5148-5EE0E2D63849}"/>
+              </a:ext>
+            </a:extLst>
+          </p:cNvPr>
+          <p:cNvSpPr/>
           <p:nvPr/>
         </p:nvSpPr>
         <p:spPr>
           <a:xfrm>
-            <a:off x="838200" y="4363113"/>
-            <a:ext cx="765044" cy="377642"/>
+            <a:off x="2743200" y="4114800"/>
+            <a:ext cx="810492" cy="45719"/>
           </a:xfrm>
           <a:prstGeom prst="rect">
             <a:avLst/>
           </a:prstGeom>
           <a:noFill/>
-          <a:ln>
+          <a:ln w="63500">
             <a:solidFill>
-              <a:schemeClr val="tx1"/>
+              <a:schemeClr val="accent2">
+                <a:lumMod val="75000"/>
+              </a:schemeClr>
             </a:solidFill>
           </a:ln>
         </p:spPr>
-        <p:txBody>
-          <a:bodyPr wrap="square" rtlCol="0">
-            <a:spAutoFit/>
-          </a:bodyPr>
+        <p:style>
+          <a:lnRef idx="2">
+            <a:schemeClr val="accent1">
+              <a:shade val="15000"/>
+            </a:schemeClr>
+          </a:lnRef>
+          <a:fillRef idx="1">
+            <a:schemeClr val="accent1"/>
+          </a:fillRef>
+          <a:effectRef idx="0">
+            <a:schemeClr val="accent1"/>
+          </a:effectRef>
+          <a:fontRef idx="minor">
+            <a:schemeClr val="lt1"/>
+          </a:fontRef>
+        </p:style>
+        <p:txBody>
+          <a:bodyPr rtlCol="0" anchor="ctr"/>
           <a:lstStyle/>
           <a:p>
             <a:pPr algn="ctr"/>
+            <a:endParaRPr lang="en-US"/>
+          </a:p>
+        </p:txBody>
+      </p:sp>
+      <p:sp>
+        <p:nvSpPr>
+          <p:cNvPr id="32" name="Rectangle 31">
+            <a:extLst>
+              <a:ext uri="{FF2B5EF4-FFF2-40B4-BE49-F238E27FC236}">
+                <a16:creationId xmlns:a16="http://schemas.microsoft.com/office/drawing/2014/main" id="{86480A42-CD09-C252-3F5B-7812B743254B}"/>
+              </a:ext>
+            </a:extLst>
+          </p:cNvPr>
+          <p:cNvSpPr/>
+          <p:nvPr/>
+        </p:nvSpPr>
+        <p:spPr>
+          <a:xfrm>
+            <a:off x="3048000" y="6019800"/>
+            <a:ext cx="810492" cy="45719"/>
+          </a:xfrm>
+          <a:prstGeom prst="rect">
+            <a:avLst/>
+          </a:prstGeom>
+          <a:noFill/>
+          <a:ln w="63500">
+            <a:solidFill>
+              <a:schemeClr val="accent2">
+                <a:lumMod val="75000"/>
+              </a:schemeClr>
+            </a:solidFill>
+          </a:ln>
+        </p:spPr>
+        <p:style>
+          <a:lnRef idx="2">
+            <a:schemeClr val="accent1">
+              <a:shade val="15000"/>
+            </a:schemeClr>
+          </a:lnRef>
+          <a:fillRef idx="1">
+            <a:schemeClr val="accent1"/>
+          </a:fillRef>
+          <a:effectRef idx="0">
+            <a:schemeClr val="accent1"/>
+          </a:effectRef>
+          <a:fontRef idx="minor">
+            <a:schemeClr val="lt1"/>
+          </a:fontRef>
+        </p:style>
+        <p:txBody>
+          <a:bodyPr rtlCol="0" anchor="ctr"/>
+          <a:lstStyle/>
+          <a:p>
+            <a:pPr algn="ctr"/>
+            <a:endParaRPr lang="en-US"/>
+          </a:p>
+        </p:txBody>
+      </p:sp>
+      <p:sp>
+        <p:nvSpPr>
+          <p:cNvPr id="33" name="Rectangle 32">
+            <a:extLst>
+              <a:ext uri="{FF2B5EF4-FFF2-40B4-BE49-F238E27FC236}">
+                <a16:creationId xmlns:a16="http://schemas.microsoft.com/office/drawing/2014/main" id="{789BE393-7837-24B3-7173-32E369DD8B88}"/>
+              </a:ext>
+            </a:extLst>
+          </p:cNvPr>
+          <p:cNvSpPr/>
+          <p:nvPr/>
+        </p:nvSpPr>
+        <p:spPr>
+          <a:xfrm>
+            <a:off x="6745044" y="2479274"/>
+            <a:ext cx="1103555" cy="340126"/>
+          </a:xfrm>
+          <a:prstGeom prst="rect">
+            <a:avLst/>
+          </a:prstGeom>
+          <a:noFill/>
+          <a:ln w="63500">
+            <a:solidFill>
+              <a:schemeClr val="accent2">
+                <a:lumMod val="75000"/>
+              </a:schemeClr>
+            </a:solidFill>
+          </a:ln>
+        </p:spPr>
+        <p:style>
+          <a:lnRef idx="2">
+            <a:schemeClr val="accent1">
+              <a:shade val="15000"/>
+            </a:schemeClr>
+          </a:lnRef>
+          <a:fillRef idx="1">
+            <a:schemeClr val="accent1"/>
+          </a:fillRef>
+          <a:effectRef idx="0">
+            <a:schemeClr val="accent1"/>
+          </a:effectRef>
+          <a:fontRef idx="minor">
+            <a:schemeClr val="lt1"/>
+          </a:fontRef>
+        </p:style>
+        <p:txBody>
+          <a:bodyPr rtlCol="0" anchor="ctr"/>
+          <a:lstStyle/>
+          <a:p>
+            <a:pPr algn="ctr"/>
+            <a:endParaRPr lang="en-US"/>
+          </a:p>
+        </p:txBody>
+      </p:sp>
+    </p:spTree>
+    <p:extLst>
+      <p:ext uri="{BB962C8B-B14F-4D97-AF65-F5344CB8AC3E}">
+        <p14:creationId xmlns:p14="http://schemas.microsoft.com/office/powerpoint/2010/main" val="3856083567"/>
+      </p:ext>
+    </p:extLst>
+  </p:cSld>
+  <p:clrMapOvr>
+    <a:masterClrMapping/>
+  </p:clrMapOvr>
+</p:sld>
+</file>
+
+<file path=ppt/slides/slide17.xml><?xml version="1.0" encoding="utf-8"?>
+<p:sld xmlns:a="http://schemas.openxmlformats.org/drawingml/2006/main" xmlns:r="http://schemas.openxmlformats.org/officeDocument/2006/relationships" xmlns:p="http://schemas.openxmlformats.org/presentationml/2006/main">
+  <p:cSld>
+    <p:spTree>
+      <p:nvGrpSpPr>
+        <p:cNvPr id="1" name="">
+          <a:extLst>
+            <a:ext uri="{FF2B5EF4-FFF2-40B4-BE49-F238E27FC236}">
+              <a16:creationId xmlns:a16="http://schemas.microsoft.com/office/drawing/2014/main" id="{5B4850DC-6242-A7EF-5ADE-E8E7C0547C4E}"/>
+            </a:ext>
+          </a:extLst>
+        </p:cNvPr>
+        <p:cNvGrpSpPr/>
+        <p:nvPr/>
+      </p:nvGrpSpPr>
+      <p:grpSpPr>
+        <a:xfrm>
+          <a:off x="0" y="0"/>
+          <a:ext cx="0" cy="0"/>
+          <a:chOff x="0" y="0"/>
+          <a:chExt cx="0" cy="0"/>
+        </a:xfrm>
+      </p:grpSpPr>
+      <p:sp>
+        <p:nvSpPr>
+          <p:cNvPr id="2" name="Title 1">
+            <a:extLst>
+              <a:ext uri="{FF2B5EF4-FFF2-40B4-BE49-F238E27FC236}">
+                <a16:creationId xmlns:a16="http://schemas.microsoft.com/office/drawing/2014/main" id="{7908FB4C-F54B-6C84-6AC8-ADE9DB930522}"/>
+              </a:ext>
+            </a:extLst>
+          </p:cNvPr>
+          <p:cNvSpPr>
+            <a:spLocks noGrp="1"/>
+          </p:cNvSpPr>
+          <p:nvPr>
+            <p:ph type="title"/>
+          </p:nvPr>
+        </p:nvSpPr>
+        <p:spPr/>
+        <p:txBody>
+          <a:bodyPr/>
+          <a:lstStyle/>
+          <a:p>
             <a:r>
               <a:rPr lang="en-US" dirty="0"/>
-              <a:t>PE</a:t>
-            </a:r>
-          </a:p>
-        </p:txBody>
-      </p:sp>
-      <p:cxnSp>
-        <p:nvCxnSpPr>
-          <p:cNvPr id="13" name="Curved Connector 12">
-            <a:extLst>
-              <a:ext uri="{FF2B5EF4-FFF2-40B4-BE49-F238E27FC236}">
-                <a16:creationId xmlns:a16="http://schemas.microsoft.com/office/drawing/2014/main" id="{76DA0C59-E35A-7C8F-35AF-600238A24145}"/>
-              </a:ext>
-            </a:extLst>
-          </p:cNvPr>
-          <p:cNvCxnSpPr>
-            <a:cxnSpLocks/>
-            <a:stCxn id="11" idx="0"/>
-            <a:endCxn id="8" idx="1"/>
-          </p:cNvCxnSpPr>
+              <a:t>The life of a task: Pull request</a:t>
+            </a:r>
+          </a:p>
+        </p:txBody>
+      </p:sp>
+      <p:pic>
+        <p:nvPicPr>
+          <p:cNvPr id="7" name="Picture 6" descr="A screenshot of a computer&#10;&#10;AI-generated content may be incorrect.">
+            <a:extLst>
+              <a:ext uri="{FF2B5EF4-FFF2-40B4-BE49-F238E27FC236}">
+                <a16:creationId xmlns:a16="http://schemas.microsoft.com/office/drawing/2014/main" id="{C68B4EE8-9446-F976-359F-4CC94E7C46DA}"/>
+              </a:ext>
+            </a:extLst>
+          </p:cNvPr>
+          <p:cNvPicPr>
+            <a:picLocks noChangeAspect="1"/>
+          </p:cNvPicPr>
           <p:nvPr/>
-        </p:nvCxnSpPr>
+        </p:nvPicPr>
+        <p:blipFill>
+          <a:blip r:embed="rId3"/>
+          <a:stretch>
+            <a:fillRect/>
+          </a:stretch>
+        </p:blipFill>
         <p:spPr>
-          <a:xfrm rot="5400000" flipH="1" flipV="1">
-            <a:off x="1537183" y="3498060"/>
-            <a:ext cx="548592" cy="1181515"/>
+          <a:xfrm>
+            <a:off x="1981200" y="1524000"/>
+            <a:ext cx="7772400" cy="3065846"/>
           </a:xfrm>
-          <a:prstGeom prst="curvedConnector2">
+          <a:prstGeom prst="rect">
             <a:avLst/>
           </a:prstGeom>
         </p:spPr>
+      </p:pic>
+      <p:pic>
+        <p:nvPicPr>
+          <p:cNvPr id="9" name="Picture 8" descr="A screenshot of a chat&#10;&#10;AI-generated content may be incorrect.">
+            <a:extLst>
+              <a:ext uri="{FF2B5EF4-FFF2-40B4-BE49-F238E27FC236}">
+                <a16:creationId xmlns:a16="http://schemas.microsoft.com/office/drawing/2014/main" id="{9D1F388C-CC94-7BFB-85EF-5C4153447F3C}"/>
+              </a:ext>
+            </a:extLst>
+          </p:cNvPr>
+          <p:cNvPicPr>
+            <a:picLocks noChangeAspect="1"/>
+          </p:cNvPicPr>
+          <p:nvPr/>
+        </p:nvPicPr>
+        <p:blipFill>
+          <a:blip r:embed="rId4"/>
+          <a:stretch>
+            <a:fillRect/>
+          </a:stretch>
+        </p:blipFill>
+        <p:spPr>
+          <a:xfrm>
+            <a:off x="1981200" y="3962400"/>
+            <a:ext cx="7772400" cy="2663439"/>
+          </a:xfrm>
+          <a:prstGeom prst="rect">
+            <a:avLst/>
+          </a:prstGeom>
+          <a:effectLst>
+            <a:outerShdw blurRad="50800" dist="38100" dir="16200000" rotWithShape="0">
+              <a:prstClr val="black">
+                <a:alpha val="40000"/>
+              </a:prstClr>
+            </a:outerShdw>
+          </a:effectLst>
+        </p:spPr>
+      </p:pic>
+      <p:sp>
+        <p:nvSpPr>
+          <p:cNvPr id="10" name="Rectangle 9">
+            <a:extLst>
+              <a:ext uri="{FF2B5EF4-FFF2-40B4-BE49-F238E27FC236}">
+                <a16:creationId xmlns:a16="http://schemas.microsoft.com/office/drawing/2014/main" id="{61762CB0-B786-27C7-2324-8F93978555E6}"/>
+              </a:ext>
+            </a:extLst>
+          </p:cNvPr>
+          <p:cNvSpPr/>
+          <p:nvPr/>
+        </p:nvSpPr>
+        <p:spPr>
+          <a:xfrm>
+            <a:off x="7620000" y="3276600"/>
+            <a:ext cx="1981200" cy="609600"/>
+          </a:xfrm>
+          <a:prstGeom prst="rect">
+            <a:avLst/>
+          </a:prstGeom>
+          <a:noFill/>
+          <a:ln w="63500">
+            <a:solidFill>
+              <a:schemeClr val="accent2">
+                <a:lumMod val="75000"/>
+              </a:schemeClr>
+            </a:solidFill>
+          </a:ln>
+        </p:spPr>
         <p:style>
           <a:lnRef idx="2">
-            <a:schemeClr val="accent1"/>
+            <a:schemeClr val="accent1">
+              <a:shade val="15000"/>
+            </a:schemeClr>
           </a:lnRef>
-          <a:fillRef idx="0">
+          <a:fillRef idx="1">
             <a:schemeClr val="accent1"/>
           </a:fillRef>
-          <a:effectRef idx="1">
+          <a:effectRef idx="0">
             <a:schemeClr val="accent1"/>
           </a:effectRef>
           <a:fontRef idx="minor">
-            <a:schemeClr val="tx1"/>
+            <a:schemeClr val="lt1"/>
           </a:fontRef>
         </p:style>
-      </p:cxnSp>
+        <p:txBody>
+          <a:bodyPr rtlCol="0" anchor="ctr"/>
+          <a:lstStyle/>
+          <a:p>
+            <a:pPr algn="ctr"/>
+            <a:endParaRPr lang="en-US"/>
+          </a:p>
+        </p:txBody>
+      </p:sp>
+    </p:spTree>
+    <p:extLst>
+      <p:ext uri="{BB962C8B-B14F-4D97-AF65-F5344CB8AC3E}">
+        <p14:creationId xmlns:p14="http://schemas.microsoft.com/office/powerpoint/2010/main" val="2390323273"/>
+      </p:ext>
+    </p:extLst>
+  </p:cSld>
+  <p:clrMapOvr>
+    <a:masterClrMapping/>
+  </p:clrMapOvr>
+</p:sld>
+</file>
+
+<file path=ppt/slides/slide18.xml><?xml version="1.0" encoding="utf-8"?>
+<p:sld xmlns:a="http://schemas.openxmlformats.org/drawingml/2006/main" xmlns:r="http://schemas.openxmlformats.org/officeDocument/2006/relationships" xmlns:p="http://schemas.openxmlformats.org/presentationml/2006/main">
+  <p:cSld>
+    <p:spTree>
+      <p:nvGrpSpPr>
+        <p:cNvPr id="1" name="">
+          <a:extLst>
+            <a:ext uri="{FF2B5EF4-FFF2-40B4-BE49-F238E27FC236}">
+              <a16:creationId xmlns:a16="http://schemas.microsoft.com/office/drawing/2014/main" id="{1FDA80E7-C3AB-F40B-0EFC-33AD8FE876A5}"/>
+            </a:ext>
+          </a:extLst>
+        </p:cNvPr>
+        <p:cNvGrpSpPr/>
+        <p:nvPr/>
+      </p:nvGrpSpPr>
+      <p:grpSpPr>
+        <a:xfrm>
+          <a:off x="0" y="0"/>
+          <a:ext cx="0" cy="0"/>
+          <a:chOff x="0" y="0"/>
+          <a:chExt cx="0" cy="0"/>
+        </a:xfrm>
+      </p:grpSpPr>
+      <p:pic>
+        <p:nvPicPr>
+          <p:cNvPr id="26" name="Content Placeholder 25" descr="A screenshot of a computer&#10;&#10;AI-generated content may be incorrect.">
+            <a:extLst>
+              <a:ext uri="{FF2B5EF4-FFF2-40B4-BE49-F238E27FC236}">
+                <a16:creationId xmlns:a16="http://schemas.microsoft.com/office/drawing/2014/main" id="{4805D5C8-ACEE-C6E3-A805-AD6DB7102F47}"/>
+              </a:ext>
+            </a:extLst>
+          </p:cNvPr>
+          <p:cNvPicPr>
+            <a:picLocks noGrp="1" noChangeAspect="1"/>
+          </p:cNvPicPr>
+          <p:nvPr>
+            <p:ph idx="1"/>
+          </p:nvPr>
+        </p:nvPicPr>
+        <p:blipFill>
+          <a:blip r:embed="rId3"/>
+          <a:stretch>
+            <a:fillRect/>
+          </a:stretch>
+        </p:blipFill>
+        <p:spPr>
+          <a:xfrm>
+            <a:off x="2579061" y="1804988"/>
+            <a:ext cx="7033878" cy="3757612"/>
+          </a:xfrm>
+        </p:spPr>
+      </p:pic>
+      <p:sp>
+        <p:nvSpPr>
+          <p:cNvPr id="2" name="Title 1">
+            <a:extLst>
+              <a:ext uri="{FF2B5EF4-FFF2-40B4-BE49-F238E27FC236}">
+                <a16:creationId xmlns:a16="http://schemas.microsoft.com/office/drawing/2014/main" id="{8BD36B45-0D56-E93B-DEB5-43B547E093C5}"/>
+              </a:ext>
+            </a:extLst>
+          </p:cNvPr>
+          <p:cNvSpPr>
+            <a:spLocks noGrp="1"/>
+          </p:cNvSpPr>
+          <p:nvPr>
+            <p:ph type="title"/>
+          </p:nvPr>
+        </p:nvSpPr>
+        <p:spPr/>
+        <p:txBody>
+          <a:bodyPr/>
+          <a:lstStyle/>
+          <a:p>
+            <a:r>
+              <a:rPr lang="en-US" dirty="0"/>
+              <a:t>Sync your fork again before taking on the next task.</a:t>
+            </a:r>
+          </a:p>
+        </p:txBody>
+      </p:sp>
+      <p:sp>
+        <p:nvSpPr>
+          <p:cNvPr id="8" name="Rectangle 7">
+            <a:extLst>
+              <a:ext uri="{FF2B5EF4-FFF2-40B4-BE49-F238E27FC236}">
+                <a16:creationId xmlns:a16="http://schemas.microsoft.com/office/drawing/2014/main" id="{BA887556-3B68-849F-3C24-E71E3B3EE227}"/>
+              </a:ext>
+            </a:extLst>
+          </p:cNvPr>
+          <p:cNvSpPr/>
+          <p:nvPr/>
+        </p:nvSpPr>
+        <p:spPr>
+          <a:xfrm>
+            <a:off x="2675186" y="3437532"/>
+            <a:ext cx="921958" cy="492524"/>
+          </a:xfrm>
+          <a:prstGeom prst="rect">
+            <a:avLst/>
+          </a:prstGeom>
+          <a:noFill/>
+          <a:ln w="63500">
+            <a:solidFill>
+              <a:schemeClr val="accent2">
+                <a:lumMod val="75000"/>
+              </a:schemeClr>
+            </a:solidFill>
+          </a:ln>
+        </p:spPr>
+        <p:style>
+          <a:lnRef idx="2">
+            <a:schemeClr val="accent1">
+              <a:shade val="15000"/>
+            </a:schemeClr>
+          </a:lnRef>
+          <a:fillRef idx="1">
+            <a:schemeClr val="accent1"/>
+          </a:fillRef>
+          <a:effectRef idx="0">
+            <a:schemeClr val="accent1"/>
+          </a:effectRef>
+          <a:fontRef idx="minor">
+            <a:schemeClr val="lt1"/>
+          </a:fontRef>
+        </p:style>
+        <p:txBody>
+          <a:bodyPr rtlCol="0" anchor="ctr"/>
+          <a:lstStyle/>
+          <a:p>
+            <a:pPr algn="ctr"/>
+            <a:endParaRPr lang="en-US"/>
+          </a:p>
+        </p:txBody>
+      </p:sp>
+      <p:sp>
+        <p:nvSpPr>
+          <p:cNvPr id="10" name="Rectangle 9">
+            <a:extLst>
+              <a:ext uri="{FF2B5EF4-FFF2-40B4-BE49-F238E27FC236}">
+                <a16:creationId xmlns:a16="http://schemas.microsoft.com/office/drawing/2014/main" id="{6BFCE72B-2F94-38CB-224D-935E0B065BA5}"/>
+              </a:ext>
+            </a:extLst>
+          </p:cNvPr>
+          <p:cNvSpPr/>
+          <p:nvPr/>
+        </p:nvSpPr>
+        <p:spPr>
+          <a:xfrm>
+            <a:off x="8153399" y="3930056"/>
+            <a:ext cx="1323109" cy="492526"/>
+          </a:xfrm>
+          <a:prstGeom prst="rect">
+            <a:avLst/>
+          </a:prstGeom>
+          <a:noFill/>
+          <a:ln w="63500">
+            <a:solidFill>
+              <a:schemeClr val="accent2">
+                <a:lumMod val="75000"/>
+              </a:schemeClr>
+            </a:solidFill>
+          </a:ln>
+        </p:spPr>
+        <p:style>
+          <a:lnRef idx="2">
+            <a:schemeClr val="accent1">
+              <a:shade val="15000"/>
+            </a:schemeClr>
+          </a:lnRef>
+          <a:fillRef idx="1">
+            <a:schemeClr val="accent1"/>
+          </a:fillRef>
+          <a:effectRef idx="0">
+            <a:schemeClr val="accent1"/>
+          </a:effectRef>
+          <a:fontRef idx="minor">
+            <a:schemeClr val="lt1"/>
+          </a:fontRef>
+        </p:style>
+        <p:txBody>
+          <a:bodyPr rtlCol="0" anchor="ctr"/>
+          <a:lstStyle/>
+          <a:p>
+            <a:pPr algn="ctr"/>
+            <a:endParaRPr lang="en-US"/>
+          </a:p>
+        </p:txBody>
+      </p:sp>
       <p:sp>
         <p:nvSpPr>
           <p:cNvPr id="17" name="Content Placeholder 2">
             <a:extLst>
               <a:ext uri="{FF2B5EF4-FFF2-40B4-BE49-F238E27FC236}">
-                <a16:creationId xmlns:a16="http://schemas.microsoft.com/office/drawing/2014/main" id="{D5F60ED5-7E4A-C7F5-E7ED-925514F073A9}"/>
+                <a16:creationId xmlns:a16="http://schemas.microsoft.com/office/drawing/2014/main" id="{8A51A004-F219-DA59-7258-63E3BA6F540D}"/>
               </a:ext>
             </a:extLst>
           </p:cNvPr>
@@ -9381,8 +10949,8 @@
         </p:nvSpPr>
         <p:spPr>
           <a:xfrm>
-            <a:off x="838200" y="5676900"/>
-            <a:ext cx="10515600" cy="785885"/>
+            <a:off x="1981200" y="5655488"/>
+            <a:ext cx="8458200" cy="785885"/>
           </a:xfrm>
           <a:prstGeom prst="rect">
             <a:avLst/>
@@ -9585,7 +11153,7 @@
     </p:spTree>
     <p:extLst>
       <p:ext uri="{BB962C8B-B14F-4D97-AF65-F5344CB8AC3E}">
-        <p14:creationId xmlns:p14="http://schemas.microsoft.com/office/powerpoint/2010/main" val="1821832307"/>
+        <p14:creationId xmlns:p14="http://schemas.microsoft.com/office/powerpoint/2010/main" val="1944158841"/>
       </p:ext>
     </p:extLst>
   </p:cSld>
@@ -10499,12 +12067,8 @@
           <a:lstStyle/>
           <a:p>
             <a:r>
-              <a:rPr lang="en-US"/>
-              <a:t>Branch Structure </a:t>
-            </a:r>
-            <a:r>
               <a:rPr lang="en-US" dirty="0"/>
-              <a:t>in SPECFEM++: Hackathon</a:t>
+              <a:t>Branch Structure in SPECFEM++: Hackathon</a:t>
             </a:r>
           </a:p>
         </p:txBody>

--- a/presentations/2025/03/Princeton_LLNL_Hackathon/Git_development_Workflow.pptx
+++ b/presentations/2025/03/Princeton_LLNL_Hackathon/Git_development_Workflow.pptx
@@ -8522,7 +8522,7 @@
         </p:nvSpPr>
         <p:spPr>
           <a:xfrm>
-            <a:off x="10120007" y="372096"/>
+            <a:off x="10007236" y="819666"/>
             <a:ext cx="1394660" cy="369332"/>
           </a:xfrm>
           <a:prstGeom prst="rect">
@@ -11668,7 +11668,7 @@
         </p:nvSpPr>
         <p:spPr>
           <a:xfrm>
-            <a:off x="2709676" y="1835206"/>
+            <a:off x="2709676" y="1908358"/>
             <a:ext cx="765044" cy="377642"/>
           </a:xfrm>
           <a:prstGeom prst="rect">
@@ -11703,7 +11703,7 @@
         </p:nvSpPr>
         <p:spPr>
           <a:xfrm>
-            <a:off x="6217923" y="1920654"/>
+            <a:off x="6217923" y="1524000"/>
             <a:ext cx="765044" cy="377642"/>
           </a:xfrm>
           <a:prstGeom prst="rect">
@@ -11738,7 +11738,7 @@
         </p:nvSpPr>
         <p:spPr>
           <a:xfrm>
-            <a:off x="9759696" y="1920654"/>
+            <a:off x="9759696" y="1295400"/>
             <a:ext cx="993645" cy="369332"/>
           </a:xfrm>
           <a:prstGeom prst="rect">
@@ -12300,7 +12300,7 @@
         </p:nvSpPr>
         <p:spPr>
           <a:xfrm>
-            <a:off x="2709676" y="1835206"/>
+            <a:off x="2709676" y="2289358"/>
             <a:ext cx="765044" cy="377642"/>
           </a:xfrm>
           <a:prstGeom prst="rect">
@@ -12450,7 +12450,7 @@
         </p:nvSpPr>
         <p:spPr>
           <a:xfrm>
-            <a:off x="1374653" y="1835206"/>
+            <a:off x="1374653" y="2517958"/>
             <a:ext cx="765044" cy="377642"/>
           </a:xfrm>
           <a:prstGeom prst="rect">
@@ -12551,6 +12551,166 @@
   <p:clrMapOvr>
     <a:masterClrMapping/>
   </p:clrMapOvr>
+  <p:timing>
+    <p:tnLst>
+      <p:par>
+        <p:cTn id="1" dur="indefinite" restart="never" nodeType="tmRoot">
+          <p:childTnLst>
+            <p:seq concurrent="1" nextAc="seek">
+              <p:cTn id="2" dur="indefinite" nodeType="mainSeq">
+                <p:childTnLst>
+                  <p:par>
+                    <p:cTn id="3" fill="hold">
+                      <p:stCondLst>
+                        <p:cond delay="indefinite"/>
+                      </p:stCondLst>
+                      <p:childTnLst>
+                        <p:par>
+                          <p:cTn id="4" fill="hold">
+                            <p:stCondLst>
+                              <p:cond delay="0"/>
+                            </p:stCondLst>
+                            <p:childTnLst>
+                              <p:par>
+                                <p:cTn id="5" presetID="1" presetClass="entr" presetSubtype="0" fill="hold" nodeType="clickEffect">
+                                  <p:stCondLst>
+                                    <p:cond delay="0"/>
+                                  </p:stCondLst>
+                                  <p:childTnLst>
+                                    <p:set>
+                                      <p:cBhvr>
+                                        <p:cTn id="6" dur="1" fill="hold">
+                                          <p:stCondLst>
+                                            <p:cond delay="0"/>
+                                          </p:stCondLst>
+                                        </p:cTn>
+                                        <p:tgtEl>
+                                          <p:spTgt spid="10"/>
+                                        </p:tgtEl>
+                                        <p:attrNameLst>
+                                          <p:attrName>style.visibility</p:attrName>
+                                        </p:attrNameLst>
+                                      </p:cBhvr>
+                                      <p:to>
+                                        <p:strVal val="visible"/>
+                                      </p:to>
+                                    </p:set>
+                                  </p:childTnLst>
+                                </p:cTn>
+                              </p:par>
+                              <p:par>
+                                <p:cTn id="7" presetID="1" presetClass="entr" presetSubtype="0" fill="hold" grpId="0" nodeType="withEffect">
+                                  <p:stCondLst>
+                                    <p:cond delay="0"/>
+                                  </p:stCondLst>
+                                  <p:childTnLst>
+                                    <p:set>
+                                      <p:cBhvr>
+                                        <p:cTn id="8" dur="1" fill="hold">
+                                          <p:stCondLst>
+                                            <p:cond delay="0"/>
+                                          </p:stCondLst>
+                                        </p:cTn>
+                                        <p:tgtEl>
+                                          <p:spTgt spid="7"/>
+                                        </p:tgtEl>
+                                        <p:attrNameLst>
+                                          <p:attrName>style.visibility</p:attrName>
+                                        </p:attrNameLst>
+                                      </p:cBhvr>
+                                      <p:to>
+                                        <p:strVal val="visible"/>
+                                      </p:to>
+                                    </p:set>
+                                  </p:childTnLst>
+                                </p:cTn>
+                              </p:par>
+                              <p:par>
+                                <p:cTn id="9" presetID="1" presetClass="entr" presetSubtype="0" fill="hold" nodeType="withEffect">
+                                  <p:stCondLst>
+                                    <p:cond delay="0"/>
+                                  </p:stCondLst>
+                                  <p:childTnLst>
+                                    <p:set>
+                                      <p:cBhvr>
+                                        <p:cTn id="10" dur="1" fill="hold">
+                                          <p:stCondLst>
+                                            <p:cond delay="0"/>
+                                          </p:stCondLst>
+                                        </p:cTn>
+                                        <p:tgtEl>
+                                          <p:spTgt spid="60"/>
+                                        </p:tgtEl>
+                                        <p:attrNameLst>
+                                          <p:attrName>style.visibility</p:attrName>
+                                        </p:attrNameLst>
+                                      </p:cBhvr>
+                                      <p:to>
+                                        <p:strVal val="visible"/>
+                                      </p:to>
+                                    </p:set>
+                                  </p:childTnLst>
+                                </p:cTn>
+                              </p:par>
+                              <p:par>
+                                <p:cTn id="11" presetID="1" presetClass="entr" presetSubtype="0" fill="hold" grpId="0" nodeType="withEffect">
+                                  <p:stCondLst>
+                                    <p:cond delay="0"/>
+                                  </p:stCondLst>
+                                  <p:childTnLst>
+                                    <p:set>
+                                      <p:cBhvr>
+                                        <p:cTn id="12" dur="1" fill="hold">
+                                          <p:stCondLst>
+                                            <p:cond delay="0"/>
+                                          </p:stCondLst>
+                                        </p:cTn>
+                                        <p:tgtEl>
+                                          <p:spTgt spid="20"/>
+                                        </p:tgtEl>
+                                        <p:attrNameLst>
+                                          <p:attrName>style.visibility</p:attrName>
+                                        </p:attrNameLst>
+                                      </p:cBhvr>
+                                      <p:to>
+                                        <p:strVal val="visible"/>
+                                      </p:to>
+                                    </p:set>
+                                  </p:childTnLst>
+                                </p:cTn>
+                              </p:par>
+                            </p:childTnLst>
+                          </p:cTn>
+                        </p:par>
+                      </p:childTnLst>
+                    </p:cTn>
+                  </p:par>
+                </p:childTnLst>
+              </p:cTn>
+              <p:prevCondLst>
+                <p:cond evt="onPrev" delay="0">
+                  <p:tgtEl>
+                    <p:sldTgt/>
+                  </p:tgtEl>
+                </p:cond>
+              </p:prevCondLst>
+              <p:nextCondLst>
+                <p:cond evt="onNext" delay="0">
+                  <p:tgtEl>
+                    <p:sldTgt/>
+                  </p:tgtEl>
+                </p:cond>
+              </p:nextCondLst>
+            </p:seq>
+          </p:childTnLst>
+        </p:cTn>
+      </p:par>
+    </p:tnLst>
+    <p:bldLst>
+      <p:bldP spid="20" grpId="0"/>
+      <p:bldP spid="7" grpId="0"/>
+    </p:bldLst>
+  </p:timing>
 </p:sld>
 </file>
 
@@ -13221,6 +13381,108 @@
   <p:clrMapOvr>
     <a:masterClrMapping/>
   </p:clrMapOvr>
+  <p:timing>
+    <p:tnLst>
+      <p:par>
+        <p:cTn id="1" dur="indefinite" restart="never" nodeType="tmRoot">
+          <p:childTnLst>
+            <p:seq concurrent="1" nextAc="seek">
+              <p:cTn id="2" dur="indefinite" nodeType="mainSeq">
+                <p:childTnLst>
+                  <p:par>
+                    <p:cTn id="3" fill="hold">
+                      <p:stCondLst>
+                        <p:cond delay="indefinite"/>
+                      </p:stCondLst>
+                      <p:childTnLst>
+                        <p:par>
+                          <p:cTn id="4" fill="hold">
+                            <p:stCondLst>
+                              <p:cond delay="0"/>
+                            </p:stCondLst>
+                            <p:childTnLst>
+                              <p:par>
+                                <p:cTn id="5" presetID="1" presetClass="entr" presetSubtype="0" fill="hold" nodeType="clickEffect">
+                                  <p:stCondLst>
+                                    <p:cond delay="0"/>
+                                  </p:stCondLst>
+                                  <p:childTnLst>
+                                    <p:set>
+                                      <p:cBhvr>
+                                        <p:cTn id="6" dur="1" fill="hold">
+                                          <p:stCondLst>
+                                            <p:cond delay="0"/>
+                                          </p:stCondLst>
+                                        </p:cTn>
+                                        <p:tgtEl>
+                                          <p:spTgt spid="11"/>
+                                        </p:tgtEl>
+                                        <p:attrNameLst>
+                                          <p:attrName>style.visibility</p:attrName>
+                                        </p:attrNameLst>
+                                      </p:cBhvr>
+                                      <p:to>
+                                        <p:strVal val="visible"/>
+                                      </p:to>
+                                    </p:set>
+                                  </p:childTnLst>
+                                </p:cTn>
+                              </p:par>
+                              <p:par>
+                                <p:cTn id="7" presetID="1" presetClass="entr" presetSubtype="0" fill="hold" nodeType="withEffect">
+                                  <p:stCondLst>
+                                    <p:cond delay="0"/>
+                                  </p:stCondLst>
+                                  <p:childTnLst>
+                                    <p:set>
+                                      <p:cBhvr>
+                                        <p:cTn id="8" dur="1" fill="hold">
+                                          <p:stCondLst>
+                                            <p:cond delay="0"/>
+                                          </p:stCondLst>
+                                        </p:cTn>
+                                        <p:tgtEl>
+                                          <p:spTgt spid="16"/>
+                                        </p:tgtEl>
+                                        <p:attrNameLst>
+                                          <p:attrName>style.visibility</p:attrName>
+                                        </p:attrNameLst>
+                                      </p:cBhvr>
+                                      <p:to>
+                                        <p:strVal val="visible"/>
+                                      </p:to>
+                                    </p:set>
+                                  </p:childTnLst>
+                                </p:cTn>
+                              </p:par>
+                            </p:childTnLst>
+                          </p:cTn>
+                        </p:par>
+                      </p:childTnLst>
+                    </p:cTn>
+                  </p:par>
+                </p:childTnLst>
+              </p:cTn>
+              <p:prevCondLst>
+                <p:cond evt="onPrev" delay="0">
+                  <p:tgtEl>
+                    <p:sldTgt/>
+                  </p:tgtEl>
+                </p:cond>
+              </p:prevCondLst>
+              <p:nextCondLst>
+                <p:cond evt="onNext" delay="0">
+                  <p:tgtEl>
+                    <p:sldTgt/>
+                  </p:tgtEl>
+                </p:cond>
+              </p:nextCondLst>
+            </p:seq>
+          </p:childTnLst>
+        </p:cTn>
+      </p:par>
+    </p:tnLst>
+  </p:timing>
 </p:sld>
 </file>
 
